--- a/Churn_Case.pptx
+++ b/Churn_Case.pptx
@@ -13,6 +13,7 @@
     <p:sldId id="262" r:id="rId7"/>
     <p:sldId id="260" r:id="rId8"/>
     <p:sldId id="261" r:id="rId9"/>
+    <p:sldId id="266" r:id="rId10"/>
   </p:sldIdLst>
   <p:sldSz cx="12192000" cy="6858000"/>
   <p:notesSz cx="6858000" cy="9144000"/>
@@ -124,9 +125,13 @@
             <p14:sldId id="262"/>
             <p14:sldId id="260"/>
             <p14:sldId id="261"/>
+            <p14:sldId id="266"/>
           </p14:sldIdLst>
         </p14:section>
       </p14:sectionLst>
+    </p:ext>
+    <p:ext uri="{EFAFB233-063F-42B5-8137-9DF3F51BA10A}">
+      <p15:sldGuideLst xmlns:p15="http://schemas.microsoft.com/office/powerpoint/2012/main"/>
     </p:ext>
   </p:extLst>
 </p:presentation>
@@ -279,7 +284,7 @@
           <a:p>
             <a:fld id="{AEA70219-8491-4A84-91A6-C47F15E52AC2}" type="datetimeFigureOut">
               <a:rPr lang="pt-BR" smtClean="0"/>
-              <a:t>14/03/2021</a:t>
+              <a:t>15/03/2021</a:t>
             </a:fld>
             <a:endParaRPr lang="pt-BR"/>
           </a:p>
@@ -477,7 +482,7 @@
           <a:p>
             <a:fld id="{AEA70219-8491-4A84-91A6-C47F15E52AC2}" type="datetimeFigureOut">
               <a:rPr lang="pt-BR" smtClean="0"/>
-              <a:t>14/03/2021</a:t>
+              <a:t>15/03/2021</a:t>
             </a:fld>
             <a:endParaRPr lang="pt-BR"/>
           </a:p>
@@ -685,7 +690,7 @@
           <a:p>
             <a:fld id="{AEA70219-8491-4A84-91A6-C47F15E52AC2}" type="datetimeFigureOut">
               <a:rPr lang="pt-BR" smtClean="0"/>
-              <a:t>14/03/2021</a:t>
+              <a:t>15/03/2021</a:t>
             </a:fld>
             <a:endParaRPr lang="pt-BR"/>
           </a:p>
@@ -883,7 +888,7 @@
           <a:p>
             <a:fld id="{AEA70219-8491-4A84-91A6-C47F15E52AC2}" type="datetimeFigureOut">
               <a:rPr lang="pt-BR" smtClean="0"/>
-              <a:t>14/03/2021</a:t>
+              <a:t>15/03/2021</a:t>
             </a:fld>
             <a:endParaRPr lang="pt-BR"/>
           </a:p>
@@ -1158,7 +1163,7 @@
           <a:p>
             <a:fld id="{AEA70219-8491-4A84-91A6-C47F15E52AC2}" type="datetimeFigureOut">
               <a:rPr lang="pt-BR" smtClean="0"/>
-              <a:t>14/03/2021</a:t>
+              <a:t>15/03/2021</a:t>
             </a:fld>
             <a:endParaRPr lang="pt-BR"/>
           </a:p>
@@ -1423,7 +1428,7 @@
           <a:p>
             <a:fld id="{AEA70219-8491-4A84-91A6-C47F15E52AC2}" type="datetimeFigureOut">
               <a:rPr lang="pt-BR" smtClean="0"/>
-              <a:t>14/03/2021</a:t>
+              <a:t>15/03/2021</a:t>
             </a:fld>
             <a:endParaRPr lang="pt-BR"/>
           </a:p>
@@ -1835,7 +1840,7 @@
           <a:p>
             <a:fld id="{AEA70219-8491-4A84-91A6-C47F15E52AC2}" type="datetimeFigureOut">
               <a:rPr lang="pt-BR" smtClean="0"/>
-              <a:t>14/03/2021</a:t>
+              <a:t>15/03/2021</a:t>
             </a:fld>
             <a:endParaRPr lang="pt-BR"/>
           </a:p>
@@ -1976,7 +1981,7 @@
           <a:p>
             <a:fld id="{AEA70219-8491-4A84-91A6-C47F15E52AC2}" type="datetimeFigureOut">
               <a:rPr lang="pt-BR" smtClean="0"/>
-              <a:t>14/03/2021</a:t>
+              <a:t>15/03/2021</a:t>
             </a:fld>
             <a:endParaRPr lang="pt-BR"/>
           </a:p>
@@ -2089,7 +2094,7 @@
           <a:p>
             <a:fld id="{AEA70219-8491-4A84-91A6-C47F15E52AC2}" type="datetimeFigureOut">
               <a:rPr lang="pt-BR" smtClean="0"/>
-              <a:t>14/03/2021</a:t>
+              <a:t>15/03/2021</a:t>
             </a:fld>
             <a:endParaRPr lang="pt-BR"/>
           </a:p>
@@ -2400,7 +2405,7 @@
           <a:p>
             <a:fld id="{AEA70219-8491-4A84-91A6-C47F15E52AC2}" type="datetimeFigureOut">
               <a:rPr lang="pt-BR" smtClean="0"/>
-              <a:t>14/03/2021</a:t>
+              <a:t>15/03/2021</a:t>
             </a:fld>
             <a:endParaRPr lang="pt-BR"/>
           </a:p>
@@ -2688,7 +2693,7 @@
           <a:p>
             <a:fld id="{AEA70219-8491-4A84-91A6-C47F15E52AC2}" type="datetimeFigureOut">
               <a:rPr lang="pt-BR" smtClean="0"/>
-              <a:t>14/03/2021</a:t>
+              <a:t>15/03/2021</a:t>
             </a:fld>
             <a:endParaRPr lang="pt-BR"/>
           </a:p>
@@ -2929,7 +2934,7 @@
           <a:p>
             <a:fld id="{AEA70219-8491-4A84-91A6-C47F15E52AC2}" type="datetimeFigureOut">
               <a:rPr lang="pt-BR" smtClean="0"/>
-              <a:t>14/03/2021</a:t>
+              <a:t>15/03/2021</a:t>
             </a:fld>
             <a:endParaRPr lang="pt-BR"/>
           </a:p>
@@ -4840,12 +4845,74 @@
           </a:p>
         </p:txBody>
       </p:sp>
+      <p:sp>
+        <p:nvSpPr>
+          <p:cNvPr id="8" name="CaixaDeTexto 7">
+            <a:extLst>
+              <a:ext uri="{FF2B5EF4-FFF2-40B4-BE49-F238E27FC236}">
+                <a16:creationId xmlns:a16="http://schemas.microsoft.com/office/drawing/2014/main" id="{5839D187-A377-4911-90E7-9FCB71ABFF4D}"/>
+              </a:ext>
+            </a:extLst>
+          </p:cNvPr>
+          <p:cNvSpPr txBox="1"/>
+          <p:nvPr/>
+        </p:nvSpPr>
+        <p:spPr>
+          <a:xfrm>
+            <a:off x="9596582" y="1269444"/>
+            <a:ext cx="2178545" cy="1477328"/>
+          </a:xfrm>
+          <a:prstGeom prst="rect">
+            <a:avLst/>
+          </a:prstGeom>
+          <a:noFill/>
+        </p:spPr>
+        <p:txBody>
+          <a:bodyPr wrap="none" rtlCol="0">
+            <a:spAutoFit/>
+          </a:bodyPr>
+          <a:lstStyle/>
+          <a:p>
+            <a:r>
+              <a:rPr lang="pt-BR" dirty="0">
+                <a:solidFill>
+                  <a:srgbClr val="FF0000"/>
+                </a:solidFill>
+              </a:rPr>
+              <a:t>4 meses de duração !</a:t>
+            </a:r>
+          </a:p>
+          <a:p>
+            <a:endParaRPr lang="pt-BR" dirty="0">
+              <a:solidFill>
+                <a:srgbClr val="FF0000"/>
+              </a:solidFill>
+            </a:endParaRPr>
+          </a:p>
+          <a:p>
+            <a:r>
+              <a:rPr lang="pt-BR" dirty="0">
+                <a:solidFill>
+                  <a:srgbClr val="FF0000"/>
+                </a:solidFill>
+              </a:rPr>
+              <a:t>1 Mês de Duração !</a:t>
+            </a:r>
+          </a:p>
+          <a:p>
+            <a:endParaRPr lang="pt-BR" dirty="0"/>
+          </a:p>
+          <a:p>
+            <a:endParaRPr lang="pt-BR" dirty="0"/>
+          </a:p>
+        </p:txBody>
+      </p:sp>
       <p:pic>
         <p:nvPicPr>
-          <p:cNvPr id="7" name="Imagem 6">
-            <a:extLst>
-              <a:ext uri="{FF2B5EF4-FFF2-40B4-BE49-F238E27FC236}">
-                <a16:creationId xmlns:a16="http://schemas.microsoft.com/office/drawing/2014/main" id="{F47415DB-0ADE-4332-9A76-B3939F1B113C}"/>
+          <p:cNvPr id="4" name="Imagem 3">
+            <a:extLst>
+              <a:ext uri="{FF2B5EF4-FFF2-40B4-BE49-F238E27FC236}">
+                <a16:creationId xmlns:a16="http://schemas.microsoft.com/office/drawing/2014/main" id="{A4BB5F0D-8725-4C32-A981-33C522D13087}"/>
               </a:ext>
             </a:extLst>
           </p:cNvPr>
@@ -4862,8 +4929,8 @@
         </p:blipFill>
         <p:spPr>
           <a:xfrm>
-            <a:off x="3001750" y="1321120"/>
-            <a:ext cx="5985299" cy="5656952"/>
+            <a:off x="556095" y="2320537"/>
+            <a:ext cx="9040487" cy="3353268"/>
           </a:xfrm>
           <a:prstGeom prst="rect">
             <a:avLst/>
@@ -4872,10 +4939,10 @@
       </p:pic>
       <p:sp>
         <p:nvSpPr>
-          <p:cNvPr id="8" name="CaixaDeTexto 7">
-            <a:extLst>
-              <a:ext uri="{FF2B5EF4-FFF2-40B4-BE49-F238E27FC236}">
-                <a16:creationId xmlns:a16="http://schemas.microsoft.com/office/drawing/2014/main" id="{5839D187-A377-4911-90E7-9FCB71ABFF4D}"/>
+          <p:cNvPr id="9" name="CaixaDeTexto 8">
+            <a:extLst>
+              <a:ext uri="{FF2B5EF4-FFF2-40B4-BE49-F238E27FC236}">
+                <a16:creationId xmlns:a16="http://schemas.microsoft.com/office/drawing/2014/main" id="{1CAFC7CD-4F3D-4AA3-884F-6AB578B4C2E3}"/>
               </a:ext>
             </a:extLst>
           </p:cNvPr>
@@ -4884,8 +4951,8 @@
         </p:nvSpPr>
         <p:spPr>
           <a:xfrm>
-            <a:off x="9596582" y="2623127"/>
-            <a:ext cx="2178545" cy="1477328"/>
+            <a:off x="6731493" y="5976395"/>
+            <a:ext cx="6094520" cy="369332"/>
           </a:xfrm>
           <a:prstGeom prst="rect">
             <a:avLst/>
@@ -4893,7 +4960,7 @@
           <a:noFill/>
         </p:spPr>
         <p:txBody>
-          <a:bodyPr wrap="none" rtlCol="0">
+          <a:bodyPr wrap="square">
             <a:spAutoFit/>
           </a:bodyPr>
           <a:lstStyle/>
@@ -4904,7 +4971,62 @@
                   <a:srgbClr val="FF0000"/>
                 </a:solidFill>
               </a:rPr>
-              <a:t>4 meses de duração !</a:t>
+              <a:t>Vale </a:t>
+            </a:r>
+            <a:r>
+              <a:rPr lang="pt-BR" dirty="0" err="1">
+                <a:solidFill>
+                  <a:srgbClr val="FF0000"/>
+                </a:solidFill>
+              </a:rPr>
+              <a:t>Boxplot</a:t>
+            </a:r>
+            <a:r>
+              <a:rPr lang="pt-BR" dirty="0">
+                <a:solidFill>
+                  <a:srgbClr val="FF0000"/>
+                </a:solidFill>
+              </a:rPr>
+              <a:t> para mostrar percentil ?</a:t>
+            </a:r>
+          </a:p>
+        </p:txBody>
+      </p:sp>
+      <p:sp>
+        <p:nvSpPr>
+          <p:cNvPr id="10" name="CaixaDeTexto 9">
+            <a:extLst>
+              <a:ext uri="{FF2B5EF4-FFF2-40B4-BE49-F238E27FC236}">
+                <a16:creationId xmlns:a16="http://schemas.microsoft.com/office/drawing/2014/main" id="{095C39CD-5A32-4FDE-83E5-D930D57F1B6B}"/>
+              </a:ext>
+            </a:extLst>
+          </p:cNvPr>
+          <p:cNvSpPr txBox="1"/>
+          <p:nvPr/>
+        </p:nvSpPr>
+        <p:spPr>
+          <a:xfrm>
+            <a:off x="7017057" y="2558377"/>
+            <a:ext cx="6094520" cy="1200329"/>
+          </a:xfrm>
+          <a:prstGeom prst="rect">
+            <a:avLst/>
+          </a:prstGeom>
+          <a:noFill/>
+        </p:spPr>
+        <p:txBody>
+          <a:bodyPr wrap="square">
+            <a:spAutoFit/>
+          </a:bodyPr>
+          <a:lstStyle/>
+          <a:p>
+            <a:r>
+              <a:rPr lang="pt-BR" dirty="0">
+                <a:solidFill>
+                  <a:srgbClr val="FF0000"/>
+                </a:solidFill>
+              </a:rPr>
+              <a:t>Faz sentido 20,62 % estão no primeiro mês </a:t>
             </a:r>
           </a:p>
           <a:p>
@@ -4921,14 +5043,18 @@
                   <a:srgbClr val="FF0000"/>
                 </a:solidFill>
               </a:rPr>
-              <a:t>1 Mês de Duração !</a:t>
-            </a:r>
-          </a:p>
-          <a:p>
-            <a:endParaRPr lang="pt-BR" dirty="0"/>
-          </a:p>
-          <a:p>
-            <a:endParaRPr lang="pt-BR" dirty="0"/>
+              <a:t>70% dos que cancelaram tinham menos de 4 meses </a:t>
+            </a:r>
+          </a:p>
+          <a:p>
+            <a:r>
+              <a:rPr lang="pt-BR" dirty="0">
+                <a:solidFill>
+                  <a:srgbClr val="FF0000"/>
+                </a:solidFill>
+              </a:rPr>
+              <a:t>de uso</a:t>
+            </a:r>
           </a:p>
         </p:txBody>
       </p:sp>
@@ -4986,7 +5112,12 @@
             <p:ph type="title"/>
           </p:nvPr>
         </p:nvSpPr>
-        <p:spPr/>
+        <p:spPr>
+          <a:xfrm>
+            <a:off x="110231" y="18255"/>
+            <a:ext cx="10515600" cy="1325563"/>
+          </a:xfrm>
+        </p:spPr>
         <p:txBody>
           <a:bodyPr>
             <a:normAutofit fontScale="90000"/>
@@ -5092,48 +5223,228 @@
             <p:ph idx="1"/>
           </p:nvPr>
         </p:nvSpPr>
-        <p:spPr/>
-        <p:txBody>
-          <a:bodyPr/>
-          <a:lstStyle/>
-          <a:p>
-            <a:r>
-              <a:rPr lang="pt-BR" dirty="0"/>
+        <p:spPr>
+          <a:xfrm>
+            <a:off x="110231" y="822448"/>
+            <a:ext cx="10515600" cy="4351338"/>
+          </a:xfrm>
+        </p:spPr>
+        <p:txBody>
+          <a:bodyPr>
+            <a:normAutofit/>
+          </a:bodyPr>
+          <a:lstStyle/>
+          <a:p>
+            <a:r>
+              <a:rPr lang="pt-BR" sz="2000" dirty="0">
+                <a:solidFill>
+                  <a:srgbClr val="FF0000"/>
+                </a:solidFill>
+              </a:rPr>
               <a:t>Quem usa </a:t>
             </a:r>
             <a:r>
-              <a:rPr lang="pt-BR" dirty="0" err="1"/>
+              <a:rPr lang="pt-BR" sz="2000" dirty="0" err="1">
+                <a:solidFill>
+                  <a:srgbClr val="FF0000"/>
+                </a:solidFill>
+              </a:rPr>
               <a:t>Fluke</a:t>
             </a:r>
             <a:r>
-              <a:rPr lang="pt-BR" dirty="0"/>
+              <a:rPr lang="pt-BR" sz="2000" dirty="0">
+                <a:solidFill>
+                  <a:srgbClr val="FF0000"/>
+                </a:solidFill>
+              </a:rPr>
               <a:t> como linha principal ?</a:t>
             </a:r>
-          </a:p>
-          <a:p>
-            <a:endParaRPr lang="pt-BR" dirty="0"/>
-          </a:p>
-          <a:p>
-            <a:r>
-              <a:rPr lang="pt-BR" dirty="0"/>
+            <a:endParaRPr lang="pt-BR" sz="2000" u="sng" dirty="0">
+              <a:solidFill>
+                <a:srgbClr val="FF0000"/>
+              </a:solidFill>
+            </a:endParaRPr>
+          </a:p>
+          <a:p>
+            <a:r>
+              <a:rPr lang="pt-BR" sz="2000" u="sng" dirty="0">
+                <a:solidFill>
+                  <a:srgbClr val="FF0000"/>
+                </a:solidFill>
+              </a:rPr>
               <a:t> Através do “</a:t>
             </a:r>
             <a:r>
-              <a:rPr lang="pt-BR" dirty="0" err="1"/>
+              <a:rPr lang="pt-BR" sz="2000" u="sng" dirty="0" err="1">
+                <a:solidFill>
+                  <a:srgbClr val="FF0000"/>
+                </a:solidFill>
+              </a:rPr>
               <a:t>end</a:t>
             </a:r>
             <a:r>
-              <a:rPr lang="pt-BR" dirty="0"/>
+              <a:rPr lang="pt-BR" sz="2000" u="sng" dirty="0">
+                <a:solidFill>
+                  <a:srgbClr val="FF0000"/>
+                </a:solidFill>
+              </a:rPr>
               <a:t> </a:t>
             </a:r>
             <a:r>
-              <a:rPr lang="pt-BR" dirty="0" err="1"/>
+              <a:rPr lang="pt-BR" sz="2000" u="sng" dirty="0" err="1">
+                <a:solidFill>
+                  <a:srgbClr val="FF0000"/>
+                </a:solidFill>
+              </a:rPr>
               <a:t>portability</a:t>
             </a:r>
             <a:r>
-              <a:rPr lang="pt-BR" dirty="0"/>
-              <a:t> date”</a:t>
-            </a:r>
+              <a:rPr lang="pt-BR" sz="2000" u="sng" dirty="0">
+                <a:solidFill>
+                  <a:srgbClr val="FF0000"/>
+                </a:solidFill>
+              </a:rPr>
+              <a:t> date” presume-se que foi transferido o número principal para </a:t>
+            </a:r>
+            <a:r>
+              <a:rPr lang="pt-BR" sz="2000" u="sng" dirty="0" err="1">
+                <a:solidFill>
+                  <a:srgbClr val="FF0000"/>
+                </a:solidFill>
+              </a:rPr>
+              <a:t>Fluke</a:t>
+            </a:r>
+            <a:r>
+              <a:rPr lang="pt-BR" sz="2000" u="sng" dirty="0">
+                <a:solidFill>
+                  <a:srgbClr val="FF0000"/>
+                </a:solidFill>
+              </a:rPr>
+              <a:t>, caso não fosse não teria problema em adquirir um número diferente.</a:t>
+            </a:r>
+          </a:p>
+        </p:txBody>
+      </p:sp>
+      <p:pic>
+        <p:nvPicPr>
+          <p:cNvPr id="5" name="Imagem 4">
+            <a:extLst>
+              <a:ext uri="{FF2B5EF4-FFF2-40B4-BE49-F238E27FC236}">
+                <a16:creationId xmlns:a16="http://schemas.microsoft.com/office/drawing/2014/main" id="{38305CB2-6A94-4C2B-9066-B70DA26F1010}"/>
+              </a:ext>
+            </a:extLst>
+          </p:cNvPr>
+          <p:cNvPicPr>
+            <a:picLocks noChangeAspect="1"/>
+          </p:cNvPicPr>
+          <p:nvPr/>
+        </p:nvPicPr>
+        <p:blipFill>
+          <a:blip r:embed="rId2"/>
+          <a:stretch>
+            <a:fillRect/>
+          </a:stretch>
+        </p:blipFill>
+        <p:spPr>
+          <a:xfrm>
+            <a:off x="5738990" y="2200423"/>
+            <a:ext cx="4363059" cy="4639322"/>
+          </a:xfrm>
+          <a:prstGeom prst="rect">
+            <a:avLst/>
+          </a:prstGeom>
+        </p:spPr>
+      </p:pic>
+      <p:sp>
+        <p:nvSpPr>
+          <p:cNvPr id="6" name="CaixaDeTexto 5">
+            <a:extLst>
+              <a:ext uri="{FF2B5EF4-FFF2-40B4-BE49-F238E27FC236}">
+                <a16:creationId xmlns:a16="http://schemas.microsoft.com/office/drawing/2014/main" id="{D1E71293-D33B-4EBA-B1FB-83C70E7AAA82}"/>
+              </a:ext>
+            </a:extLst>
+          </p:cNvPr>
+          <p:cNvSpPr txBox="1"/>
+          <p:nvPr/>
+        </p:nvSpPr>
+        <p:spPr>
+          <a:xfrm>
+            <a:off x="233038" y="3508403"/>
+            <a:ext cx="5084686" cy="2031325"/>
+          </a:xfrm>
+          <a:prstGeom prst="rect">
+            <a:avLst/>
+          </a:prstGeom>
+          <a:noFill/>
+        </p:spPr>
+        <p:txBody>
+          <a:bodyPr wrap="square">
+            <a:spAutoFit/>
+          </a:bodyPr>
+          <a:lstStyle/>
+          <a:p>
+            <a:r>
+              <a:rPr lang="pt-BR" dirty="0">
+                <a:solidFill>
+                  <a:srgbClr val="FF0000"/>
+                </a:solidFill>
+              </a:rPr>
+              <a:t>Faz Sentido!</a:t>
+            </a:r>
+          </a:p>
+          <a:p>
+            <a:endParaRPr lang="pt-BR" dirty="0">
+              <a:solidFill>
+                <a:srgbClr val="FF0000"/>
+              </a:solidFill>
+            </a:endParaRPr>
+          </a:p>
+          <a:p>
+            <a:r>
+              <a:rPr lang="pt-BR" dirty="0">
+                <a:solidFill>
+                  <a:srgbClr val="FF0000"/>
+                </a:solidFill>
+              </a:rPr>
+              <a:t>Quase 80 % dos clientes que cancelaram não usavam </a:t>
+            </a:r>
+            <a:r>
+              <a:rPr lang="pt-BR" dirty="0" err="1">
+                <a:solidFill>
+                  <a:srgbClr val="FF0000"/>
+                </a:solidFill>
+              </a:rPr>
+              <a:t>Fluke</a:t>
+            </a:r>
+            <a:endParaRPr lang="pt-BR" dirty="0">
+              <a:solidFill>
+                <a:srgbClr val="FF0000"/>
+              </a:solidFill>
+            </a:endParaRPr>
+          </a:p>
+          <a:p>
+            <a:r>
+              <a:rPr lang="pt-BR" dirty="0">
+                <a:solidFill>
+                  <a:srgbClr val="FF0000"/>
+                </a:solidFill>
+              </a:rPr>
+              <a:t>Como linha principal;</a:t>
+            </a:r>
+          </a:p>
+          <a:p>
+            <a:endParaRPr lang="pt-BR" dirty="0">
+              <a:solidFill>
+                <a:srgbClr val="FF0000"/>
+              </a:solidFill>
+            </a:endParaRPr>
+          </a:p>
+          <a:p>
+            <a:endParaRPr lang="pt-BR" dirty="0">
+              <a:solidFill>
+                <a:srgbClr val="FF0000"/>
+              </a:solidFill>
+            </a:endParaRPr>
           </a:p>
         </p:txBody>
       </p:sp>
@@ -5262,7 +5573,7 @@
         </p:blipFill>
         <p:spPr>
           <a:xfrm>
-            <a:off x="921327" y="1637571"/>
+            <a:off x="1116636" y="1637571"/>
             <a:ext cx="10621857" cy="5220429"/>
           </a:xfrm>
           <a:prstGeom prst="rect">
@@ -5270,10 +5581,540 @@
           </a:prstGeom>
         </p:spPr>
       </p:pic>
+      <p:sp>
+        <p:nvSpPr>
+          <p:cNvPr id="4" name="CaixaDeTexto 3">
+            <a:extLst>
+              <a:ext uri="{FF2B5EF4-FFF2-40B4-BE49-F238E27FC236}">
+                <a16:creationId xmlns:a16="http://schemas.microsoft.com/office/drawing/2014/main" id="{1FA21FEB-0BDF-4488-B768-70F2908F9D8D}"/>
+              </a:ext>
+            </a:extLst>
+          </p:cNvPr>
+          <p:cNvSpPr txBox="1"/>
+          <p:nvPr/>
+        </p:nvSpPr>
+        <p:spPr>
+          <a:xfrm>
+            <a:off x="4375581" y="1870781"/>
+            <a:ext cx="6094520" cy="646331"/>
+          </a:xfrm>
+          <a:prstGeom prst="rect">
+            <a:avLst/>
+          </a:prstGeom>
+          <a:noFill/>
+        </p:spPr>
+        <p:txBody>
+          <a:bodyPr wrap="square">
+            <a:spAutoFit/>
+          </a:bodyPr>
+          <a:lstStyle/>
+          <a:p>
+            <a:r>
+              <a:rPr lang="pt-BR" dirty="0">
+                <a:solidFill>
+                  <a:srgbClr val="FF0000"/>
+                </a:solidFill>
+              </a:rPr>
+              <a:t>GO seguido por SP e DF apresentam maior taxa de </a:t>
+            </a:r>
+            <a:r>
+              <a:rPr lang="pt-BR" dirty="0" err="1">
+                <a:solidFill>
+                  <a:srgbClr val="FF0000"/>
+                </a:solidFill>
+              </a:rPr>
+              <a:t>churn</a:t>
+            </a:r>
+            <a:r>
+              <a:rPr lang="pt-BR" dirty="0">
+                <a:solidFill>
+                  <a:srgbClr val="FF0000"/>
+                </a:solidFill>
+              </a:rPr>
+              <a:t> em relação aos outros estados  </a:t>
+            </a:r>
+          </a:p>
+        </p:txBody>
+      </p:sp>
+      <p:sp>
+        <p:nvSpPr>
+          <p:cNvPr id="6" name="CaixaDeTexto 5">
+            <a:extLst>
+              <a:ext uri="{FF2B5EF4-FFF2-40B4-BE49-F238E27FC236}">
+                <a16:creationId xmlns:a16="http://schemas.microsoft.com/office/drawing/2014/main" id="{68D37D9A-F10E-4460-84AB-D874AE82C4F2}"/>
+              </a:ext>
+            </a:extLst>
+          </p:cNvPr>
+          <p:cNvSpPr txBox="1"/>
+          <p:nvPr/>
+        </p:nvSpPr>
+        <p:spPr>
+          <a:xfrm>
+            <a:off x="2390313" y="2201027"/>
+            <a:ext cx="6094520" cy="369332"/>
+          </a:xfrm>
+          <a:prstGeom prst="rect">
+            <a:avLst/>
+          </a:prstGeom>
+          <a:noFill/>
+        </p:spPr>
+        <p:txBody>
+          <a:bodyPr wrap="square">
+            <a:spAutoFit/>
+          </a:bodyPr>
+          <a:lstStyle/>
+          <a:p>
+            <a:r>
+              <a:rPr lang="pt-BR" dirty="0"/>
+              <a:t>40,57%</a:t>
+            </a:r>
+          </a:p>
+        </p:txBody>
+      </p:sp>
+      <p:sp>
+        <p:nvSpPr>
+          <p:cNvPr id="8" name="CaixaDeTexto 7">
+            <a:extLst>
+              <a:ext uri="{FF2B5EF4-FFF2-40B4-BE49-F238E27FC236}">
+                <a16:creationId xmlns:a16="http://schemas.microsoft.com/office/drawing/2014/main" id="{054DB333-626E-4078-BE23-0FB798ED964A}"/>
+              </a:ext>
+            </a:extLst>
+          </p:cNvPr>
+          <p:cNvSpPr txBox="1"/>
+          <p:nvPr/>
+        </p:nvSpPr>
+        <p:spPr>
+          <a:xfrm>
+            <a:off x="3864006" y="3582589"/>
+            <a:ext cx="6094520" cy="369332"/>
+          </a:xfrm>
+          <a:prstGeom prst="rect">
+            <a:avLst/>
+          </a:prstGeom>
+          <a:noFill/>
+        </p:spPr>
+        <p:txBody>
+          <a:bodyPr wrap="square">
+            <a:spAutoFit/>
+          </a:bodyPr>
+          <a:lstStyle/>
+          <a:p>
+            <a:r>
+              <a:rPr lang="pt-BR" sz="1800" b="0" i="0" u="none" strike="noStrike" dirty="0">
+                <a:solidFill>
+                  <a:srgbClr val="000000"/>
+                </a:solidFill>
+                <a:effectLst/>
+                <a:latin typeface="Calibri" panose="020F0502020204030204" pitchFamily="34" charset="0"/>
+              </a:rPr>
+              <a:t>52,4%</a:t>
+            </a:r>
+            <a:r>
+              <a:rPr lang="pt-BR" dirty="0"/>
+              <a:t> </a:t>
+            </a:r>
+          </a:p>
+        </p:txBody>
+      </p:sp>
+      <p:sp>
+        <p:nvSpPr>
+          <p:cNvPr id="10" name="CaixaDeTexto 9">
+            <a:extLst>
+              <a:ext uri="{FF2B5EF4-FFF2-40B4-BE49-F238E27FC236}">
+                <a16:creationId xmlns:a16="http://schemas.microsoft.com/office/drawing/2014/main" id="{209E2744-0AB8-471B-ABD4-C1E68F3D4064}"/>
+              </a:ext>
+            </a:extLst>
+          </p:cNvPr>
+          <p:cNvSpPr txBox="1"/>
+          <p:nvPr/>
+        </p:nvSpPr>
+        <p:spPr>
+          <a:xfrm>
+            <a:off x="5237086" y="3793439"/>
+            <a:ext cx="6094520" cy="369332"/>
+          </a:xfrm>
+          <a:prstGeom prst="rect">
+            <a:avLst/>
+          </a:prstGeom>
+          <a:noFill/>
+        </p:spPr>
+        <p:txBody>
+          <a:bodyPr wrap="square">
+            <a:spAutoFit/>
+          </a:bodyPr>
+          <a:lstStyle/>
+          <a:p>
+            <a:r>
+              <a:rPr lang="pt-BR" sz="1800" b="0" i="0" u="none" strike="noStrike" dirty="0">
+                <a:solidFill>
+                  <a:srgbClr val="000000"/>
+                </a:solidFill>
+                <a:effectLst/>
+                <a:latin typeface="Calibri" panose="020F0502020204030204" pitchFamily="34" charset="0"/>
+              </a:rPr>
+              <a:t>16,8%</a:t>
+            </a:r>
+            <a:r>
+              <a:rPr lang="pt-BR" dirty="0"/>
+              <a:t> </a:t>
+            </a:r>
+          </a:p>
+        </p:txBody>
+      </p:sp>
+      <p:sp>
+        <p:nvSpPr>
+          <p:cNvPr id="12" name="CaixaDeTexto 11">
+            <a:extLst>
+              <a:ext uri="{FF2B5EF4-FFF2-40B4-BE49-F238E27FC236}">
+                <a16:creationId xmlns:a16="http://schemas.microsoft.com/office/drawing/2014/main" id="{7D80EAA1-E6F5-44A7-B090-5A6DD87181AA}"/>
+              </a:ext>
+            </a:extLst>
+          </p:cNvPr>
+          <p:cNvSpPr txBox="1"/>
+          <p:nvPr/>
+        </p:nvSpPr>
+        <p:spPr>
+          <a:xfrm>
+            <a:off x="6533957" y="3864317"/>
+            <a:ext cx="6094520" cy="369332"/>
+          </a:xfrm>
+          <a:prstGeom prst="rect">
+            <a:avLst/>
+          </a:prstGeom>
+          <a:noFill/>
+        </p:spPr>
+        <p:txBody>
+          <a:bodyPr wrap="square">
+            <a:spAutoFit/>
+          </a:bodyPr>
+          <a:lstStyle/>
+          <a:p>
+            <a:r>
+              <a:rPr lang="pt-BR" sz="1800" b="0" i="0" u="none" strike="noStrike" dirty="0">
+                <a:solidFill>
+                  <a:srgbClr val="000000"/>
+                </a:solidFill>
+                <a:effectLst/>
+                <a:latin typeface="Calibri" panose="020F0502020204030204" pitchFamily="34" charset="0"/>
+              </a:rPr>
+              <a:t>17,0%</a:t>
+            </a:r>
+            <a:r>
+              <a:rPr lang="pt-BR" dirty="0"/>
+              <a:t> </a:t>
+            </a:r>
+          </a:p>
+        </p:txBody>
+      </p:sp>
+      <p:sp>
+        <p:nvSpPr>
+          <p:cNvPr id="16" name="CaixaDeTexto 15">
+            <a:extLst>
+              <a:ext uri="{FF2B5EF4-FFF2-40B4-BE49-F238E27FC236}">
+                <a16:creationId xmlns:a16="http://schemas.microsoft.com/office/drawing/2014/main" id="{07EFBDB0-198B-4571-BDD9-B92FA43B1D60}"/>
+              </a:ext>
+            </a:extLst>
+          </p:cNvPr>
+          <p:cNvSpPr txBox="1"/>
+          <p:nvPr/>
+        </p:nvSpPr>
+        <p:spPr>
+          <a:xfrm>
+            <a:off x="7919353" y="4152248"/>
+            <a:ext cx="6312022" cy="369332"/>
+          </a:xfrm>
+          <a:prstGeom prst="rect">
+            <a:avLst/>
+          </a:prstGeom>
+          <a:noFill/>
+        </p:spPr>
+        <p:txBody>
+          <a:bodyPr wrap="square">
+            <a:spAutoFit/>
+          </a:bodyPr>
+          <a:lstStyle/>
+          <a:p>
+            <a:r>
+              <a:rPr lang="pt-BR" sz="1800" b="0" i="0" u="none" strike="noStrike" dirty="0">
+                <a:solidFill>
+                  <a:srgbClr val="000000"/>
+                </a:solidFill>
+                <a:effectLst/>
+                <a:latin typeface="Calibri" panose="020F0502020204030204" pitchFamily="34" charset="0"/>
+              </a:rPr>
+              <a:t>37,7%</a:t>
+            </a:r>
+            <a:r>
+              <a:rPr lang="pt-BR" dirty="0"/>
+              <a:t> </a:t>
+            </a:r>
+          </a:p>
+        </p:txBody>
+      </p:sp>
+      <p:sp>
+        <p:nvSpPr>
+          <p:cNvPr id="19" name="CaixaDeTexto 18">
+            <a:extLst>
+              <a:ext uri="{FF2B5EF4-FFF2-40B4-BE49-F238E27FC236}">
+                <a16:creationId xmlns:a16="http://schemas.microsoft.com/office/drawing/2014/main" id="{4082F9E3-BDFF-44AE-B893-D7A62CDA874A}"/>
+              </a:ext>
+            </a:extLst>
+          </p:cNvPr>
+          <p:cNvSpPr txBox="1"/>
+          <p:nvPr/>
+        </p:nvSpPr>
+        <p:spPr>
+          <a:xfrm>
+            <a:off x="9384412" y="4178432"/>
+            <a:ext cx="7116024" cy="369332"/>
+          </a:xfrm>
+          <a:prstGeom prst="rect">
+            <a:avLst/>
+          </a:prstGeom>
+          <a:noFill/>
+        </p:spPr>
+        <p:txBody>
+          <a:bodyPr wrap="square">
+            <a:spAutoFit/>
+          </a:bodyPr>
+          <a:lstStyle/>
+          <a:p>
+            <a:r>
+              <a:rPr lang="pt-BR" sz="1800" b="0" i="0" u="none" strike="noStrike" dirty="0">
+                <a:solidFill>
+                  <a:srgbClr val="000000"/>
+                </a:solidFill>
+                <a:effectLst/>
+                <a:latin typeface="Calibri" panose="020F0502020204030204" pitchFamily="34" charset="0"/>
+              </a:rPr>
+              <a:t>15,5%</a:t>
+            </a:r>
+            <a:r>
+              <a:rPr lang="pt-BR" dirty="0"/>
+              <a:t> </a:t>
+            </a:r>
+          </a:p>
+        </p:txBody>
+      </p:sp>
     </p:spTree>
     <p:extLst>
       <p:ext uri="{BB962C8B-B14F-4D97-AF65-F5344CB8AC3E}">
         <p14:creationId xmlns:p14="http://schemas.microsoft.com/office/powerpoint/2010/main" val="1639192161"/>
+      </p:ext>
+    </p:extLst>
+  </p:cSld>
+  <p:clrMapOvr>
+    <a:masterClrMapping/>
+  </p:clrMapOvr>
+</p:sld>
+</file>
+
+<file path=ppt/slides/slide9.xml><?xml version="1.0" encoding="utf-8"?>
+<p:sld xmlns:a="http://schemas.openxmlformats.org/drawingml/2006/main" xmlns:r="http://schemas.openxmlformats.org/officeDocument/2006/relationships" xmlns:p="http://schemas.openxmlformats.org/presentationml/2006/main">
+  <p:cSld>
+    <p:bg>
+      <p:bgPr>
+        <a:solidFill>
+          <a:schemeClr val="bg2"/>
+        </a:solidFill>
+        <a:effectLst/>
+      </p:bgPr>
+    </p:bg>
+    <p:spTree>
+      <p:nvGrpSpPr>
+        <p:cNvPr id="1" name=""/>
+        <p:cNvGrpSpPr/>
+        <p:nvPr/>
+      </p:nvGrpSpPr>
+      <p:grpSpPr>
+        <a:xfrm>
+          <a:off x="0" y="0"/>
+          <a:ext cx="0" cy="0"/>
+          <a:chOff x="0" y="0"/>
+          <a:chExt cx="0" cy="0"/>
+        </a:xfrm>
+      </p:grpSpPr>
+      <p:sp>
+        <p:nvSpPr>
+          <p:cNvPr id="12" name="CaixaDeTexto 11">
+            <a:extLst>
+              <a:ext uri="{FF2B5EF4-FFF2-40B4-BE49-F238E27FC236}">
+                <a16:creationId xmlns:a16="http://schemas.microsoft.com/office/drawing/2014/main" id="{7D80EAA1-E6F5-44A7-B090-5A6DD87181AA}"/>
+              </a:ext>
+            </a:extLst>
+          </p:cNvPr>
+          <p:cNvSpPr txBox="1"/>
+          <p:nvPr/>
+        </p:nvSpPr>
+        <p:spPr>
+          <a:xfrm>
+            <a:off x="6533957" y="3864317"/>
+            <a:ext cx="6094520" cy="369332"/>
+          </a:xfrm>
+          <a:prstGeom prst="rect">
+            <a:avLst/>
+          </a:prstGeom>
+          <a:noFill/>
+        </p:spPr>
+        <p:txBody>
+          <a:bodyPr wrap="square">
+            <a:spAutoFit/>
+          </a:bodyPr>
+          <a:lstStyle/>
+          <a:p>
+            <a:r>
+              <a:rPr lang="pt-BR" sz="1800" b="0" i="0" u="none" strike="noStrike" dirty="0">
+                <a:solidFill>
+                  <a:srgbClr val="000000"/>
+                </a:solidFill>
+                <a:effectLst/>
+                <a:latin typeface="Calibri" panose="020F0502020204030204" pitchFamily="34" charset="0"/>
+              </a:rPr>
+              <a:t>17,0%</a:t>
+            </a:r>
+            <a:r>
+              <a:rPr lang="pt-BR" dirty="0"/>
+              <a:t> </a:t>
+            </a:r>
+          </a:p>
+        </p:txBody>
+      </p:sp>
+      <p:sp>
+        <p:nvSpPr>
+          <p:cNvPr id="16" name="CaixaDeTexto 15">
+            <a:extLst>
+              <a:ext uri="{FF2B5EF4-FFF2-40B4-BE49-F238E27FC236}">
+                <a16:creationId xmlns:a16="http://schemas.microsoft.com/office/drawing/2014/main" id="{07EFBDB0-198B-4571-BDD9-B92FA43B1D60}"/>
+              </a:ext>
+            </a:extLst>
+          </p:cNvPr>
+          <p:cNvSpPr txBox="1"/>
+          <p:nvPr/>
+        </p:nvSpPr>
+        <p:spPr>
+          <a:xfrm>
+            <a:off x="7919353" y="4152248"/>
+            <a:ext cx="6312022" cy="369332"/>
+          </a:xfrm>
+          <a:prstGeom prst="rect">
+            <a:avLst/>
+          </a:prstGeom>
+          <a:noFill/>
+        </p:spPr>
+        <p:txBody>
+          <a:bodyPr wrap="square">
+            <a:spAutoFit/>
+          </a:bodyPr>
+          <a:lstStyle/>
+          <a:p>
+            <a:r>
+              <a:rPr lang="pt-BR" sz="1800" b="0" i="0" u="none" strike="noStrike" dirty="0">
+                <a:solidFill>
+                  <a:srgbClr val="000000"/>
+                </a:solidFill>
+                <a:effectLst/>
+                <a:latin typeface="Calibri" panose="020F0502020204030204" pitchFamily="34" charset="0"/>
+              </a:rPr>
+              <a:t>37,7%</a:t>
+            </a:r>
+            <a:r>
+              <a:rPr lang="pt-BR" dirty="0"/>
+              <a:t> </a:t>
+            </a:r>
+          </a:p>
+        </p:txBody>
+      </p:sp>
+      <p:sp>
+        <p:nvSpPr>
+          <p:cNvPr id="19" name="CaixaDeTexto 18">
+            <a:extLst>
+              <a:ext uri="{FF2B5EF4-FFF2-40B4-BE49-F238E27FC236}">
+                <a16:creationId xmlns:a16="http://schemas.microsoft.com/office/drawing/2014/main" id="{4082F9E3-BDFF-44AE-B893-D7A62CDA874A}"/>
+              </a:ext>
+            </a:extLst>
+          </p:cNvPr>
+          <p:cNvSpPr txBox="1"/>
+          <p:nvPr/>
+        </p:nvSpPr>
+        <p:spPr>
+          <a:xfrm>
+            <a:off x="9384412" y="4178432"/>
+            <a:ext cx="7116024" cy="369332"/>
+          </a:xfrm>
+          <a:prstGeom prst="rect">
+            <a:avLst/>
+          </a:prstGeom>
+          <a:noFill/>
+        </p:spPr>
+        <p:txBody>
+          <a:bodyPr wrap="square">
+            <a:spAutoFit/>
+          </a:bodyPr>
+          <a:lstStyle/>
+          <a:p>
+            <a:r>
+              <a:rPr lang="pt-BR" sz="1800" b="0" i="0" u="none" strike="noStrike" dirty="0">
+                <a:solidFill>
+                  <a:srgbClr val="000000"/>
+                </a:solidFill>
+                <a:effectLst/>
+                <a:latin typeface="Calibri" panose="020F0502020204030204" pitchFamily="34" charset="0"/>
+              </a:rPr>
+              <a:t>15,5%</a:t>
+            </a:r>
+            <a:r>
+              <a:rPr lang="pt-BR" dirty="0"/>
+              <a:t> </a:t>
+            </a:r>
+          </a:p>
+        </p:txBody>
+      </p:sp>
+      <p:sp>
+        <p:nvSpPr>
+          <p:cNvPr id="5" name="Espaço Reservado para Conteúdo 4">
+            <a:extLst>
+              <a:ext uri="{FF2B5EF4-FFF2-40B4-BE49-F238E27FC236}">
+                <a16:creationId xmlns:a16="http://schemas.microsoft.com/office/drawing/2014/main" id="{29A619DD-944B-40D5-9B57-958B9EE6E638}"/>
+              </a:ext>
+            </a:extLst>
+          </p:cNvPr>
+          <p:cNvSpPr>
+            <a:spLocks noGrp="1"/>
+          </p:cNvSpPr>
+          <p:nvPr>
+            <p:ph idx="1"/>
+          </p:nvPr>
+        </p:nvSpPr>
+        <p:spPr/>
+        <p:txBody>
+          <a:bodyPr/>
+          <a:lstStyle/>
+          <a:p>
+            <a:r>
+              <a:rPr lang="pt-BR" dirty="0"/>
+              <a:t>Comparar perfil ativo x </a:t>
+            </a:r>
+            <a:r>
+              <a:rPr lang="pt-BR" dirty="0" err="1"/>
+              <a:t>Churn</a:t>
+            </a:r>
+            <a:endParaRPr lang="pt-BR" dirty="0"/>
+          </a:p>
+          <a:p>
+            <a:r>
+              <a:rPr lang="pt-BR" dirty="0"/>
+              <a:t>Quem não compra nada </a:t>
+            </a:r>
+          </a:p>
+          <a:p>
+            <a:endParaRPr lang="pt-BR" dirty="0"/>
+          </a:p>
+        </p:txBody>
+      </p:sp>
+    </p:spTree>
+    <p:extLst>
+      <p:ext uri="{BB962C8B-B14F-4D97-AF65-F5344CB8AC3E}">
+        <p14:creationId xmlns:p14="http://schemas.microsoft.com/office/powerpoint/2010/main" val="324028868"/>
       </p:ext>
     </p:extLst>
   </p:cSld>

--- a/Churn_Case.pptx
+++ b/Churn_Case.pptx
@@ -284,7 +284,7 @@
           <a:p>
             <a:fld id="{AEA70219-8491-4A84-91A6-C47F15E52AC2}" type="datetimeFigureOut">
               <a:rPr lang="pt-BR" smtClean="0"/>
-              <a:t>15/03/2021</a:t>
+              <a:t>16/03/2021</a:t>
             </a:fld>
             <a:endParaRPr lang="pt-BR"/>
           </a:p>
@@ -338,7 +338,7 @@
           <a:p>
             <a:fld id="{2C7F5CE0-1D69-41A0-A371-CDBADD15EC88}" type="slidenum">
               <a:rPr lang="pt-BR" smtClean="0"/>
-              <a:t>‹nº›</a:t>
+              <a:t>‹#›</a:t>
             </a:fld>
             <a:endParaRPr lang="pt-BR"/>
           </a:p>
@@ -482,7 +482,7 @@
           <a:p>
             <a:fld id="{AEA70219-8491-4A84-91A6-C47F15E52AC2}" type="datetimeFigureOut">
               <a:rPr lang="pt-BR" smtClean="0"/>
-              <a:t>15/03/2021</a:t>
+              <a:t>16/03/2021</a:t>
             </a:fld>
             <a:endParaRPr lang="pt-BR"/>
           </a:p>
@@ -536,7 +536,7 @@
           <a:p>
             <a:fld id="{2C7F5CE0-1D69-41A0-A371-CDBADD15EC88}" type="slidenum">
               <a:rPr lang="pt-BR" smtClean="0"/>
-              <a:t>‹nº›</a:t>
+              <a:t>‹#›</a:t>
             </a:fld>
             <a:endParaRPr lang="pt-BR"/>
           </a:p>
@@ -690,7 +690,7 @@
           <a:p>
             <a:fld id="{AEA70219-8491-4A84-91A6-C47F15E52AC2}" type="datetimeFigureOut">
               <a:rPr lang="pt-BR" smtClean="0"/>
-              <a:t>15/03/2021</a:t>
+              <a:t>16/03/2021</a:t>
             </a:fld>
             <a:endParaRPr lang="pt-BR"/>
           </a:p>
@@ -744,7 +744,7 @@
           <a:p>
             <a:fld id="{2C7F5CE0-1D69-41A0-A371-CDBADD15EC88}" type="slidenum">
               <a:rPr lang="pt-BR" smtClean="0"/>
-              <a:t>‹nº›</a:t>
+              <a:t>‹#›</a:t>
             </a:fld>
             <a:endParaRPr lang="pt-BR"/>
           </a:p>
@@ -888,7 +888,7 @@
           <a:p>
             <a:fld id="{AEA70219-8491-4A84-91A6-C47F15E52AC2}" type="datetimeFigureOut">
               <a:rPr lang="pt-BR" smtClean="0"/>
-              <a:t>15/03/2021</a:t>
+              <a:t>16/03/2021</a:t>
             </a:fld>
             <a:endParaRPr lang="pt-BR"/>
           </a:p>
@@ -942,7 +942,7 @@
           <a:p>
             <a:fld id="{2C7F5CE0-1D69-41A0-A371-CDBADD15EC88}" type="slidenum">
               <a:rPr lang="pt-BR" smtClean="0"/>
-              <a:t>‹nº›</a:t>
+              <a:t>‹#›</a:t>
             </a:fld>
             <a:endParaRPr lang="pt-BR"/>
           </a:p>
@@ -1163,7 +1163,7 @@
           <a:p>
             <a:fld id="{AEA70219-8491-4A84-91A6-C47F15E52AC2}" type="datetimeFigureOut">
               <a:rPr lang="pt-BR" smtClean="0"/>
-              <a:t>15/03/2021</a:t>
+              <a:t>16/03/2021</a:t>
             </a:fld>
             <a:endParaRPr lang="pt-BR"/>
           </a:p>
@@ -1217,7 +1217,7 @@
           <a:p>
             <a:fld id="{2C7F5CE0-1D69-41A0-A371-CDBADD15EC88}" type="slidenum">
               <a:rPr lang="pt-BR" smtClean="0"/>
-              <a:t>‹nº›</a:t>
+              <a:t>‹#›</a:t>
             </a:fld>
             <a:endParaRPr lang="pt-BR"/>
           </a:p>
@@ -1428,7 +1428,7 @@
           <a:p>
             <a:fld id="{AEA70219-8491-4A84-91A6-C47F15E52AC2}" type="datetimeFigureOut">
               <a:rPr lang="pt-BR" smtClean="0"/>
-              <a:t>15/03/2021</a:t>
+              <a:t>16/03/2021</a:t>
             </a:fld>
             <a:endParaRPr lang="pt-BR"/>
           </a:p>
@@ -1482,7 +1482,7 @@
           <a:p>
             <a:fld id="{2C7F5CE0-1D69-41A0-A371-CDBADD15EC88}" type="slidenum">
               <a:rPr lang="pt-BR" smtClean="0"/>
-              <a:t>‹nº›</a:t>
+              <a:t>‹#›</a:t>
             </a:fld>
             <a:endParaRPr lang="pt-BR"/>
           </a:p>
@@ -1840,7 +1840,7 @@
           <a:p>
             <a:fld id="{AEA70219-8491-4A84-91A6-C47F15E52AC2}" type="datetimeFigureOut">
               <a:rPr lang="pt-BR" smtClean="0"/>
-              <a:t>15/03/2021</a:t>
+              <a:t>16/03/2021</a:t>
             </a:fld>
             <a:endParaRPr lang="pt-BR"/>
           </a:p>
@@ -1894,7 +1894,7 @@
           <a:p>
             <a:fld id="{2C7F5CE0-1D69-41A0-A371-CDBADD15EC88}" type="slidenum">
               <a:rPr lang="pt-BR" smtClean="0"/>
-              <a:t>‹nº›</a:t>
+              <a:t>‹#›</a:t>
             </a:fld>
             <a:endParaRPr lang="pt-BR"/>
           </a:p>
@@ -1981,7 +1981,7 @@
           <a:p>
             <a:fld id="{AEA70219-8491-4A84-91A6-C47F15E52AC2}" type="datetimeFigureOut">
               <a:rPr lang="pt-BR" smtClean="0"/>
-              <a:t>15/03/2021</a:t>
+              <a:t>16/03/2021</a:t>
             </a:fld>
             <a:endParaRPr lang="pt-BR"/>
           </a:p>
@@ -2035,7 +2035,7 @@
           <a:p>
             <a:fld id="{2C7F5CE0-1D69-41A0-A371-CDBADD15EC88}" type="slidenum">
               <a:rPr lang="pt-BR" smtClean="0"/>
-              <a:t>‹nº›</a:t>
+              <a:t>‹#›</a:t>
             </a:fld>
             <a:endParaRPr lang="pt-BR"/>
           </a:p>
@@ -2094,7 +2094,7 @@
           <a:p>
             <a:fld id="{AEA70219-8491-4A84-91A6-C47F15E52AC2}" type="datetimeFigureOut">
               <a:rPr lang="pt-BR" smtClean="0"/>
-              <a:t>15/03/2021</a:t>
+              <a:t>16/03/2021</a:t>
             </a:fld>
             <a:endParaRPr lang="pt-BR"/>
           </a:p>
@@ -2148,7 +2148,7 @@
           <a:p>
             <a:fld id="{2C7F5CE0-1D69-41A0-A371-CDBADD15EC88}" type="slidenum">
               <a:rPr lang="pt-BR" smtClean="0"/>
-              <a:t>‹nº›</a:t>
+              <a:t>‹#›</a:t>
             </a:fld>
             <a:endParaRPr lang="pt-BR"/>
           </a:p>
@@ -2405,7 +2405,7 @@
           <a:p>
             <a:fld id="{AEA70219-8491-4A84-91A6-C47F15E52AC2}" type="datetimeFigureOut">
               <a:rPr lang="pt-BR" smtClean="0"/>
-              <a:t>15/03/2021</a:t>
+              <a:t>16/03/2021</a:t>
             </a:fld>
             <a:endParaRPr lang="pt-BR"/>
           </a:p>
@@ -2459,7 +2459,7 @@
           <a:p>
             <a:fld id="{2C7F5CE0-1D69-41A0-A371-CDBADD15EC88}" type="slidenum">
               <a:rPr lang="pt-BR" smtClean="0"/>
-              <a:t>‹nº›</a:t>
+              <a:t>‹#›</a:t>
             </a:fld>
             <a:endParaRPr lang="pt-BR"/>
           </a:p>
@@ -2693,7 +2693,7 @@
           <a:p>
             <a:fld id="{AEA70219-8491-4A84-91A6-C47F15E52AC2}" type="datetimeFigureOut">
               <a:rPr lang="pt-BR" smtClean="0"/>
-              <a:t>15/03/2021</a:t>
+              <a:t>16/03/2021</a:t>
             </a:fld>
             <a:endParaRPr lang="pt-BR"/>
           </a:p>
@@ -2747,7 +2747,7 @@
           <a:p>
             <a:fld id="{2C7F5CE0-1D69-41A0-A371-CDBADD15EC88}" type="slidenum">
               <a:rPr lang="pt-BR" smtClean="0"/>
-              <a:t>‹nº›</a:t>
+              <a:t>‹#›</a:t>
             </a:fld>
             <a:endParaRPr lang="pt-BR"/>
           </a:p>
@@ -2934,7 +2934,7 @@
           <a:p>
             <a:fld id="{AEA70219-8491-4A84-91A6-C47F15E52AC2}" type="datetimeFigureOut">
               <a:rPr lang="pt-BR" smtClean="0"/>
-              <a:t>15/03/2021</a:t>
+              <a:t>16/03/2021</a:t>
             </a:fld>
             <a:endParaRPr lang="pt-BR"/>
           </a:p>
@@ -3024,7 +3024,7 @@
           <a:p>
             <a:fld id="{2C7F5CE0-1D69-41A0-A371-CDBADD15EC88}" type="slidenum">
               <a:rPr lang="pt-BR" smtClean="0"/>
-              <a:t>‹nº›</a:t>
+              <a:t>‹#›</a:t>
             </a:fld>
             <a:endParaRPr lang="pt-BR"/>
           </a:p>
@@ -3337,6 +3337,16 @@
 <file path=ppt/slides/slide1.xml><?xml version="1.0" encoding="utf-8"?>
 <p:sld xmlns:a="http://schemas.openxmlformats.org/drawingml/2006/main" xmlns:r="http://schemas.openxmlformats.org/officeDocument/2006/relationships" xmlns:p="http://schemas.openxmlformats.org/presentationml/2006/main">
   <p:cSld>
+    <p:bg>
+      <p:bgPr>
+        <a:solidFill>
+          <a:schemeClr val="bg1">
+            <a:lumMod val="85000"/>
+          </a:schemeClr>
+        </a:solidFill>
+        <a:effectLst/>
+      </p:bgPr>
+    </p:bg>
     <p:spTree>
       <p:nvGrpSpPr>
         <p:cNvPr id="1" name=""/>
@@ -3370,70 +3380,17 @@
         <p:spPr/>
         <p:txBody>
           <a:bodyPr>
-            <a:normAutofit fontScale="90000"/>
+            <a:normAutofit/>
           </a:bodyPr>
           <a:lstStyle/>
           <a:p>
             <a:r>
-              <a:rPr lang="pt-BR" b="1" i="1" dirty="0">
-                <a:solidFill>
-                  <a:srgbClr val="222222"/>
-                </a:solidFill>
-                <a:latin typeface="Arial" panose="020B0604020202020204" pitchFamily="34" charset="0"/>
+              <a:rPr lang="pt-BR" sz="8000" dirty="0">
+                <a:latin typeface="Segoe UI" panose="020B0502040204020203" pitchFamily="34" charset="0"/>
+                <a:cs typeface="Segoe UI" panose="020B0502040204020203" pitchFamily="34" charset="0"/>
               </a:rPr>
-              <a:t>Q</a:t>
-            </a:r>
-            <a:r>
-              <a:rPr lang="pt-BR" b="1" i="1" dirty="0">
-                <a:solidFill>
-                  <a:srgbClr val="222222"/>
-                </a:solidFill>
-                <a:effectLst/>
-                <a:latin typeface="Arial" panose="020B0604020202020204" pitchFamily="34" charset="0"/>
-              </a:rPr>
-              <a:t>ual o perfil dos clientes da </a:t>
-            </a:r>
-            <a:r>
-              <a:rPr lang="pt-BR" b="1" i="1" dirty="0" err="1">
-                <a:solidFill>
-                  <a:srgbClr val="222222"/>
-                </a:solidFill>
-                <a:effectLst/>
-                <a:latin typeface="Arial" panose="020B0604020202020204" pitchFamily="34" charset="0"/>
-              </a:rPr>
-              <a:t>Fluke</a:t>
-            </a:r>
-            <a:r>
-              <a:rPr lang="pt-BR" b="1" i="1" dirty="0">
-                <a:solidFill>
-                  <a:srgbClr val="222222"/>
-                </a:solidFill>
-                <a:effectLst/>
-                <a:latin typeface="Arial" panose="020B0604020202020204" pitchFamily="34" charset="0"/>
-              </a:rPr>
-              <a:t> que param de usar a </a:t>
-            </a:r>
-            <a:r>
-              <a:rPr lang="pt-BR" b="1" i="1" dirty="0" err="1">
-                <a:solidFill>
-                  <a:srgbClr val="222222"/>
-                </a:solidFill>
-                <a:effectLst/>
-                <a:latin typeface="Arial" panose="020B0604020202020204" pitchFamily="34" charset="0"/>
-              </a:rPr>
-              <a:t>Fluke</a:t>
-            </a:r>
-            <a:r>
-              <a:rPr lang="pt-BR" b="1" i="1" dirty="0">
-                <a:solidFill>
-                  <a:srgbClr val="222222"/>
-                </a:solidFill>
-                <a:effectLst/>
-                <a:latin typeface="Arial" panose="020B0604020202020204" pitchFamily="34" charset="0"/>
-              </a:rPr>
-              <a:t>?</a:t>
-            </a:r>
-            <a:endParaRPr lang="pt-BR" dirty="0"/>
+              <a:t>CASE – FLUKE</a:t>
+            </a:r>
           </a:p>
         </p:txBody>
       </p:sp>
@@ -3487,7 +3444,9 @@
     <p:bg>
       <p:bgPr>
         <a:solidFill>
-          <a:schemeClr val="bg2"/>
+          <a:schemeClr val="bg1">
+            <a:lumMod val="85000"/>
+          </a:schemeClr>
         </a:solidFill>
         <a:effectLst/>
       </p:bgPr>
@@ -3528,10 +3487,9 @@
           <a:lstStyle/>
           <a:p>
             <a:r>
-              <a:rPr lang="pt-BR" dirty="0" err="1"/>
-              <a:t>Roadmap</a:t>
-            </a:r>
-            <a:endParaRPr lang="pt-BR" dirty="0"/>
+              <a:rPr lang="pt-BR" dirty="0"/>
+              <a:t>AGENDA</a:t>
+            </a:r>
           </a:p>
         </p:txBody>
       </p:sp>
@@ -3672,7 +3630,9 @@
     <p:bg>
       <p:bgPr>
         <a:solidFill>
-          <a:schemeClr val="bg2"/>
+          <a:schemeClr val="bg1">
+            <a:lumMod val="85000"/>
+          </a:schemeClr>
         </a:solidFill>
         <a:effectLst/>
       </p:bgPr>
@@ -3724,8 +3684,8 @@
         </p:blipFill>
         <p:spPr>
           <a:xfrm>
-            <a:off x="6174051" y="3202619"/>
-            <a:ext cx="914400" cy="914400"/>
+            <a:off x="6531731" y="3662788"/>
+            <a:ext cx="707040" cy="707040"/>
           </a:xfrm>
         </p:spPr>
       </p:pic>
@@ -3760,8 +3720,8 @@
         </p:blipFill>
         <p:spPr>
           <a:xfrm>
-            <a:off x="9695897" y="4138267"/>
-            <a:ext cx="914400" cy="914400"/>
+            <a:off x="9695897" y="4842612"/>
+            <a:ext cx="1110648" cy="1110648"/>
           </a:xfrm>
           <a:prstGeom prst="rect">
             <a:avLst/>
@@ -3799,8 +3759,8 @@
         </p:blipFill>
         <p:spPr>
           <a:xfrm>
-            <a:off x="2652206" y="4138267"/>
-            <a:ext cx="914400" cy="914400"/>
+            <a:off x="2356266" y="4792766"/>
+            <a:ext cx="1210340" cy="1210340"/>
           </a:xfrm>
           <a:prstGeom prst="rect">
             <a:avLst/>
@@ -3839,7 +3799,7 @@
         <p:spPr>
           <a:xfrm>
             <a:off x="4460662" y="2288219"/>
-            <a:ext cx="914400" cy="914400"/>
+            <a:ext cx="1173520" cy="1173520"/>
           </a:xfrm>
           <a:prstGeom prst="rect">
             <a:avLst/>
@@ -3864,7 +3824,7 @@
         </p:nvCxnSpPr>
         <p:spPr>
           <a:xfrm>
-            <a:off x="3566606" y="4595467"/>
+            <a:off x="3566606" y="5397936"/>
             <a:ext cx="6129291" cy="0"/>
           </a:xfrm>
           <a:prstGeom prst="straightConnector1">
@@ -3872,9 +3832,7 @@
           </a:prstGeom>
           <a:ln w="28575">
             <a:solidFill>
-              <a:schemeClr val="accent6">
-                <a:lumMod val="75000"/>
-              </a:schemeClr>
+              <a:srgbClr val="4DF020"/>
             </a:solidFill>
             <a:tailEnd type="triangle"/>
           </a:ln>
@@ -3912,17 +3870,15 @@
         </p:nvCxnSpPr>
         <p:spPr>
           <a:xfrm rot="5400000" flipH="1" flipV="1">
-            <a:off x="4402504" y="2366721"/>
-            <a:ext cx="478448" cy="3064645"/>
+            <a:off x="4358354" y="2619390"/>
+            <a:ext cx="776458" cy="3570295"/>
           </a:xfrm>
           <a:prstGeom prst="bentConnector2">
             <a:avLst/>
           </a:prstGeom>
           <a:ln w="28575">
             <a:solidFill>
-              <a:schemeClr val="accent6">
-                <a:lumMod val="75000"/>
-              </a:schemeClr>
+              <a:srgbClr val="4DF020"/>
             </a:solidFill>
             <a:tailEnd type="triangle"/>
           </a:ln>
@@ -3960,7 +3916,7 @@
         </p:nvCxnSpPr>
         <p:spPr>
           <a:xfrm>
-            <a:off x="3566606" y="4595467"/>
+            <a:off x="3566606" y="5397936"/>
             <a:ext cx="0" cy="0"/>
           </a:xfrm>
           <a:prstGeom prst="straightConnector1">
@@ -4003,17 +3959,15 @@
         </p:nvCxnSpPr>
         <p:spPr>
           <a:xfrm rot="5400000" flipH="1" flipV="1">
-            <a:off x="3088610" y="2766215"/>
-            <a:ext cx="1392848" cy="1351256"/>
+            <a:off x="2752156" y="3084260"/>
+            <a:ext cx="1917787" cy="1499226"/>
           </a:xfrm>
           <a:prstGeom prst="bentConnector2">
             <a:avLst/>
           </a:prstGeom>
           <a:ln w="28575">
             <a:solidFill>
-              <a:schemeClr val="accent6">
-                <a:lumMod val="75000"/>
-              </a:schemeClr>
+              <a:srgbClr val="4DF020"/>
             </a:solidFill>
             <a:tailEnd type="triangle"/>
           </a:ln>
@@ -4051,17 +4005,15 @@
         </p:nvCxnSpPr>
         <p:spPr>
           <a:xfrm>
-            <a:off x="5375062" y="2745419"/>
-            <a:ext cx="1256189" cy="457200"/>
+            <a:off x="5634182" y="2874979"/>
+            <a:ext cx="1251069" cy="787809"/>
           </a:xfrm>
           <a:prstGeom prst="bentConnector2">
             <a:avLst/>
           </a:prstGeom>
           <a:ln w="28575">
             <a:solidFill>
-              <a:schemeClr val="accent6">
-                <a:lumMod val="75000"/>
-              </a:schemeClr>
+              <a:srgbClr val="4DF020"/>
             </a:solidFill>
             <a:tailEnd type="triangle"/>
           </a:ln>
@@ -4091,6 +4043,7 @@
             </a:extLst>
           </p:cNvPr>
           <p:cNvCxnSpPr>
+            <a:cxnSpLocks/>
             <a:stCxn id="9" idx="3"/>
             <a:endCxn id="11" idx="0"/>
           </p:cNvCxnSpPr>
@@ -4098,17 +4051,15 @@
         </p:nvCxnSpPr>
         <p:spPr>
           <a:xfrm>
-            <a:off x="7088451" y="3659819"/>
-            <a:ext cx="3064646" cy="478448"/>
+            <a:off x="7238771" y="4016308"/>
+            <a:ext cx="3012450" cy="826304"/>
           </a:xfrm>
           <a:prstGeom prst="bentConnector2">
             <a:avLst/>
           </a:prstGeom>
           <a:ln w="28575">
             <a:solidFill>
-              <a:schemeClr val="accent6">
-                <a:lumMod val="75000"/>
-              </a:schemeClr>
+              <a:srgbClr val="4DF020"/>
             </a:solidFill>
             <a:tailEnd type="triangle"/>
           </a:ln>
@@ -4142,7 +4093,7 @@
         </p:nvSpPr>
         <p:spPr>
           <a:xfrm>
-            <a:off x="4896222" y="4646449"/>
+            <a:off x="4896222" y="5596888"/>
             <a:ext cx="3724552" cy="276999"/>
           </a:xfrm>
           <a:prstGeom prst="rect">
@@ -4183,7 +4134,7 @@
         </p:nvSpPr>
         <p:spPr>
           <a:xfrm>
-            <a:off x="3566606" y="3740770"/>
+            <a:off x="3566606" y="4691209"/>
             <a:ext cx="2452457" cy="461665"/>
           </a:xfrm>
           <a:prstGeom prst="rect">
@@ -4318,7 +4269,7 @@
     <p:bg>
       <p:bgPr>
         <a:solidFill>
-          <a:schemeClr val="bg2"/>
+          <a:srgbClr val="E6E6E6"/>
         </a:solidFill>
         <a:effectLst/>
       </p:bgPr>
@@ -4359,31 +4310,39 @@
           <a:lstStyle/>
           <a:p>
             <a:r>
-              <a:rPr lang="pt-BR" dirty="0" err="1"/>
+              <a:rPr lang="pt-BR" dirty="0">
+                <a:latin typeface="Segoe UI" panose="020B0502040204020203" pitchFamily="34" charset="0"/>
+                <a:cs typeface="Segoe UI" panose="020B0502040204020203" pitchFamily="34" charset="0"/>
+              </a:rPr>
+              <a:t>Cálculo de </a:t>
+            </a:r>
+            <a:r>
+              <a:rPr lang="pt-BR" dirty="0" err="1">
+                <a:latin typeface="Segoe UI" panose="020B0502040204020203" pitchFamily="34" charset="0"/>
+                <a:cs typeface="Segoe UI" panose="020B0502040204020203" pitchFamily="34" charset="0"/>
+              </a:rPr>
               <a:t>Churn</a:t>
             </a:r>
-            <a:r>
-              <a:rPr lang="pt-BR" dirty="0"/>
-              <a:t> Rate</a:t>
-            </a:r>
+            <a:endParaRPr lang="pt-BR" dirty="0">
+              <a:latin typeface="Segoe UI" panose="020B0502040204020203" pitchFamily="34" charset="0"/>
+              <a:cs typeface="Segoe UI" panose="020B0502040204020203" pitchFamily="34" charset="0"/>
+            </a:endParaRPr>
           </a:p>
         </p:txBody>
       </p:sp>
       <p:pic>
         <p:nvPicPr>
-          <p:cNvPr id="5" name="Espaço Reservado para Conteúdo 4">
-            <a:extLst>
-              <a:ext uri="{FF2B5EF4-FFF2-40B4-BE49-F238E27FC236}">
-                <a16:creationId xmlns:a16="http://schemas.microsoft.com/office/drawing/2014/main" id="{BD492D7E-2F12-4D36-AED8-35BA16F7CC97}"/>
+          <p:cNvPr id="9" name="Picture 8">
+            <a:extLst>
+              <a:ext uri="{FF2B5EF4-FFF2-40B4-BE49-F238E27FC236}">
+                <a16:creationId xmlns:a16="http://schemas.microsoft.com/office/drawing/2014/main" id="{49B0A6C2-A3EA-4448-8E48-92AAC7DB9479}"/>
               </a:ext>
             </a:extLst>
           </p:cNvPr>
           <p:cNvPicPr>
-            <a:picLocks noGrp="1" noChangeAspect="1"/>
+            <a:picLocks noChangeAspect="1"/>
           </p:cNvPicPr>
-          <p:nvPr>
-            <p:ph idx="1"/>
-          </p:nvPr>
+          <p:nvPr/>
         </p:nvPicPr>
         <p:blipFill>
           <a:blip r:embed="rId2"/>
@@ -4393,9 +4352,42 @@
         </p:blipFill>
         <p:spPr>
           <a:xfrm>
-            <a:off x="2699863" y="2862897"/>
-            <a:ext cx="6792273" cy="2276793"/>
+            <a:off x="661425" y="3883165"/>
+            <a:ext cx="4418576" cy="2126062"/>
           </a:xfrm>
+          <a:prstGeom prst="rect">
+            <a:avLst/>
+          </a:prstGeom>
+        </p:spPr>
+      </p:pic>
+      <p:pic>
+        <p:nvPicPr>
+          <p:cNvPr id="11" name="Picture 10">
+            <a:extLst>
+              <a:ext uri="{FF2B5EF4-FFF2-40B4-BE49-F238E27FC236}">
+                <a16:creationId xmlns:a16="http://schemas.microsoft.com/office/drawing/2014/main" id="{182B864D-2514-4969-BE2D-BF5C653DA60B}"/>
+              </a:ext>
+            </a:extLst>
+          </p:cNvPr>
+          <p:cNvPicPr>
+            <a:picLocks noChangeAspect="1"/>
+          </p:cNvPicPr>
+          <p:nvPr/>
+        </p:nvPicPr>
+        <p:blipFill>
+          <a:blip r:embed="rId3"/>
+          <a:stretch>
+            <a:fillRect/>
+          </a:stretch>
+        </p:blipFill>
+        <p:spPr>
+          <a:xfrm rot="5400000">
+            <a:off x="7546552" y="1027935"/>
+            <a:ext cx="2502749" cy="5111747"/>
+          </a:xfrm>
+          <a:prstGeom prst="rect">
+            <a:avLst/>
+          </a:prstGeom>
         </p:spPr>
       </p:pic>
     </p:spTree>
@@ -4417,7 +4409,9 @@
     <p:bg>
       <p:bgPr>
         <a:solidFill>
-          <a:schemeClr val="bg2"/>
+          <a:schemeClr val="bg1">
+            <a:lumMod val="85000"/>
+          </a:schemeClr>
         </a:solidFill>
         <a:effectLst/>
       </p:bgPr>
@@ -4459,29 +4453,8 @@
           <a:p>
             <a:r>
               <a:rPr lang="pt-BR" dirty="0"/>
-              <a:t>Hipóteses </a:t>
-            </a:r>
-            <a:r>
-              <a:rPr lang="pt-BR" dirty="0" err="1"/>
-              <a:t>on</a:t>
-            </a:r>
-            <a:r>
-              <a:rPr lang="pt-BR" dirty="0"/>
-              <a:t> </a:t>
-            </a:r>
-            <a:r>
-              <a:rPr lang="pt-BR" dirty="0" err="1"/>
-              <a:t>the</a:t>
-            </a:r>
-            <a:r>
-              <a:rPr lang="pt-BR" dirty="0"/>
-              <a:t> </a:t>
-            </a:r>
-            <a:r>
-              <a:rPr lang="pt-BR" dirty="0" err="1"/>
-              <a:t>table</a:t>
-            </a:r>
-            <a:endParaRPr lang="pt-BR" dirty="0"/>
+              <a:t>Hipóteses apresentadas na última reunião:</a:t>
+            </a:r>
           </a:p>
         </p:txBody>
       </p:sp>
@@ -4501,36 +4474,17 @@
             <p:ph idx="1"/>
           </p:nvPr>
         </p:nvSpPr>
-        <p:spPr/>
-        <p:txBody>
-          <a:bodyPr/>
-          <a:lstStyle/>
-          <a:p>
-            <a:pPr marL="0" indent="0" algn="l">
-              <a:buNone/>
-            </a:pPr>
-            <a:r>
-              <a:rPr lang="pt-BR" sz="2000" b="0" i="0" dirty="0">
-                <a:solidFill>
-                  <a:srgbClr val="222222"/>
-                </a:solidFill>
-                <a:effectLst/>
-                <a:latin typeface="Arial" panose="020B0604020202020204" pitchFamily="34" charset="0"/>
-              </a:rPr>
-              <a:t>Algumas coisas já foram levantadas durante essas discussões:</a:t>
-            </a:r>
-          </a:p>
-          <a:p>
-            <a:pPr marL="0" indent="0" algn="l">
-              <a:buNone/>
-            </a:pPr>
-            <a:endParaRPr lang="pt-BR" sz="2000" dirty="0">
-              <a:solidFill>
-                <a:srgbClr val="222222"/>
-              </a:solidFill>
-              <a:latin typeface="Arial" panose="020B0604020202020204" pitchFamily="34" charset="0"/>
-            </a:endParaRPr>
-          </a:p>
+        <p:spPr>
+          <a:xfrm>
+            <a:off x="1616366" y="1690688"/>
+            <a:ext cx="8361218" cy="4542125"/>
+          </a:xfrm>
+        </p:spPr>
+        <p:txBody>
+          <a:bodyPr>
+            <a:normAutofit fontScale="92500" lnSpcReduction="10000"/>
+          </a:bodyPr>
+          <a:lstStyle/>
           <a:p>
             <a:pPr marL="0" indent="0" algn="l">
               <a:buNone/>
@@ -4544,12 +4498,22 @@
             </a:endParaRPr>
           </a:p>
           <a:p>
-            <a:pPr algn="l">
-              <a:buFont typeface="Arial" panose="020B0604020202020204" pitchFamily="34" charset="0"/>
-              <a:buChar char="•"/>
+            <a:pPr marL="0" indent="0" algn="l">
+              <a:buNone/>
             </a:pPr>
-            <a:r>
-              <a:rPr lang="pt-BR" sz="2000" b="0" i="0" dirty="0">
+            <a:endParaRPr lang="pt-BR" sz="2000" dirty="0">
+              <a:solidFill>
+                <a:srgbClr val="222222"/>
+              </a:solidFill>
+              <a:latin typeface="Arial" panose="020B0604020202020204" pitchFamily="34" charset="0"/>
+            </a:endParaRPr>
+          </a:p>
+          <a:p>
+            <a:pPr marL="0" indent="0" algn="l">
+              <a:buNone/>
+            </a:pPr>
+            <a:r>
+              <a:rPr lang="pt-BR" sz="2000" b="1" i="0" dirty="0">
                 <a:solidFill>
                   <a:srgbClr val="222222"/>
                 </a:solidFill>
@@ -4559,7 +4523,7 @@
               <a:t>"Hoje ainda temos muitas pessoas que escutam falar da </a:t>
             </a:r>
             <a:r>
-              <a:rPr lang="pt-BR" sz="2000" b="0" i="0" dirty="0" err="1">
+              <a:rPr lang="pt-BR" sz="2000" b="1" i="0" dirty="0" err="1">
                 <a:solidFill>
                   <a:srgbClr val="222222"/>
                 </a:solidFill>
@@ -4569,7 +4533,7 @@
               <a:t>fluke</a:t>
             </a:r>
             <a:r>
-              <a:rPr lang="pt-BR" sz="2000" b="0" i="0" dirty="0">
+              <a:rPr lang="pt-BR" sz="2000" b="1" i="0" dirty="0">
                 <a:solidFill>
                   <a:srgbClr val="222222"/>
                 </a:solidFill>
@@ -4584,7 +4548,7 @@
               <a:buFont typeface="Arial" panose="020B0604020202020204" pitchFamily="34" charset="0"/>
               <a:buChar char="•"/>
             </a:pPr>
-            <a:endParaRPr lang="pt-BR" sz="2000" b="0" i="0" dirty="0">
+            <a:endParaRPr lang="pt-BR" sz="2000" b="1" i="0" dirty="0">
               <a:solidFill>
                 <a:srgbClr val="222222"/>
               </a:solidFill>
@@ -4597,8 +4561,20 @@
               <a:buFont typeface="Arial" panose="020B0604020202020204" pitchFamily="34" charset="0"/>
               <a:buChar char="•"/>
             </a:pPr>
-            <a:r>
-              <a:rPr lang="pt-BR" sz="2000" b="0" i="0" dirty="0">
+            <a:endParaRPr lang="pt-BR" sz="2000" b="1" i="0" dirty="0">
+              <a:solidFill>
+                <a:srgbClr val="222222"/>
+              </a:solidFill>
+              <a:effectLst/>
+              <a:latin typeface="Arial" panose="020B0604020202020204" pitchFamily="34" charset="0"/>
+            </a:endParaRPr>
+          </a:p>
+          <a:p>
+            <a:pPr marL="0" indent="0" algn="l">
+              <a:buNone/>
+            </a:pPr>
+            <a:r>
+              <a:rPr lang="pt-BR" sz="2000" b="1" i="0" dirty="0">
                 <a:solidFill>
                   <a:srgbClr val="222222"/>
                 </a:solidFill>
@@ -4608,7 +4584,7 @@
               <a:t>"Provavelmente essas pessoas que param de usar a </a:t>
             </a:r>
             <a:r>
-              <a:rPr lang="pt-BR" sz="2000" b="0" i="0" dirty="0" err="1">
+              <a:rPr lang="pt-BR" sz="2000" b="1" i="0" dirty="0" err="1">
                 <a:solidFill>
                   <a:srgbClr val="222222"/>
                 </a:solidFill>
@@ -4618,7 +4594,7 @@
               <a:t>Fluke</a:t>
             </a:r>
             <a:r>
-              <a:rPr lang="pt-BR" sz="2000" b="0" i="0" dirty="0">
+              <a:rPr lang="pt-BR" sz="2000" b="1" i="0" dirty="0">
                 <a:solidFill>
                   <a:srgbClr val="222222"/>
                 </a:solidFill>
@@ -4628,7 +4604,7 @@
               <a:t> não usam o número da </a:t>
             </a:r>
             <a:r>
-              <a:rPr lang="pt-BR" sz="2000" b="0" i="0" dirty="0" err="1">
+              <a:rPr lang="pt-BR" sz="2000" b="1" i="0" dirty="0" err="1">
                 <a:solidFill>
                   <a:srgbClr val="222222"/>
                 </a:solidFill>
@@ -4638,7 +4614,7 @@
               <a:t>Fluke</a:t>
             </a:r>
             <a:r>
-              <a:rPr lang="pt-BR" sz="2000" b="0" i="0" dirty="0">
+              <a:rPr lang="pt-BR" sz="2000" b="1" i="0" dirty="0">
                 <a:solidFill>
                   <a:srgbClr val="222222"/>
                 </a:solidFill>
@@ -4649,11 +4625,10 @@
             </a:r>
           </a:p>
           <a:p>
-            <a:pPr algn="l">
-              <a:buFont typeface="Arial" panose="020B0604020202020204" pitchFamily="34" charset="0"/>
-              <a:buChar char="•"/>
+            <a:pPr marL="0" indent="0" algn="l">
+              <a:buNone/>
             </a:pPr>
-            <a:endParaRPr lang="pt-BR" sz="2000" b="0" i="0" dirty="0">
+            <a:endParaRPr lang="pt-BR" sz="2000" b="1" i="0" dirty="0">
               <a:solidFill>
                 <a:srgbClr val="222222"/>
               </a:solidFill>
@@ -4666,8 +4641,20 @@
               <a:buFont typeface="Arial" panose="020B0604020202020204" pitchFamily="34" charset="0"/>
               <a:buChar char="•"/>
             </a:pPr>
-            <a:r>
-              <a:rPr lang="pt-BR" sz="2000" b="0" i="0" dirty="0">
+            <a:endParaRPr lang="pt-BR" sz="2000" b="1" i="0" dirty="0">
+              <a:solidFill>
+                <a:srgbClr val="222222"/>
+              </a:solidFill>
+              <a:effectLst/>
+              <a:latin typeface="Arial" panose="020B0604020202020204" pitchFamily="34" charset="0"/>
+            </a:endParaRPr>
+          </a:p>
+          <a:p>
+            <a:pPr marL="0" indent="0" algn="l">
+              <a:buNone/>
+            </a:pPr>
+            <a:r>
+              <a:rPr lang="pt-BR" sz="2000" b="1" i="0" dirty="0">
                 <a:solidFill>
                   <a:srgbClr val="222222"/>
                 </a:solidFill>
@@ -4677,7 +4664,7 @@
               <a:t>"Nossas campanhas de aquisição não tem grandes diferenças entre regiões, imagino que não tenha algum estado no qual as pessoas deixem </a:t>
             </a:r>
             <a:r>
-              <a:rPr lang="pt-BR" sz="2000" b="0" i="0" dirty="0" err="1">
+              <a:rPr lang="pt-BR" sz="2000" b="1" i="0" dirty="0" err="1">
                 <a:solidFill>
                   <a:srgbClr val="222222"/>
                 </a:solidFill>
@@ -4687,7 +4674,7 @@
               <a:t>deixem</a:t>
             </a:r>
             <a:r>
-              <a:rPr lang="pt-BR" sz="2000" b="0" i="0" dirty="0">
+              <a:rPr lang="pt-BR" sz="2000" b="1" i="0" dirty="0">
                 <a:solidFill>
                   <a:srgbClr val="222222"/>
                 </a:solidFill>
@@ -4697,7 +4684,7 @@
               <a:t> mais de usar a </a:t>
             </a:r>
             <a:r>
-              <a:rPr lang="pt-BR" sz="2000" b="0" i="0" dirty="0" err="1">
+              <a:rPr lang="pt-BR" sz="2000" b="1" i="0" dirty="0" err="1">
                 <a:solidFill>
                   <a:srgbClr val="222222"/>
                 </a:solidFill>
@@ -4707,7 +4694,7 @@
               <a:t>Fluke</a:t>
             </a:r>
             <a:r>
-              <a:rPr lang="pt-BR" sz="2000" b="0" i="0" dirty="0">
+              <a:rPr lang="pt-BR" sz="2000" b="1" i="0" dirty="0">
                 <a:solidFill>
                   <a:srgbClr val="222222"/>
                 </a:solidFill>
@@ -4722,6 +4709,84 @@
           </a:p>
         </p:txBody>
       </p:sp>
+      <p:pic>
+        <p:nvPicPr>
+          <p:cNvPr id="5" name="Graphic 4" descr="Open quotation mark">
+            <a:extLst>
+              <a:ext uri="{FF2B5EF4-FFF2-40B4-BE49-F238E27FC236}">
+                <a16:creationId xmlns:a16="http://schemas.microsoft.com/office/drawing/2014/main" id="{8E3E7EC0-34EA-47E4-AAB9-4C5AE2B75520}"/>
+              </a:ext>
+            </a:extLst>
+          </p:cNvPr>
+          <p:cNvPicPr>
+            <a:picLocks noChangeAspect="1"/>
+          </p:cNvPicPr>
+          <p:nvPr/>
+        </p:nvPicPr>
+        <p:blipFill>
+          <a:blip r:embed="rId2">
+            <a:extLst>
+              <a:ext uri="{28A0092B-C50C-407E-A947-70E740481C1C}">
+                <a14:useLocalDpi xmlns:a14="http://schemas.microsoft.com/office/drawing/2010/main" val="0"/>
+              </a:ext>
+              <a:ext uri="{96DAC541-7B7A-43D3-8B79-37D633B846F1}">
+                <asvg:svgBlip xmlns:asvg="http://schemas.microsoft.com/office/drawing/2016/SVG/main" r:embed="rId3"/>
+              </a:ext>
+            </a:extLst>
+          </a:blip>
+          <a:stretch>
+            <a:fillRect/>
+          </a:stretch>
+        </p:blipFill>
+        <p:spPr>
+          <a:xfrm>
+            <a:off x="912166" y="1792288"/>
+            <a:ext cx="914400" cy="914400"/>
+          </a:xfrm>
+          <a:prstGeom prst="rect">
+            <a:avLst/>
+          </a:prstGeom>
+        </p:spPr>
+      </p:pic>
+      <p:pic>
+        <p:nvPicPr>
+          <p:cNvPr id="7" name="Graphic 6" descr="Closed quotation mark">
+            <a:extLst>
+              <a:ext uri="{FF2B5EF4-FFF2-40B4-BE49-F238E27FC236}">
+                <a16:creationId xmlns:a16="http://schemas.microsoft.com/office/drawing/2014/main" id="{9BDA2276-A622-48A5-BD76-CC1E489652DB}"/>
+              </a:ext>
+            </a:extLst>
+          </p:cNvPr>
+          <p:cNvPicPr>
+            <a:picLocks noChangeAspect="1"/>
+          </p:cNvPicPr>
+          <p:nvPr/>
+        </p:nvPicPr>
+        <p:blipFill>
+          <a:blip r:embed="rId4">
+            <a:extLst>
+              <a:ext uri="{28A0092B-C50C-407E-A947-70E740481C1C}">
+                <a14:useLocalDpi xmlns:a14="http://schemas.microsoft.com/office/drawing/2010/main" val="0"/>
+              </a:ext>
+              <a:ext uri="{96DAC541-7B7A-43D3-8B79-37D633B846F1}">
+                <asvg:svgBlip xmlns:asvg="http://schemas.microsoft.com/office/drawing/2016/SVG/main" r:embed="rId5"/>
+              </a:ext>
+            </a:extLst>
+          </a:blip>
+          <a:stretch>
+            <a:fillRect/>
+          </a:stretch>
+        </p:blipFill>
+        <p:spPr>
+          <a:xfrm>
+            <a:off x="9587344" y="5261558"/>
+            <a:ext cx="914400" cy="914400"/>
+          </a:xfrm>
+          <a:prstGeom prst="rect">
+            <a:avLst/>
+          </a:prstGeom>
+        </p:spPr>
+      </p:pic>
     </p:spTree>
     <p:extLst>
       <p:ext uri="{BB962C8B-B14F-4D97-AF65-F5344CB8AC3E}">
@@ -4741,7 +4806,7 @@
     <p:bg>
       <p:bgPr>
         <a:solidFill>
-          <a:schemeClr val="bg2"/>
+          <a:srgbClr val="E6E6E6"/>
         </a:solidFill>
         <a:effectLst/>
       </p:bgPr>
@@ -4762,105 +4827,20 @@
       </p:grpSpPr>
       <p:sp>
         <p:nvSpPr>
-          <p:cNvPr id="3" name="Espaço Reservado para Conteúdo 2">
-            <a:extLst>
-              <a:ext uri="{FF2B5EF4-FFF2-40B4-BE49-F238E27FC236}">
-                <a16:creationId xmlns:a16="http://schemas.microsoft.com/office/drawing/2014/main" id="{C165C961-AD79-4578-AE4E-2499D1893207}"/>
-              </a:ext>
-            </a:extLst>
-          </p:cNvPr>
-          <p:cNvSpPr>
-            <a:spLocks noGrp="1"/>
-          </p:cNvSpPr>
-          <p:nvPr>
-            <p:ph idx="1"/>
-          </p:nvPr>
+          <p:cNvPr id="9" name="CaixaDeTexto 8">
+            <a:extLst>
+              <a:ext uri="{FF2B5EF4-FFF2-40B4-BE49-F238E27FC236}">
+                <a16:creationId xmlns:a16="http://schemas.microsoft.com/office/drawing/2014/main" id="{1CAFC7CD-4F3D-4AA3-884F-6AB578B4C2E3}"/>
+              </a:ext>
+            </a:extLst>
+          </p:cNvPr>
+          <p:cNvSpPr txBox="1"/>
+          <p:nvPr/>
         </p:nvSpPr>
         <p:spPr>
           <a:xfrm>
-            <a:off x="736600" y="213336"/>
-            <a:ext cx="10515600" cy="4351338"/>
-          </a:xfrm>
-        </p:spPr>
-        <p:txBody>
-          <a:bodyPr/>
-          <a:lstStyle/>
-          <a:p>
-            <a:pPr marL="0" indent="0" algn="l">
-              <a:buNone/>
-            </a:pPr>
-            <a:r>
-              <a:rPr lang="pt-BR" sz="2800" b="0" i="0" dirty="0">
-                <a:solidFill>
-                  <a:srgbClr val="222222"/>
-                </a:solidFill>
-                <a:effectLst/>
-                <a:latin typeface="Arial" panose="020B0604020202020204" pitchFamily="34" charset="0"/>
-              </a:rPr>
-              <a:t>"Hoje ainda temos muitas pessoas que escutam falar da </a:t>
-            </a:r>
-            <a:r>
-              <a:rPr lang="pt-BR" sz="2800" b="0" i="0" dirty="0" err="1">
-                <a:solidFill>
-                  <a:srgbClr val="222222"/>
-                </a:solidFill>
-                <a:effectLst/>
-                <a:latin typeface="Arial" panose="020B0604020202020204" pitchFamily="34" charset="0"/>
-              </a:rPr>
-              <a:t>fluke</a:t>
-            </a:r>
-            <a:r>
-              <a:rPr lang="pt-BR" sz="2800" b="0" i="0" dirty="0">
-                <a:solidFill>
-                  <a:srgbClr val="222222"/>
-                </a:solidFill>
-                <a:effectLst/>
-                <a:latin typeface="Arial" panose="020B0604020202020204" pitchFamily="34" charset="0"/>
-              </a:rPr>
-              <a:t> e contratam só pra ver o que é, sem entender o produto ou se faz sentido“</a:t>
-            </a:r>
-          </a:p>
-          <a:p>
-            <a:pPr marL="0" indent="0" algn="l">
-              <a:buNone/>
-            </a:pPr>
-            <a:endParaRPr lang="pt-BR" dirty="0">
-              <a:solidFill>
-                <a:srgbClr val="222222"/>
-              </a:solidFill>
-              <a:latin typeface="Arial" panose="020B0604020202020204" pitchFamily="34" charset="0"/>
-            </a:endParaRPr>
-          </a:p>
-          <a:p>
-            <a:pPr marL="0" indent="0" algn="l">
-              <a:buNone/>
-            </a:pPr>
-            <a:endParaRPr lang="pt-BR" sz="2800" b="0" i="0" dirty="0">
-              <a:solidFill>
-                <a:srgbClr val="222222"/>
-              </a:solidFill>
-              <a:effectLst/>
-              <a:latin typeface="Arial" panose="020B0604020202020204" pitchFamily="34" charset="0"/>
-            </a:endParaRPr>
-          </a:p>
-        </p:txBody>
-      </p:sp>
-      <p:sp>
-        <p:nvSpPr>
-          <p:cNvPr id="8" name="CaixaDeTexto 7">
-            <a:extLst>
-              <a:ext uri="{FF2B5EF4-FFF2-40B4-BE49-F238E27FC236}">
-                <a16:creationId xmlns:a16="http://schemas.microsoft.com/office/drawing/2014/main" id="{5839D187-A377-4911-90E7-9FCB71ABFF4D}"/>
-              </a:ext>
-            </a:extLst>
-          </p:cNvPr>
-          <p:cNvSpPr txBox="1"/>
-          <p:nvPr/>
-        </p:nvSpPr>
-        <p:spPr>
-          <a:xfrm>
-            <a:off x="9596582" y="1269444"/>
-            <a:ext cx="2178545" cy="1477328"/>
+            <a:off x="8569719" y="1064125"/>
+            <a:ext cx="6094520" cy="369332"/>
           </a:xfrm>
           <a:prstGeom prst="rect">
             <a:avLst/>
@@ -4868,7 +4848,7 @@
           <a:noFill/>
         </p:spPr>
         <p:txBody>
-          <a:bodyPr wrap="none" rtlCol="0">
+          <a:bodyPr wrap="square">
             <a:spAutoFit/>
           </a:bodyPr>
           <a:lstStyle/>
@@ -4879,7 +4859,62 @@
                   <a:srgbClr val="FF0000"/>
                 </a:solidFill>
               </a:rPr>
-              <a:t>4 meses de duração !</a:t>
+              <a:t>Vale </a:t>
+            </a:r>
+            <a:r>
+              <a:rPr lang="pt-BR" dirty="0" err="1">
+                <a:solidFill>
+                  <a:srgbClr val="FF0000"/>
+                </a:solidFill>
+              </a:rPr>
+              <a:t>Boxplot</a:t>
+            </a:r>
+            <a:r>
+              <a:rPr lang="pt-BR" dirty="0">
+                <a:solidFill>
+                  <a:srgbClr val="FF0000"/>
+                </a:solidFill>
+              </a:rPr>
+              <a:t> para mostrar percentil ?</a:t>
+            </a:r>
+          </a:p>
+        </p:txBody>
+      </p:sp>
+      <p:sp>
+        <p:nvSpPr>
+          <p:cNvPr id="10" name="CaixaDeTexto 9">
+            <a:extLst>
+              <a:ext uri="{FF2B5EF4-FFF2-40B4-BE49-F238E27FC236}">
+                <a16:creationId xmlns:a16="http://schemas.microsoft.com/office/drawing/2014/main" id="{095C39CD-5A32-4FDE-83E5-D930D57F1B6B}"/>
+              </a:ext>
+            </a:extLst>
+          </p:cNvPr>
+          <p:cNvSpPr txBox="1"/>
+          <p:nvPr/>
+        </p:nvSpPr>
+        <p:spPr>
+          <a:xfrm>
+            <a:off x="7171209" y="-24102"/>
+            <a:ext cx="5334464" cy="1200329"/>
+          </a:xfrm>
+          <a:prstGeom prst="rect">
+            <a:avLst/>
+          </a:prstGeom>
+          <a:noFill/>
+        </p:spPr>
+        <p:txBody>
+          <a:bodyPr wrap="square">
+            <a:spAutoFit/>
+          </a:bodyPr>
+          <a:lstStyle/>
+          <a:p>
+            <a:r>
+              <a:rPr lang="pt-BR" dirty="0">
+                <a:solidFill>
+                  <a:srgbClr val="FF0000"/>
+                </a:solidFill>
+              </a:rPr>
+              <a:t>Faz sentido 20,62 % estão no primeiro mês </a:t>
             </a:r>
           </a:p>
           <a:p>
@@ -4896,23 +4931,85 @@
                   <a:srgbClr val="FF0000"/>
                 </a:solidFill>
               </a:rPr>
-              <a:t>1 Mês de Duração !</a:t>
-            </a:r>
-          </a:p>
-          <a:p>
-            <a:endParaRPr lang="pt-BR" dirty="0"/>
-          </a:p>
-          <a:p>
-            <a:endParaRPr lang="pt-BR" dirty="0"/>
+              <a:t>70% dos que cancelaram tinham menos de 4 meses </a:t>
+            </a:r>
+          </a:p>
+          <a:p>
+            <a:r>
+              <a:rPr lang="pt-BR" dirty="0">
+                <a:solidFill>
+                  <a:srgbClr val="FF0000"/>
+                </a:solidFill>
+              </a:rPr>
+              <a:t>de uso</a:t>
+            </a:r>
+          </a:p>
+        </p:txBody>
+      </p:sp>
+      <p:sp>
+        <p:nvSpPr>
+          <p:cNvPr id="7" name="Título 1">
+            <a:extLst>
+              <a:ext uri="{FF2B5EF4-FFF2-40B4-BE49-F238E27FC236}">
+                <a16:creationId xmlns:a16="http://schemas.microsoft.com/office/drawing/2014/main" id="{3D7B62E4-D44C-4913-B33E-1D12E5C8CF19}"/>
+              </a:ext>
+            </a:extLst>
+          </p:cNvPr>
+          <p:cNvSpPr>
+            <a:spLocks noGrp="1"/>
+          </p:cNvSpPr>
+          <p:nvPr>
+            <p:ph type="title"/>
+          </p:nvPr>
+        </p:nvSpPr>
+        <p:spPr>
+          <a:xfrm>
+            <a:off x="838200" y="365125"/>
+            <a:ext cx="10515600" cy="1325563"/>
+          </a:xfrm>
+        </p:spPr>
+        <p:txBody>
+          <a:bodyPr>
+            <a:noAutofit/>
+          </a:bodyPr>
+          <a:lstStyle/>
+          <a:p>
+            <a:r>
+              <a:rPr lang="pt-BR" sz="2400" b="1" dirty="0">
+                <a:solidFill>
+                  <a:srgbClr val="222222"/>
+                </a:solidFill>
+                <a:latin typeface="Arial" panose="020B0604020202020204" pitchFamily="34" charset="0"/>
+              </a:rPr>
+              <a:t>"Hoje ainda temos muitas pessoas que escutam falar da </a:t>
+            </a:r>
+            <a:r>
+              <a:rPr lang="pt-BR" sz="2400" b="1" dirty="0" err="1">
+                <a:solidFill>
+                  <a:srgbClr val="222222"/>
+                </a:solidFill>
+                <a:latin typeface="Arial" panose="020B0604020202020204" pitchFamily="34" charset="0"/>
+              </a:rPr>
+              <a:t>fluke</a:t>
+            </a:r>
+            <a:r>
+              <a:rPr lang="pt-BR" sz="2400" b="1" dirty="0">
+                <a:solidFill>
+                  <a:srgbClr val="222222"/>
+                </a:solidFill>
+                <a:latin typeface="Arial" panose="020B0604020202020204" pitchFamily="34" charset="0"/>
+              </a:rPr>
+              <a:t> e contratam só pra ver o que é, sem entender o produto ou se faz sentido“</a:t>
+            </a:r>
           </a:p>
         </p:txBody>
       </p:sp>
       <p:pic>
         <p:nvPicPr>
-          <p:cNvPr id="4" name="Imagem 3">
-            <a:extLst>
-              <a:ext uri="{FF2B5EF4-FFF2-40B4-BE49-F238E27FC236}">
-                <a16:creationId xmlns:a16="http://schemas.microsoft.com/office/drawing/2014/main" id="{A4BB5F0D-8725-4C32-A981-33C522D13087}"/>
+          <p:cNvPr id="12" name="Picture 11">
+            <a:extLst>
+              <a:ext uri="{FF2B5EF4-FFF2-40B4-BE49-F238E27FC236}">
+                <a16:creationId xmlns:a16="http://schemas.microsoft.com/office/drawing/2014/main" id="{74687B04-3FF2-46F4-904A-065A6059EB11}"/>
               </a:ext>
             </a:extLst>
           </p:cNvPr>
@@ -4929,8 +5026,8 @@
         </p:blipFill>
         <p:spPr>
           <a:xfrm>
-            <a:off x="556095" y="2320537"/>
-            <a:ext cx="9040487" cy="3353268"/>
+            <a:off x="838200" y="2778915"/>
+            <a:ext cx="10550115" cy="3798042"/>
           </a:xfrm>
           <a:prstGeom prst="rect">
             <a:avLst/>
@@ -4939,10 +5036,10 @@
       </p:pic>
       <p:sp>
         <p:nvSpPr>
-          <p:cNvPr id="9" name="CaixaDeTexto 8">
-            <a:extLst>
-              <a:ext uri="{FF2B5EF4-FFF2-40B4-BE49-F238E27FC236}">
-                <a16:creationId xmlns:a16="http://schemas.microsoft.com/office/drawing/2014/main" id="{1CAFC7CD-4F3D-4AA3-884F-6AB578B4C2E3}"/>
+          <p:cNvPr id="8" name="CaixaDeTexto 7">
+            <a:extLst>
+              <a:ext uri="{FF2B5EF4-FFF2-40B4-BE49-F238E27FC236}">
+                <a16:creationId xmlns:a16="http://schemas.microsoft.com/office/drawing/2014/main" id="{5839D187-A377-4911-90E7-9FCB71ABFF4D}"/>
               </a:ext>
             </a:extLst>
           </p:cNvPr>
@@ -4951,8 +5048,8 @@
         </p:nvSpPr>
         <p:spPr>
           <a:xfrm>
-            <a:off x="6731493" y="5976395"/>
-            <a:ext cx="6094520" cy="369332"/>
+            <a:off x="9510887" y="1690688"/>
+            <a:ext cx="2178545" cy="1477328"/>
           </a:xfrm>
           <a:prstGeom prst="rect">
             <a:avLst/>
@@ -4960,7 +5057,7 @@
           <a:noFill/>
         </p:spPr>
         <p:txBody>
-          <a:bodyPr wrap="square">
+          <a:bodyPr wrap="none" rtlCol="0">
             <a:spAutoFit/>
           </a:bodyPr>
           <a:lstStyle/>
@@ -4971,90 +5068,31 @@
                   <a:srgbClr val="FF0000"/>
                 </a:solidFill>
               </a:rPr>
-              <a:t>Vale </a:t>
-            </a:r>
-            <a:r>
-              <a:rPr lang="pt-BR" dirty="0" err="1">
-                <a:solidFill>
-                  <a:srgbClr val="FF0000"/>
-                </a:solidFill>
-              </a:rPr>
-              <a:t>Boxplot</a:t>
-            </a:r>
+              <a:t>4 meses de duração !</a:t>
+            </a:r>
+          </a:p>
+          <a:p>
+            <a:endParaRPr lang="pt-BR" dirty="0">
+              <a:solidFill>
+                <a:srgbClr val="FF0000"/>
+              </a:solidFill>
+            </a:endParaRPr>
+          </a:p>
+          <a:p>
             <a:r>
               <a:rPr lang="pt-BR" dirty="0">
                 <a:solidFill>
                   <a:srgbClr val="FF0000"/>
                 </a:solidFill>
               </a:rPr>
-              <a:t> para mostrar percentil ?</a:t>
-            </a:r>
-          </a:p>
-        </p:txBody>
-      </p:sp>
-      <p:sp>
-        <p:nvSpPr>
-          <p:cNvPr id="10" name="CaixaDeTexto 9">
-            <a:extLst>
-              <a:ext uri="{FF2B5EF4-FFF2-40B4-BE49-F238E27FC236}">
-                <a16:creationId xmlns:a16="http://schemas.microsoft.com/office/drawing/2014/main" id="{095C39CD-5A32-4FDE-83E5-D930D57F1B6B}"/>
-              </a:ext>
-            </a:extLst>
-          </p:cNvPr>
-          <p:cNvSpPr txBox="1"/>
-          <p:nvPr/>
-        </p:nvSpPr>
-        <p:spPr>
-          <a:xfrm>
-            <a:off x="7017057" y="2558377"/>
-            <a:ext cx="6094520" cy="1200329"/>
-          </a:xfrm>
-          <a:prstGeom prst="rect">
-            <a:avLst/>
-          </a:prstGeom>
-          <a:noFill/>
-        </p:spPr>
-        <p:txBody>
-          <a:bodyPr wrap="square">
-            <a:spAutoFit/>
-          </a:bodyPr>
-          <a:lstStyle/>
-          <a:p>
-            <a:r>
-              <a:rPr lang="pt-BR" dirty="0">
-                <a:solidFill>
-                  <a:srgbClr val="FF0000"/>
-                </a:solidFill>
-              </a:rPr>
-              <a:t>Faz sentido 20,62 % estão no primeiro mês </a:t>
-            </a:r>
-          </a:p>
-          <a:p>
-            <a:endParaRPr lang="pt-BR" dirty="0">
-              <a:solidFill>
-                <a:srgbClr val="FF0000"/>
-              </a:solidFill>
-            </a:endParaRPr>
-          </a:p>
-          <a:p>
-            <a:r>
-              <a:rPr lang="pt-BR" dirty="0">
-                <a:solidFill>
-                  <a:srgbClr val="FF0000"/>
-                </a:solidFill>
-              </a:rPr>
-              <a:t>70% dos que cancelaram tinham menos de 4 meses </a:t>
-            </a:r>
-          </a:p>
-          <a:p>
-            <a:r>
-              <a:rPr lang="pt-BR" dirty="0">
-                <a:solidFill>
-                  <a:srgbClr val="FF0000"/>
-                </a:solidFill>
-              </a:rPr>
-              <a:t>de uso</a:t>
-            </a:r>
+              <a:t>1 Mês de Duração !</a:t>
+            </a:r>
+          </a:p>
+          <a:p>
+            <a:endParaRPr lang="pt-BR" dirty="0"/>
+          </a:p>
+          <a:p>
+            <a:endParaRPr lang="pt-BR" dirty="0"/>
           </a:p>
         </p:txBody>
       </p:sp>
@@ -5077,7 +5115,7 @@
     <p:bg>
       <p:bgPr>
         <a:solidFill>
-          <a:schemeClr val="bg2"/>
+          <a:srgbClr val="E6E6E6"/>
         </a:solidFill>
         <a:effectLst/>
       </p:bgPr>
@@ -5098,239 +5136,236 @@
       </p:grpSpPr>
       <p:sp>
         <p:nvSpPr>
-          <p:cNvPr id="2" name="Título 1">
-            <a:extLst>
-              <a:ext uri="{FF2B5EF4-FFF2-40B4-BE49-F238E27FC236}">
-                <a16:creationId xmlns:a16="http://schemas.microsoft.com/office/drawing/2014/main" id="{65A1397B-485B-40FF-82A7-4F616E0F2017}"/>
-              </a:ext>
-            </a:extLst>
-          </p:cNvPr>
-          <p:cNvSpPr>
-            <a:spLocks noGrp="1"/>
-          </p:cNvSpPr>
-          <p:nvPr>
-            <p:ph type="title"/>
+          <p:cNvPr id="3" name="Espaço Reservado para Conteúdo 2">
+            <a:extLst>
+              <a:ext uri="{FF2B5EF4-FFF2-40B4-BE49-F238E27FC236}">
+                <a16:creationId xmlns:a16="http://schemas.microsoft.com/office/drawing/2014/main" id="{AB665445-08C9-4B47-B702-D208D3B91AA8}"/>
+              </a:ext>
+            </a:extLst>
+          </p:cNvPr>
+          <p:cNvSpPr>
+            <a:spLocks noGrp="1"/>
+          </p:cNvSpPr>
+          <p:nvPr>
+            <p:ph idx="1"/>
           </p:nvPr>
         </p:nvSpPr>
         <p:spPr>
           <a:xfrm>
-            <a:off x="110231" y="18255"/>
+            <a:off x="879907" y="3546764"/>
+            <a:ext cx="6842617" cy="1985818"/>
+          </a:xfrm>
+        </p:spPr>
+        <p:txBody>
+          <a:bodyPr>
+            <a:normAutofit/>
+          </a:bodyPr>
+          <a:lstStyle/>
+          <a:p>
+            <a:pPr marL="0" indent="0">
+              <a:buNone/>
+            </a:pPr>
+            <a:endParaRPr lang="pt-BR" sz="2000" u="sng" dirty="0"/>
+          </a:p>
+          <a:p>
+            <a:pPr marL="0" indent="0">
+              <a:buNone/>
+            </a:pPr>
+            <a:endParaRPr lang="pt-BR" sz="2000" dirty="0"/>
+          </a:p>
+          <a:p>
+            <a:r>
+              <a:rPr lang="pt-BR" sz="2000" b="1" dirty="0"/>
+              <a:t>Quase 80 % dos clientes </a:t>
+            </a:r>
+            <a:r>
+              <a:rPr lang="pt-BR" sz="2000" dirty="0"/>
+              <a:t>que cancelaram não usavam </a:t>
+            </a:r>
+            <a:r>
+              <a:rPr lang="pt-BR" sz="2000" dirty="0" err="1"/>
+              <a:t>Fluke</a:t>
+            </a:r>
+            <a:r>
+              <a:rPr lang="pt-BR" sz="2000" dirty="0"/>
+              <a:t> como </a:t>
+            </a:r>
+            <a:r>
+              <a:rPr lang="pt-BR" sz="2000" b="1" dirty="0"/>
+              <a:t>linha principal</a:t>
+            </a:r>
+            <a:r>
+              <a:rPr lang="pt-BR" sz="2000" dirty="0"/>
+              <a:t>;</a:t>
+            </a:r>
+          </a:p>
+          <a:p>
+            <a:endParaRPr lang="pt-BR" sz="2000" dirty="0"/>
+          </a:p>
+          <a:p>
+            <a:endParaRPr lang="pt-BR" sz="2000" dirty="0"/>
+          </a:p>
+        </p:txBody>
+      </p:sp>
+      <p:sp>
+        <p:nvSpPr>
+          <p:cNvPr id="7" name="Título 1">
+            <a:extLst>
+              <a:ext uri="{FF2B5EF4-FFF2-40B4-BE49-F238E27FC236}">
+                <a16:creationId xmlns:a16="http://schemas.microsoft.com/office/drawing/2014/main" id="{AF7BC0E8-5ACB-4A2F-B3C1-32AFC84EDF99}"/>
+              </a:ext>
+            </a:extLst>
+          </p:cNvPr>
+          <p:cNvSpPr txBox="1">
+            <a:spLocks/>
+          </p:cNvSpPr>
+          <p:nvPr/>
+        </p:nvSpPr>
+        <p:spPr>
+          <a:xfrm>
+            <a:off x="838200" y="365125"/>
             <a:ext cx="10515600" cy="1325563"/>
           </a:xfrm>
+          <a:prstGeom prst="rect">
+            <a:avLst/>
+          </a:prstGeom>
         </p:spPr>
         <p:txBody>
-          <a:bodyPr>
-            <a:normAutofit fontScale="90000"/>
+          <a:bodyPr vert="horz" lIns="91440" tIns="45720" rIns="91440" bIns="45720" rtlCol="0" anchor="ctr">
+            <a:noAutofit/>
           </a:bodyPr>
-          <a:lstStyle/>
-          <a:p>
-            <a:r>
-              <a:rPr lang="pt-BR" sz="2700" b="0" i="0" dirty="0">
+          <a:lstStyle>
+            <a:lvl1pPr algn="l" defTabSz="914400" rtl="0" eaLnBrk="1" latinLnBrk="0" hangingPunct="1">
+              <a:lnSpc>
+                <a:spcPct val="90000"/>
+              </a:lnSpc>
+              <a:spcBef>
+                <a:spcPct val="0"/>
+              </a:spcBef>
+              <a:buNone/>
+              <a:defRPr sz="4400" kern="1200">
+                <a:solidFill>
+                  <a:schemeClr val="tx1"/>
+                </a:solidFill>
+                <a:latin typeface="+mj-lt"/>
+                <a:ea typeface="+mj-ea"/>
+                <a:cs typeface="+mj-cs"/>
+              </a:defRPr>
+            </a:lvl1pPr>
+          </a:lstStyle>
+          <a:p>
+            <a:r>
+              <a:rPr lang="pt-BR" sz="2400" b="1" dirty="0">
                 <a:solidFill>
                   <a:srgbClr val="222222"/>
                 </a:solidFill>
-                <a:effectLst/>
                 <a:latin typeface="Arial" panose="020B0604020202020204" pitchFamily="34" charset="0"/>
               </a:rPr>
-              <a:t>Provavelmente essas pessoas que param de usar a </a:t>
-            </a:r>
-            <a:r>
-              <a:rPr lang="pt-BR" sz="2700" b="0" i="0" dirty="0" err="1">
+              <a:t>" Provavelmente essas pessoas que param de usar a </a:t>
+            </a:r>
+            <a:r>
+              <a:rPr lang="pt-BR" sz="2400" b="1" dirty="0" err="1">
                 <a:solidFill>
                   <a:srgbClr val="222222"/>
                 </a:solidFill>
-                <a:effectLst/>
                 <a:latin typeface="Arial" panose="020B0604020202020204" pitchFamily="34" charset="0"/>
               </a:rPr>
               <a:t>Fluke</a:t>
             </a:r>
             <a:r>
-              <a:rPr lang="pt-BR" sz="2700" b="0" i="0" dirty="0">
+              <a:rPr lang="pt-BR" sz="2400" b="1" dirty="0">
                 <a:solidFill>
                   <a:srgbClr val="222222"/>
                 </a:solidFill>
-                <a:effectLst/>
                 <a:latin typeface="Arial" panose="020B0604020202020204" pitchFamily="34" charset="0"/>
               </a:rPr>
               <a:t> não usam o número da </a:t>
             </a:r>
             <a:r>
-              <a:rPr lang="pt-BR" sz="2700" b="0" i="0" dirty="0" err="1">
+              <a:rPr lang="pt-BR" sz="2400" b="1" dirty="0" err="1">
                 <a:solidFill>
                   <a:srgbClr val="222222"/>
                 </a:solidFill>
-                <a:effectLst/>
                 <a:latin typeface="Arial" panose="020B0604020202020204" pitchFamily="34" charset="0"/>
               </a:rPr>
               <a:t>Fluke</a:t>
             </a:r>
             <a:r>
-              <a:rPr lang="pt-BR" sz="2700" b="0" i="0" dirty="0">
+              <a:rPr lang="pt-BR" sz="2400" b="1" dirty="0">
                 <a:solidFill>
                   <a:srgbClr val="222222"/>
                 </a:solidFill>
-                <a:effectLst/>
                 <a:latin typeface="Arial" panose="020B0604020202020204" pitchFamily="34" charset="0"/>
               </a:rPr>
-              <a:t> </a:t>
-            </a:r>
-            <a:r>
-              <a:rPr lang="pt-BR" sz="1800" b="0" i="0" dirty="0">
-                <a:solidFill>
-                  <a:srgbClr val="222222"/>
-                </a:solidFill>
-                <a:effectLst/>
-                <a:latin typeface="Arial" panose="020B0604020202020204" pitchFamily="34" charset="0"/>
-              </a:rPr>
-              <a:t>como</a:t>
-            </a:r>
-            <a:r>
-              <a:rPr lang="pt-BR" sz="2700" b="0" i="0" dirty="0">
-                <a:solidFill>
-                  <a:srgbClr val="222222"/>
-                </a:solidFill>
-                <a:effectLst/>
-                <a:latin typeface="Arial" panose="020B0604020202020204" pitchFamily="34" charset="0"/>
-              </a:rPr>
-              <a:t> linha principal“</a:t>
-            </a:r>
-            <a:br>
-              <a:rPr lang="pt-BR" sz="4400" b="0" i="0" dirty="0">
-                <a:solidFill>
-                  <a:srgbClr val="222222"/>
-                </a:solidFill>
-                <a:effectLst/>
-                <a:latin typeface="Arial" panose="020B0604020202020204" pitchFamily="34" charset="0"/>
-              </a:rPr>
-            </a:br>
-            <a:endParaRPr lang="pt-BR" dirty="0"/>
-          </a:p>
-        </p:txBody>
-      </p:sp>
-      <p:sp>
-        <p:nvSpPr>
-          <p:cNvPr id="3" name="Espaço Reservado para Conteúdo 2">
-            <a:extLst>
-              <a:ext uri="{FF2B5EF4-FFF2-40B4-BE49-F238E27FC236}">
-                <a16:creationId xmlns:a16="http://schemas.microsoft.com/office/drawing/2014/main" id="{AB665445-08C9-4B47-B702-D208D3B91AA8}"/>
-              </a:ext>
-            </a:extLst>
-          </p:cNvPr>
-          <p:cNvSpPr>
-            <a:spLocks noGrp="1"/>
-          </p:cNvSpPr>
-          <p:nvPr>
-            <p:ph idx="1"/>
-          </p:nvPr>
+              <a:t> como linha principal“</a:t>
+            </a:r>
+          </a:p>
+        </p:txBody>
+      </p:sp>
+      <p:sp>
+        <p:nvSpPr>
+          <p:cNvPr id="10" name="Rectangle 9">
+            <a:extLst>
+              <a:ext uri="{FF2B5EF4-FFF2-40B4-BE49-F238E27FC236}">
+                <a16:creationId xmlns:a16="http://schemas.microsoft.com/office/drawing/2014/main" id="{C39B37A9-C910-4911-8095-BE2177A177EB}"/>
+              </a:ext>
+            </a:extLst>
+          </p:cNvPr>
+          <p:cNvSpPr/>
+          <p:nvPr/>
         </p:nvSpPr>
         <p:spPr>
           <a:xfrm>
-            <a:off x="110231" y="822448"/>
-            <a:ext cx="10515600" cy="4351338"/>
+            <a:off x="1253215" y="2623434"/>
+            <a:ext cx="6096000" cy="923330"/>
           </a:xfrm>
+          <a:prstGeom prst="rect">
+            <a:avLst/>
+          </a:prstGeom>
         </p:spPr>
         <p:txBody>
           <a:bodyPr>
-            <a:normAutofit/>
+            <a:spAutoFit/>
           </a:bodyPr>
           <a:lstStyle/>
           <a:p>
             <a:r>
-              <a:rPr lang="pt-BR" sz="2000" dirty="0">
-                <a:solidFill>
-                  <a:srgbClr val="FF0000"/>
-                </a:solidFill>
-              </a:rPr>
-              <a:t>Quem usa </a:t>
-            </a:r>
-            <a:r>
-              <a:rPr lang="pt-BR" sz="2000" dirty="0" err="1">
-                <a:solidFill>
-                  <a:srgbClr val="FF0000"/>
-                </a:solidFill>
-              </a:rPr>
+              <a:rPr lang="pt-BR" i="1" dirty="0"/>
+              <a:t>“ Através do “</a:t>
+            </a:r>
+            <a:r>
+              <a:rPr lang="pt-BR" i="1" dirty="0" err="1"/>
+              <a:t>end</a:t>
+            </a:r>
+            <a:r>
+              <a:rPr lang="pt-BR" i="1" dirty="0"/>
+              <a:t> </a:t>
+            </a:r>
+            <a:r>
+              <a:rPr lang="pt-BR" i="1" dirty="0" err="1"/>
+              <a:t>portability</a:t>
+            </a:r>
+            <a:r>
+              <a:rPr lang="pt-BR" i="1" dirty="0"/>
+              <a:t> date” presume-se que foi transferido o número principal para </a:t>
+            </a:r>
+            <a:r>
+              <a:rPr lang="pt-BR" i="1" dirty="0" err="1"/>
               <a:t>Fluke</a:t>
             </a:r>
             <a:r>
-              <a:rPr lang="pt-BR" sz="2000" dirty="0">
-                <a:solidFill>
-                  <a:srgbClr val="FF0000"/>
-                </a:solidFill>
-              </a:rPr>
-              <a:t> como linha principal ?</a:t>
-            </a:r>
-            <a:endParaRPr lang="pt-BR" sz="2000" u="sng" dirty="0">
-              <a:solidFill>
-                <a:srgbClr val="FF0000"/>
-              </a:solidFill>
-            </a:endParaRPr>
-          </a:p>
-          <a:p>
-            <a:r>
-              <a:rPr lang="pt-BR" sz="2000" u="sng" dirty="0">
-                <a:solidFill>
-                  <a:srgbClr val="FF0000"/>
-                </a:solidFill>
-              </a:rPr>
-              <a:t> Através do “</a:t>
-            </a:r>
-            <a:r>
-              <a:rPr lang="pt-BR" sz="2000" u="sng" dirty="0" err="1">
-                <a:solidFill>
-                  <a:srgbClr val="FF0000"/>
-                </a:solidFill>
-              </a:rPr>
-              <a:t>end</a:t>
-            </a:r>
-            <a:r>
-              <a:rPr lang="pt-BR" sz="2000" u="sng" dirty="0">
-                <a:solidFill>
-                  <a:srgbClr val="FF0000"/>
-                </a:solidFill>
-              </a:rPr>
-              <a:t> </a:t>
-            </a:r>
-            <a:r>
-              <a:rPr lang="pt-BR" sz="2000" u="sng" dirty="0" err="1">
-                <a:solidFill>
-                  <a:srgbClr val="FF0000"/>
-                </a:solidFill>
-              </a:rPr>
-              <a:t>portability</a:t>
-            </a:r>
-            <a:r>
-              <a:rPr lang="pt-BR" sz="2000" u="sng" dirty="0">
-                <a:solidFill>
-                  <a:srgbClr val="FF0000"/>
-                </a:solidFill>
-              </a:rPr>
-              <a:t> date” presume-se que foi transferido o número principal para </a:t>
-            </a:r>
-            <a:r>
-              <a:rPr lang="pt-BR" sz="2000" u="sng" dirty="0" err="1">
-                <a:solidFill>
-                  <a:srgbClr val="FF0000"/>
-                </a:solidFill>
-              </a:rPr>
-              <a:t>Fluke</a:t>
-            </a:r>
-            <a:r>
-              <a:rPr lang="pt-BR" sz="2000" u="sng" dirty="0">
-                <a:solidFill>
-                  <a:srgbClr val="FF0000"/>
-                </a:solidFill>
-              </a:rPr>
-              <a:t>, caso não fosse não teria problema em adquirir um número diferente.</a:t>
+              <a:rPr lang="pt-BR" i="1" dirty="0"/>
+              <a:t>, caso não fosse não teria problema em adquirir um número diferente “</a:t>
             </a:r>
           </a:p>
         </p:txBody>
       </p:sp>
       <p:pic>
         <p:nvPicPr>
-          <p:cNvPr id="5" name="Imagem 4">
-            <a:extLst>
-              <a:ext uri="{FF2B5EF4-FFF2-40B4-BE49-F238E27FC236}">
-                <a16:creationId xmlns:a16="http://schemas.microsoft.com/office/drawing/2014/main" id="{38305CB2-6A94-4C2B-9066-B70DA26F1010}"/>
+          <p:cNvPr id="11" name="Picture 10">
+            <a:extLst>
+              <a:ext uri="{FF2B5EF4-FFF2-40B4-BE49-F238E27FC236}">
+                <a16:creationId xmlns:a16="http://schemas.microsoft.com/office/drawing/2014/main" id="{FED2BCBF-9441-483D-9DD8-000B321FBC3E}"/>
               </a:ext>
             </a:extLst>
           </p:cNvPr>
@@ -5347,107 +5382,14 @@
         </p:blipFill>
         <p:spPr>
           <a:xfrm>
-            <a:off x="5738990" y="2200423"/>
-            <a:ext cx="4363059" cy="4639322"/>
+            <a:off x="7349215" y="1919483"/>
+            <a:ext cx="4458272" cy="4573392"/>
           </a:xfrm>
           <a:prstGeom prst="rect">
             <a:avLst/>
           </a:prstGeom>
         </p:spPr>
       </p:pic>
-      <p:sp>
-        <p:nvSpPr>
-          <p:cNvPr id="6" name="CaixaDeTexto 5">
-            <a:extLst>
-              <a:ext uri="{FF2B5EF4-FFF2-40B4-BE49-F238E27FC236}">
-                <a16:creationId xmlns:a16="http://schemas.microsoft.com/office/drawing/2014/main" id="{D1E71293-D33B-4EBA-B1FB-83C70E7AAA82}"/>
-              </a:ext>
-            </a:extLst>
-          </p:cNvPr>
-          <p:cNvSpPr txBox="1"/>
-          <p:nvPr/>
-        </p:nvSpPr>
-        <p:spPr>
-          <a:xfrm>
-            <a:off x="233038" y="3508403"/>
-            <a:ext cx="5084686" cy="2031325"/>
-          </a:xfrm>
-          <a:prstGeom prst="rect">
-            <a:avLst/>
-          </a:prstGeom>
-          <a:noFill/>
-        </p:spPr>
-        <p:txBody>
-          <a:bodyPr wrap="square">
-            <a:spAutoFit/>
-          </a:bodyPr>
-          <a:lstStyle/>
-          <a:p>
-            <a:r>
-              <a:rPr lang="pt-BR" dirty="0">
-                <a:solidFill>
-                  <a:srgbClr val="FF0000"/>
-                </a:solidFill>
-              </a:rPr>
-              <a:t>Faz Sentido!</a:t>
-            </a:r>
-          </a:p>
-          <a:p>
-            <a:endParaRPr lang="pt-BR" dirty="0">
-              <a:solidFill>
-                <a:srgbClr val="FF0000"/>
-              </a:solidFill>
-            </a:endParaRPr>
-          </a:p>
-          <a:p>
-            <a:r>
-              <a:rPr lang="pt-BR" dirty="0">
-                <a:solidFill>
-                  <a:srgbClr val="FF0000"/>
-                </a:solidFill>
-              </a:rPr>
-              <a:t>Quase 80 % dos clientes que cancelaram não usavam </a:t>
-            </a:r>
-            <a:r>
-              <a:rPr lang="pt-BR" dirty="0" err="1">
-                <a:solidFill>
-                  <a:srgbClr val="FF0000"/>
-                </a:solidFill>
-              </a:rPr>
-              <a:t>Fluke</a:t>
-            </a:r>
-            <a:endParaRPr lang="pt-BR" dirty="0">
-              <a:solidFill>
-                <a:srgbClr val="FF0000"/>
-              </a:solidFill>
-            </a:endParaRPr>
-          </a:p>
-          <a:p>
-            <a:r>
-              <a:rPr lang="pt-BR" dirty="0">
-                <a:solidFill>
-                  <a:srgbClr val="FF0000"/>
-                </a:solidFill>
-              </a:rPr>
-              <a:t>Como linha principal;</a:t>
-            </a:r>
-          </a:p>
-          <a:p>
-            <a:endParaRPr lang="pt-BR" dirty="0">
-              <a:solidFill>
-                <a:srgbClr val="FF0000"/>
-              </a:solidFill>
-            </a:endParaRPr>
-          </a:p>
-          <a:p>
-            <a:endParaRPr lang="pt-BR" dirty="0">
-              <a:solidFill>
-                <a:srgbClr val="FF0000"/>
-              </a:solidFill>
-            </a:endParaRPr>
-          </a:p>
-        </p:txBody>
-      </p:sp>
     </p:spTree>
     <p:extLst>
       <p:ext uri="{BB962C8B-B14F-4D97-AF65-F5344CB8AC3E}">
@@ -5467,7 +5409,7 @@
     <p:bg>
       <p:bgPr>
         <a:solidFill>
-          <a:schemeClr val="bg2"/>
+          <a:srgbClr val="E6E6E6"/>
         </a:solidFill>
         <a:effectLst/>
       </p:bgPr>
@@ -5488,75 +5430,105 @@
       </p:grpSpPr>
       <p:sp>
         <p:nvSpPr>
-          <p:cNvPr id="3" name="Espaço Reservado para Conteúdo 2">
-            <a:extLst>
-              <a:ext uri="{FF2B5EF4-FFF2-40B4-BE49-F238E27FC236}">
-                <a16:creationId xmlns:a16="http://schemas.microsoft.com/office/drawing/2014/main" id="{CA9E5DD9-9A5A-4317-B055-31860839A523}"/>
-              </a:ext>
-            </a:extLst>
-          </p:cNvPr>
-          <p:cNvSpPr>
-            <a:spLocks noGrp="1"/>
-          </p:cNvSpPr>
-          <p:nvPr>
-            <p:ph idx="1"/>
-          </p:nvPr>
+          <p:cNvPr id="13" name="Título 1">
+            <a:extLst>
+              <a:ext uri="{FF2B5EF4-FFF2-40B4-BE49-F238E27FC236}">
+                <a16:creationId xmlns:a16="http://schemas.microsoft.com/office/drawing/2014/main" id="{2E2904F2-87D2-46F2-AEC3-CDC48E25D9A5}"/>
+              </a:ext>
+            </a:extLst>
+          </p:cNvPr>
+          <p:cNvSpPr txBox="1">
+            <a:spLocks/>
+          </p:cNvSpPr>
+          <p:nvPr/>
         </p:nvSpPr>
         <p:spPr>
           <a:xfrm>
-            <a:off x="838200" y="218767"/>
-            <a:ext cx="10515600" cy="1263804"/>
+            <a:off x="838200" y="365125"/>
+            <a:ext cx="10515600" cy="1325563"/>
           </a:xfrm>
+          <a:prstGeom prst="rect">
+            <a:avLst/>
+          </a:prstGeom>
         </p:spPr>
         <p:txBody>
-          <a:bodyPr/>
-          <a:lstStyle/>
-          <a:p>
-            <a:pPr marL="0" indent="0">
-              <a:buNone/>
-            </a:pPr>
-            <a:r>
-              <a:rPr lang="pt-BR" sz="2800" b="0" i="0" dirty="0">
+          <a:bodyPr vert="horz" lIns="91440" tIns="45720" rIns="91440" bIns="45720" rtlCol="0" anchor="ctr">
+            <a:noAutofit/>
+          </a:bodyPr>
+          <a:lstStyle>
+            <a:lvl1pPr algn="l" defTabSz="914400" rtl="0" eaLnBrk="1" latinLnBrk="0" hangingPunct="1">
+              <a:lnSpc>
+                <a:spcPct val="90000"/>
+              </a:lnSpc>
+              <a:spcBef>
+                <a:spcPct val="0"/>
+              </a:spcBef>
+              <a:buNone/>
+              <a:defRPr sz="4400" kern="1200">
+                <a:solidFill>
+                  <a:schemeClr val="tx1"/>
+                </a:solidFill>
+                <a:latin typeface="+mj-lt"/>
+                <a:ea typeface="+mj-ea"/>
+                <a:cs typeface="+mj-cs"/>
+              </a:defRPr>
+            </a:lvl1pPr>
+          </a:lstStyle>
+          <a:p>
+            <a:r>
+              <a:rPr lang="pt-BR" sz="2400" b="1" dirty="0">
                 <a:solidFill>
                   <a:srgbClr val="222222"/>
                 </a:solidFill>
-                <a:effectLst/>
                 <a:latin typeface="Arial" panose="020B0604020202020204" pitchFamily="34" charset="0"/>
               </a:rPr>
-              <a:t>"Nossas campanhas de aquisição não tem grandes diferenças entre regiões, imagino que não tenha algum estado no qual as pessoas deixem mais de usar a </a:t>
-            </a:r>
-            <a:r>
-              <a:rPr lang="pt-BR" sz="2800" b="0" i="0" dirty="0" err="1">
+              <a:t>"Nossas campanhas de aquisição não tem grandes diferenças entre regiões, imagino que não tenha algum estado no qual as pessoas deixem </a:t>
+            </a:r>
+            <a:r>
+              <a:rPr lang="pt-BR" sz="2400" b="1" dirty="0" err="1">
                 <a:solidFill>
                   <a:srgbClr val="222222"/>
                 </a:solidFill>
-                <a:effectLst/>
+                <a:latin typeface="Arial" panose="020B0604020202020204" pitchFamily="34" charset="0"/>
+              </a:rPr>
+              <a:t>deixem</a:t>
+            </a:r>
+            <a:r>
+              <a:rPr lang="pt-BR" sz="2400" b="1" dirty="0">
+                <a:solidFill>
+                  <a:srgbClr val="222222"/>
+                </a:solidFill>
+                <a:latin typeface="Arial" panose="020B0604020202020204" pitchFamily="34" charset="0"/>
+              </a:rPr>
+              <a:t> mais de usar a </a:t>
+            </a:r>
+            <a:r>
+              <a:rPr lang="pt-BR" sz="2400" b="1" dirty="0" err="1">
+                <a:solidFill>
+                  <a:srgbClr val="222222"/>
+                </a:solidFill>
                 <a:latin typeface="Arial" panose="020B0604020202020204" pitchFamily="34" charset="0"/>
               </a:rPr>
               <a:t>Fluke</a:t>
             </a:r>
             <a:r>
-              <a:rPr lang="pt-BR" sz="2800" b="0" i="0" dirty="0">
+              <a:rPr lang="pt-BR" sz="2400" b="1" dirty="0">
                 <a:solidFill>
                   <a:srgbClr val="222222"/>
                 </a:solidFill>
-                <a:effectLst/>
                 <a:latin typeface="Arial" panose="020B0604020202020204" pitchFamily="34" charset="0"/>
               </a:rPr>
               <a:t> do que em outro"</a:t>
             </a:r>
           </a:p>
-          <a:p>
-            <a:endParaRPr lang="pt-BR" dirty="0"/>
-          </a:p>
         </p:txBody>
       </p:sp>
       <p:pic>
         <p:nvPicPr>
-          <p:cNvPr id="7" name="Imagem 6">
-            <a:extLst>
-              <a:ext uri="{FF2B5EF4-FFF2-40B4-BE49-F238E27FC236}">
-                <a16:creationId xmlns:a16="http://schemas.microsoft.com/office/drawing/2014/main" id="{F7FACA88-2DE0-4F00-BAAF-5FC1CB97EB38}"/>
+          <p:cNvPr id="9" name="Picture 8">
+            <a:extLst>
+              <a:ext uri="{FF2B5EF4-FFF2-40B4-BE49-F238E27FC236}">
+                <a16:creationId xmlns:a16="http://schemas.microsoft.com/office/drawing/2014/main" id="{FC080E27-5CC1-4E13-BBD6-B39892DC9F14}"/>
               </a:ext>
             </a:extLst>
           </p:cNvPr>
@@ -5573,8 +5545,8 @@
         </p:blipFill>
         <p:spPr>
           <a:xfrm>
-            <a:off x="1116636" y="1637571"/>
-            <a:ext cx="10621857" cy="5220429"/>
+            <a:off x="4959926" y="2520915"/>
+            <a:ext cx="7048299" cy="3556312"/>
           </a:xfrm>
           <a:prstGeom prst="rect">
             <a:avLst/>
@@ -5583,316 +5555,53 @@
       </p:pic>
       <p:sp>
         <p:nvSpPr>
-          <p:cNvPr id="4" name="CaixaDeTexto 3">
-            <a:extLst>
-              <a:ext uri="{FF2B5EF4-FFF2-40B4-BE49-F238E27FC236}">
-                <a16:creationId xmlns:a16="http://schemas.microsoft.com/office/drawing/2014/main" id="{1FA21FEB-0BDF-4488-B768-70F2908F9D8D}"/>
-              </a:ext>
-            </a:extLst>
-          </p:cNvPr>
-          <p:cNvSpPr txBox="1"/>
-          <p:nvPr/>
+          <p:cNvPr id="15" name="Espaço Reservado para Conteúdo 2">
+            <a:extLst>
+              <a:ext uri="{FF2B5EF4-FFF2-40B4-BE49-F238E27FC236}">
+                <a16:creationId xmlns:a16="http://schemas.microsoft.com/office/drawing/2014/main" id="{E1B063B1-244F-4F45-8135-82751974ADB7}"/>
+              </a:ext>
+            </a:extLst>
+          </p:cNvPr>
+          <p:cNvSpPr>
+            <a:spLocks noGrp="1"/>
+          </p:cNvSpPr>
+          <p:nvPr>
+            <p:ph idx="1"/>
+          </p:nvPr>
         </p:nvSpPr>
         <p:spPr>
           <a:xfrm>
-            <a:off x="4375581" y="1870781"/>
-            <a:ext cx="6094520" cy="646331"/>
+            <a:off x="676708" y="2520915"/>
+            <a:ext cx="4116965" cy="2262909"/>
           </a:xfrm>
-          <a:prstGeom prst="rect">
-            <a:avLst/>
-          </a:prstGeom>
-          <a:noFill/>
         </p:spPr>
         <p:txBody>
-          <a:bodyPr wrap="square">
-            <a:spAutoFit/>
+          <a:bodyPr>
+            <a:normAutofit/>
           </a:bodyPr>
           <a:lstStyle/>
           <a:p>
-            <a:r>
-              <a:rPr lang="pt-BR" dirty="0">
-                <a:solidFill>
-                  <a:srgbClr val="FF0000"/>
-                </a:solidFill>
-              </a:rPr>
-              <a:t>GO seguido por SP e DF apresentam maior taxa de </a:t>
-            </a:r>
-            <a:r>
-              <a:rPr lang="pt-BR" dirty="0" err="1">
-                <a:solidFill>
-                  <a:srgbClr val="FF0000"/>
-                </a:solidFill>
-              </a:rPr>
-              <a:t>churn</a:t>
-            </a:r>
-            <a:r>
-              <a:rPr lang="pt-BR" dirty="0">
-                <a:solidFill>
-                  <a:srgbClr val="FF0000"/>
-                </a:solidFill>
-              </a:rPr>
-              <a:t> em relação aos outros estados  </a:t>
-            </a:r>
-          </a:p>
-        </p:txBody>
-      </p:sp>
-      <p:sp>
-        <p:nvSpPr>
-          <p:cNvPr id="6" name="CaixaDeTexto 5">
-            <a:extLst>
-              <a:ext uri="{FF2B5EF4-FFF2-40B4-BE49-F238E27FC236}">
-                <a16:creationId xmlns:a16="http://schemas.microsoft.com/office/drawing/2014/main" id="{68D37D9A-F10E-4460-84AB-D874AE82C4F2}"/>
-              </a:ext>
-            </a:extLst>
-          </p:cNvPr>
-          <p:cNvSpPr txBox="1"/>
-          <p:nvPr/>
-        </p:nvSpPr>
-        <p:spPr>
-          <a:xfrm>
-            <a:off x="2390313" y="2201027"/>
-            <a:ext cx="6094520" cy="369332"/>
-          </a:xfrm>
-          <a:prstGeom prst="rect">
-            <a:avLst/>
-          </a:prstGeom>
-          <a:noFill/>
-        </p:spPr>
-        <p:txBody>
-          <a:bodyPr wrap="square">
-            <a:spAutoFit/>
-          </a:bodyPr>
-          <a:lstStyle/>
-          <a:p>
-            <a:r>
-              <a:rPr lang="pt-BR" dirty="0"/>
-              <a:t>40,57%</a:t>
-            </a:r>
-          </a:p>
-        </p:txBody>
-      </p:sp>
-      <p:sp>
-        <p:nvSpPr>
-          <p:cNvPr id="8" name="CaixaDeTexto 7">
-            <a:extLst>
-              <a:ext uri="{FF2B5EF4-FFF2-40B4-BE49-F238E27FC236}">
-                <a16:creationId xmlns:a16="http://schemas.microsoft.com/office/drawing/2014/main" id="{054DB333-626E-4078-BE23-0FB798ED964A}"/>
-              </a:ext>
-            </a:extLst>
-          </p:cNvPr>
-          <p:cNvSpPr txBox="1"/>
-          <p:nvPr/>
-        </p:nvSpPr>
-        <p:spPr>
-          <a:xfrm>
-            <a:off x="3864006" y="3582589"/>
-            <a:ext cx="6094520" cy="369332"/>
-          </a:xfrm>
-          <a:prstGeom prst="rect">
-            <a:avLst/>
-          </a:prstGeom>
-          <a:noFill/>
-        </p:spPr>
-        <p:txBody>
-          <a:bodyPr wrap="square">
-            <a:spAutoFit/>
-          </a:bodyPr>
-          <a:lstStyle/>
-          <a:p>
-            <a:r>
-              <a:rPr lang="pt-BR" sz="1800" b="0" i="0" u="none" strike="noStrike" dirty="0">
-                <a:solidFill>
-                  <a:srgbClr val="000000"/>
-                </a:solidFill>
-                <a:effectLst/>
-                <a:latin typeface="Calibri" panose="020F0502020204030204" pitchFamily="34" charset="0"/>
-              </a:rPr>
-              <a:t>52,4%</a:t>
-            </a:r>
-            <a:r>
-              <a:rPr lang="pt-BR" dirty="0"/>
-              <a:t> </a:t>
-            </a:r>
-          </a:p>
-        </p:txBody>
-      </p:sp>
-      <p:sp>
-        <p:nvSpPr>
-          <p:cNvPr id="10" name="CaixaDeTexto 9">
-            <a:extLst>
-              <a:ext uri="{FF2B5EF4-FFF2-40B4-BE49-F238E27FC236}">
-                <a16:creationId xmlns:a16="http://schemas.microsoft.com/office/drawing/2014/main" id="{209E2744-0AB8-471B-ABD4-C1E68F3D4064}"/>
-              </a:ext>
-            </a:extLst>
-          </p:cNvPr>
-          <p:cNvSpPr txBox="1"/>
-          <p:nvPr/>
-        </p:nvSpPr>
-        <p:spPr>
-          <a:xfrm>
-            <a:off x="5237086" y="3793439"/>
-            <a:ext cx="6094520" cy="369332"/>
-          </a:xfrm>
-          <a:prstGeom prst="rect">
-            <a:avLst/>
-          </a:prstGeom>
-          <a:noFill/>
-        </p:spPr>
-        <p:txBody>
-          <a:bodyPr wrap="square">
-            <a:spAutoFit/>
-          </a:bodyPr>
-          <a:lstStyle/>
-          <a:p>
-            <a:r>
-              <a:rPr lang="pt-BR" sz="1800" b="0" i="0" u="none" strike="noStrike" dirty="0">
-                <a:solidFill>
-                  <a:srgbClr val="000000"/>
-                </a:solidFill>
-                <a:effectLst/>
-                <a:latin typeface="Calibri" panose="020F0502020204030204" pitchFamily="34" charset="0"/>
-              </a:rPr>
-              <a:t>16,8%</a:t>
-            </a:r>
-            <a:r>
-              <a:rPr lang="pt-BR" dirty="0"/>
-              <a:t> </a:t>
-            </a:r>
-          </a:p>
-        </p:txBody>
-      </p:sp>
-      <p:sp>
-        <p:nvSpPr>
-          <p:cNvPr id="12" name="CaixaDeTexto 11">
-            <a:extLst>
-              <a:ext uri="{FF2B5EF4-FFF2-40B4-BE49-F238E27FC236}">
-                <a16:creationId xmlns:a16="http://schemas.microsoft.com/office/drawing/2014/main" id="{7D80EAA1-E6F5-44A7-B090-5A6DD87181AA}"/>
-              </a:ext>
-            </a:extLst>
-          </p:cNvPr>
-          <p:cNvSpPr txBox="1"/>
-          <p:nvPr/>
-        </p:nvSpPr>
-        <p:spPr>
-          <a:xfrm>
-            <a:off x="6533957" y="3864317"/>
-            <a:ext cx="6094520" cy="369332"/>
-          </a:xfrm>
-          <a:prstGeom prst="rect">
-            <a:avLst/>
-          </a:prstGeom>
-          <a:noFill/>
-        </p:spPr>
-        <p:txBody>
-          <a:bodyPr wrap="square">
-            <a:spAutoFit/>
-          </a:bodyPr>
-          <a:lstStyle/>
-          <a:p>
-            <a:r>
-              <a:rPr lang="pt-BR" sz="1800" b="0" i="0" u="none" strike="noStrike" dirty="0">
-                <a:solidFill>
-                  <a:srgbClr val="000000"/>
-                </a:solidFill>
-                <a:effectLst/>
-                <a:latin typeface="Calibri" panose="020F0502020204030204" pitchFamily="34" charset="0"/>
-              </a:rPr>
-              <a:t>17,0%</a:t>
-            </a:r>
-            <a:r>
-              <a:rPr lang="pt-BR" dirty="0"/>
-              <a:t> </a:t>
-            </a:r>
-          </a:p>
-        </p:txBody>
-      </p:sp>
-      <p:sp>
-        <p:nvSpPr>
-          <p:cNvPr id="16" name="CaixaDeTexto 15">
-            <a:extLst>
-              <a:ext uri="{FF2B5EF4-FFF2-40B4-BE49-F238E27FC236}">
-                <a16:creationId xmlns:a16="http://schemas.microsoft.com/office/drawing/2014/main" id="{07EFBDB0-198B-4571-BDD9-B92FA43B1D60}"/>
-              </a:ext>
-            </a:extLst>
-          </p:cNvPr>
-          <p:cNvSpPr txBox="1"/>
-          <p:nvPr/>
-        </p:nvSpPr>
-        <p:spPr>
-          <a:xfrm>
-            <a:off x="7919353" y="4152248"/>
-            <a:ext cx="6312022" cy="369332"/>
-          </a:xfrm>
-          <a:prstGeom prst="rect">
-            <a:avLst/>
-          </a:prstGeom>
-          <a:noFill/>
-        </p:spPr>
-        <p:txBody>
-          <a:bodyPr wrap="square">
-            <a:spAutoFit/>
-          </a:bodyPr>
-          <a:lstStyle/>
-          <a:p>
-            <a:r>
-              <a:rPr lang="pt-BR" sz="1800" b="0" i="0" u="none" strike="noStrike" dirty="0">
-                <a:solidFill>
-                  <a:srgbClr val="000000"/>
-                </a:solidFill>
-                <a:effectLst/>
-                <a:latin typeface="Calibri" panose="020F0502020204030204" pitchFamily="34" charset="0"/>
-              </a:rPr>
-              <a:t>37,7%</a:t>
-            </a:r>
-            <a:r>
-              <a:rPr lang="pt-BR" dirty="0"/>
-              <a:t> </a:t>
-            </a:r>
-          </a:p>
-        </p:txBody>
-      </p:sp>
-      <p:sp>
-        <p:nvSpPr>
-          <p:cNvPr id="19" name="CaixaDeTexto 18">
-            <a:extLst>
-              <a:ext uri="{FF2B5EF4-FFF2-40B4-BE49-F238E27FC236}">
-                <a16:creationId xmlns:a16="http://schemas.microsoft.com/office/drawing/2014/main" id="{4082F9E3-BDFF-44AE-B893-D7A62CDA874A}"/>
-              </a:ext>
-            </a:extLst>
-          </p:cNvPr>
-          <p:cNvSpPr txBox="1"/>
-          <p:nvPr/>
-        </p:nvSpPr>
-        <p:spPr>
-          <a:xfrm>
-            <a:off x="9384412" y="4178432"/>
-            <a:ext cx="7116024" cy="369332"/>
-          </a:xfrm>
-          <a:prstGeom prst="rect">
-            <a:avLst/>
-          </a:prstGeom>
-          <a:noFill/>
-        </p:spPr>
-        <p:txBody>
-          <a:bodyPr wrap="square">
-            <a:spAutoFit/>
-          </a:bodyPr>
-          <a:lstStyle/>
-          <a:p>
-            <a:r>
-              <a:rPr lang="pt-BR" sz="1800" b="0" i="0" u="none" strike="noStrike" dirty="0">
-                <a:solidFill>
-                  <a:srgbClr val="000000"/>
-                </a:solidFill>
-                <a:effectLst/>
-                <a:latin typeface="Calibri" panose="020F0502020204030204" pitchFamily="34" charset="0"/>
-              </a:rPr>
-              <a:t>15,5%</a:t>
-            </a:r>
-            <a:r>
-              <a:rPr lang="pt-BR" dirty="0"/>
-              <a:t> </a:t>
-            </a:r>
+            <a:endParaRPr lang="pt-BR" sz="2000" u="sng" dirty="0"/>
+          </a:p>
+          <a:p>
+            <a:r>
+              <a:rPr lang="pt-BR" sz="2000" dirty="0"/>
+              <a:t>GO apresenta </a:t>
+            </a:r>
+            <a:r>
+              <a:rPr lang="pt-BR" sz="2000" dirty="0" err="1"/>
+              <a:t>Churn</a:t>
+            </a:r>
+            <a:r>
+              <a:rPr lang="pt-BR" sz="2000" dirty="0"/>
+              <a:t> atual mais alto seguido por SP e DF</a:t>
+            </a:r>
+          </a:p>
+          <a:p>
+            <a:endParaRPr lang="pt-BR" sz="2000" dirty="0"/>
+          </a:p>
+          <a:p>
+            <a:endParaRPr lang="pt-BR" sz="2000" dirty="0"/>
           </a:p>
         </p:txBody>
       </p:sp>
@@ -5915,7 +5624,9 @@
     <p:bg>
       <p:bgPr>
         <a:solidFill>
-          <a:schemeClr val="bg2"/>
+          <a:schemeClr val="bg1">
+            <a:lumMod val="85000"/>
+          </a:schemeClr>
         </a:solidFill>
         <a:effectLst/>
       </p:bgPr>

--- a/Churn_Case.pptx
+++ b/Churn_Case.pptx
@@ -13,7 +13,8 @@
     <p:sldId id="262" r:id="rId7"/>
     <p:sldId id="260" r:id="rId8"/>
     <p:sldId id="261" r:id="rId9"/>
-    <p:sldId id="266" r:id="rId10"/>
+    <p:sldId id="267" r:id="rId10"/>
+    <p:sldId id="266" r:id="rId11"/>
   </p:sldIdLst>
   <p:sldSz cx="12192000" cy="6858000"/>
   <p:notesSz cx="6858000" cy="9144000"/>
@@ -125,6 +126,7 @@
             <p14:sldId id="262"/>
             <p14:sldId id="260"/>
             <p14:sldId id="261"/>
+            <p14:sldId id="267"/>
             <p14:sldId id="266"/>
           </p14:sldIdLst>
         </p14:section>
@@ -338,7 +340,7 @@
           <a:p>
             <a:fld id="{2C7F5CE0-1D69-41A0-A371-CDBADD15EC88}" type="slidenum">
               <a:rPr lang="pt-BR" smtClean="0"/>
-              <a:t>‹#›</a:t>
+              <a:t>‹nº›</a:t>
             </a:fld>
             <a:endParaRPr lang="pt-BR"/>
           </a:p>
@@ -536,7 +538,7 @@
           <a:p>
             <a:fld id="{2C7F5CE0-1D69-41A0-A371-CDBADD15EC88}" type="slidenum">
               <a:rPr lang="pt-BR" smtClean="0"/>
-              <a:t>‹#›</a:t>
+              <a:t>‹nº›</a:t>
             </a:fld>
             <a:endParaRPr lang="pt-BR"/>
           </a:p>
@@ -744,7 +746,7 @@
           <a:p>
             <a:fld id="{2C7F5CE0-1D69-41A0-A371-CDBADD15EC88}" type="slidenum">
               <a:rPr lang="pt-BR" smtClean="0"/>
-              <a:t>‹#›</a:t>
+              <a:t>‹nº›</a:t>
             </a:fld>
             <a:endParaRPr lang="pt-BR"/>
           </a:p>
@@ -942,7 +944,7 @@
           <a:p>
             <a:fld id="{2C7F5CE0-1D69-41A0-A371-CDBADD15EC88}" type="slidenum">
               <a:rPr lang="pt-BR" smtClean="0"/>
-              <a:t>‹#›</a:t>
+              <a:t>‹nº›</a:t>
             </a:fld>
             <a:endParaRPr lang="pt-BR"/>
           </a:p>
@@ -1217,7 +1219,7 @@
           <a:p>
             <a:fld id="{2C7F5CE0-1D69-41A0-A371-CDBADD15EC88}" type="slidenum">
               <a:rPr lang="pt-BR" smtClean="0"/>
-              <a:t>‹#›</a:t>
+              <a:t>‹nº›</a:t>
             </a:fld>
             <a:endParaRPr lang="pt-BR"/>
           </a:p>
@@ -1482,7 +1484,7 @@
           <a:p>
             <a:fld id="{2C7F5CE0-1D69-41A0-A371-CDBADD15EC88}" type="slidenum">
               <a:rPr lang="pt-BR" smtClean="0"/>
-              <a:t>‹#›</a:t>
+              <a:t>‹nº›</a:t>
             </a:fld>
             <a:endParaRPr lang="pt-BR"/>
           </a:p>
@@ -1894,7 +1896,7 @@
           <a:p>
             <a:fld id="{2C7F5CE0-1D69-41A0-A371-CDBADD15EC88}" type="slidenum">
               <a:rPr lang="pt-BR" smtClean="0"/>
-              <a:t>‹#›</a:t>
+              <a:t>‹nº›</a:t>
             </a:fld>
             <a:endParaRPr lang="pt-BR"/>
           </a:p>
@@ -2035,7 +2037,7 @@
           <a:p>
             <a:fld id="{2C7F5CE0-1D69-41A0-A371-CDBADD15EC88}" type="slidenum">
               <a:rPr lang="pt-BR" smtClean="0"/>
-              <a:t>‹#›</a:t>
+              <a:t>‹nº›</a:t>
             </a:fld>
             <a:endParaRPr lang="pt-BR"/>
           </a:p>
@@ -2148,7 +2150,7 @@
           <a:p>
             <a:fld id="{2C7F5CE0-1D69-41A0-A371-CDBADD15EC88}" type="slidenum">
               <a:rPr lang="pt-BR" smtClean="0"/>
-              <a:t>‹#›</a:t>
+              <a:t>‹nº›</a:t>
             </a:fld>
             <a:endParaRPr lang="pt-BR"/>
           </a:p>
@@ -2459,7 +2461,7 @@
           <a:p>
             <a:fld id="{2C7F5CE0-1D69-41A0-A371-CDBADD15EC88}" type="slidenum">
               <a:rPr lang="pt-BR" smtClean="0"/>
-              <a:t>‹#›</a:t>
+              <a:t>‹nº›</a:t>
             </a:fld>
             <a:endParaRPr lang="pt-BR"/>
           </a:p>
@@ -2747,7 +2749,7 @@
           <a:p>
             <a:fld id="{2C7F5CE0-1D69-41A0-A371-CDBADD15EC88}" type="slidenum">
               <a:rPr lang="pt-BR" smtClean="0"/>
-              <a:t>‹#›</a:t>
+              <a:t>‹nº›</a:t>
             </a:fld>
             <a:endParaRPr lang="pt-BR"/>
           </a:p>
@@ -3024,7 +3026,7 @@
           <a:p>
             <a:fld id="{2C7F5CE0-1D69-41A0-A371-CDBADD15EC88}" type="slidenum">
               <a:rPr lang="pt-BR" smtClean="0"/>
-              <a:t>‹#›</a:t>
+              <a:t>‹nº›</a:t>
             </a:fld>
             <a:endParaRPr lang="pt-BR"/>
           </a:p>
@@ -3340,9 +3342,7 @@
     <p:bg>
       <p:bgPr>
         <a:solidFill>
-          <a:schemeClr val="bg1">
-            <a:lumMod val="85000"/>
-          </a:schemeClr>
+          <a:srgbClr val="E6E6E6"/>
         </a:solidFill>
         <a:effectLst/>
       </p:bgPr>
@@ -3438,15 +3438,51 @@
 </p:sld>
 </file>
 
+<file path=ppt/slides/slide10.xml><?xml version="1.0" encoding="utf-8"?>
+<p:sld xmlns:a="http://schemas.openxmlformats.org/drawingml/2006/main" xmlns:r="http://schemas.openxmlformats.org/officeDocument/2006/relationships" xmlns:p="http://schemas.openxmlformats.org/presentationml/2006/main">
+  <p:cSld>
+    <p:bg>
+      <p:bgPr>
+        <a:solidFill>
+          <a:srgbClr val="E6E6E6"/>
+        </a:solidFill>
+        <a:effectLst/>
+      </p:bgPr>
+    </p:bg>
+    <p:spTree>
+      <p:nvGrpSpPr>
+        <p:cNvPr id="1" name=""/>
+        <p:cNvGrpSpPr/>
+        <p:nvPr/>
+      </p:nvGrpSpPr>
+      <p:grpSpPr>
+        <a:xfrm>
+          <a:off x="0" y="0"/>
+          <a:ext cx="0" cy="0"/>
+          <a:chOff x="0" y="0"/>
+          <a:chExt cx="0" cy="0"/>
+        </a:xfrm>
+      </p:grpSpPr>
+    </p:spTree>
+    <p:extLst>
+      <p:ext uri="{BB962C8B-B14F-4D97-AF65-F5344CB8AC3E}">
+        <p14:creationId xmlns:p14="http://schemas.microsoft.com/office/powerpoint/2010/main" val="324028868"/>
+      </p:ext>
+    </p:extLst>
+  </p:cSld>
+  <p:clrMapOvr>
+    <a:masterClrMapping/>
+  </p:clrMapOvr>
+</p:sld>
+</file>
+
 <file path=ppt/slides/slide2.xml><?xml version="1.0" encoding="utf-8"?>
 <p:sld xmlns:a="http://schemas.openxmlformats.org/drawingml/2006/main" xmlns:r="http://schemas.openxmlformats.org/officeDocument/2006/relationships" xmlns:p="http://schemas.openxmlformats.org/presentationml/2006/main">
   <p:cSld>
     <p:bg>
       <p:bgPr>
         <a:solidFill>
-          <a:schemeClr val="bg1">
-            <a:lumMod val="85000"/>
-          </a:schemeClr>
+          <a:srgbClr val="E6E6E6"/>
         </a:solidFill>
         <a:effectLst/>
       </p:bgPr>
@@ -3630,9 +3666,7 @@
     <p:bg>
       <p:bgPr>
         <a:solidFill>
-          <a:schemeClr val="bg1">
-            <a:lumMod val="85000"/>
-          </a:schemeClr>
+          <a:srgbClr val="E6E6E6"/>
         </a:solidFill>
         <a:effectLst/>
       </p:bgPr>
@@ -4409,9 +4443,7 @@
     <p:bg>
       <p:bgPr>
         <a:solidFill>
-          <a:schemeClr val="bg1">
-            <a:lumMod val="85000"/>
-          </a:schemeClr>
+          <a:srgbClr val="E6E6E6"/>
         </a:solidFill>
         <a:effectLst/>
       </p:bgPr>
@@ -4839,7 +4871,7 @@
         </p:nvSpPr>
         <p:spPr>
           <a:xfrm>
-            <a:off x="8569719" y="1064125"/>
+            <a:off x="7627610" y="3505319"/>
             <a:ext cx="6094520" cy="369332"/>
           </a:xfrm>
           <a:prstGeom prst="rect">
@@ -4894,7 +4926,7 @@
         </p:nvSpPr>
         <p:spPr>
           <a:xfrm>
-            <a:off x="7171209" y="-24102"/>
+            <a:off x="6282515" y="2778915"/>
             <a:ext cx="5334464" cy="1200329"/>
           </a:xfrm>
           <a:prstGeom prst="rect">
@@ -5026,7 +5058,7 @@
         </p:blipFill>
         <p:spPr>
           <a:xfrm>
-            <a:off x="838200" y="2778915"/>
+            <a:off x="820942" y="2778915"/>
             <a:ext cx="10550115" cy="3798042"/>
           </a:xfrm>
           <a:prstGeom prst="rect">
@@ -5624,9 +5656,7 @@
     <p:bg>
       <p:bgPr>
         <a:solidFill>
-          <a:schemeClr val="bg1">
-            <a:lumMod val="85000"/>
-          </a:schemeClr>
+          <a:srgbClr val="E6E6E6"/>
         </a:solidFill>
         <a:effectLst/>
       </p:bgPr>
@@ -5647,185 +5677,74 @@
       </p:grpSpPr>
       <p:sp>
         <p:nvSpPr>
-          <p:cNvPr id="12" name="CaixaDeTexto 11">
-            <a:extLst>
-              <a:ext uri="{FF2B5EF4-FFF2-40B4-BE49-F238E27FC236}">
-                <a16:creationId xmlns:a16="http://schemas.microsoft.com/office/drawing/2014/main" id="{7D80EAA1-E6F5-44A7-B090-5A6DD87181AA}"/>
-              </a:ext>
-            </a:extLst>
-          </p:cNvPr>
-          <p:cNvSpPr txBox="1"/>
-          <p:nvPr/>
+          <p:cNvPr id="5" name="Título 1">
+            <a:extLst>
+              <a:ext uri="{FF2B5EF4-FFF2-40B4-BE49-F238E27FC236}">
+                <a16:creationId xmlns:a16="http://schemas.microsoft.com/office/drawing/2014/main" id="{2A3EB239-F926-4171-8382-D0445F15F42B}"/>
+              </a:ext>
+            </a:extLst>
+          </p:cNvPr>
+          <p:cNvSpPr>
+            <a:spLocks noGrp="1"/>
+          </p:cNvSpPr>
+          <p:nvPr>
+            <p:ph type="title"/>
+          </p:nvPr>
         </p:nvSpPr>
         <p:spPr>
           <a:xfrm>
-            <a:off x="6533957" y="3864317"/>
-            <a:ext cx="6094520" cy="369332"/>
+            <a:off x="838200" y="365125"/>
+            <a:ext cx="10515600" cy="1325563"/>
+          </a:xfrm>
+        </p:spPr>
+        <p:txBody>
+          <a:bodyPr/>
+          <a:lstStyle/>
+          <a:p>
+            <a:r>
+              <a:rPr lang="pt-BR" dirty="0">
+                <a:latin typeface="Segoe UI" panose="020B0502040204020203" pitchFamily="34" charset="0"/>
+                <a:cs typeface="Segoe UI" panose="020B0502040204020203" pitchFamily="34" charset="0"/>
+              </a:rPr>
+              <a:t>Clientes Ativos x Cancelaram</a:t>
+            </a:r>
+          </a:p>
+        </p:txBody>
+      </p:sp>
+      <p:pic>
+        <p:nvPicPr>
+          <p:cNvPr id="13" name="Imagem 12">
+            <a:extLst>
+              <a:ext uri="{FF2B5EF4-FFF2-40B4-BE49-F238E27FC236}">
+                <a16:creationId xmlns:a16="http://schemas.microsoft.com/office/drawing/2014/main" id="{9B06C45A-6879-475A-B83B-467E5A454C8A}"/>
+              </a:ext>
+            </a:extLst>
+          </p:cNvPr>
+          <p:cNvPicPr>
+            <a:picLocks noChangeAspect="1"/>
+          </p:cNvPicPr>
+          <p:nvPr/>
+        </p:nvPicPr>
+        <p:blipFill>
+          <a:blip r:embed="rId2"/>
+          <a:stretch>
+            <a:fillRect/>
+          </a:stretch>
+        </p:blipFill>
+        <p:spPr>
+          <a:xfrm>
+            <a:off x="4553307" y="1586273"/>
+            <a:ext cx="7297168" cy="5163271"/>
           </a:xfrm>
           <a:prstGeom prst="rect">
             <a:avLst/>
           </a:prstGeom>
-          <a:noFill/>
         </p:spPr>
-        <p:txBody>
-          <a:bodyPr wrap="square">
-            <a:spAutoFit/>
-          </a:bodyPr>
-          <a:lstStyle/>
-          <a:p>
-            <a:r>
-              <a:rPr lang="pt-BR" sz="1800" b="0" i="0" u="none" strike="noStrike" dirty="0">
-                <a:solidFill>
-                  <a:srgbClr val="000000"/>
-                </a:solidFill>
-                <a:effectLst/>
-                <a:latin typeface="Calibri" panose="020F0502020204030204" pitchFamily="34" charset="0"/>
-              </a:rPr>
-              <a:t>17,0%</a:t>
-            </a:r>
-            <a:r>
-              <a:rPr lang="pt-BR" dirty="0"/>
-              <a:t> </a:t>
-            </a:r>
-          </a:p>
-        </p:txBody>
-      </p:sp>
-      <p:sp>
-        <p:nvSpPr>
-          <p:cNvPr id="16" name="CaixaDeTexto 15">
-            <a:extLst>
-              <a:ext uri="{FF2B5EF4-FFF2-40B4-BE49-F238E27FC236}">
-                <a16:creationId xmlns:a16="http://schemas.microsoft.com/office/drawing/2014/main" id="{07EFBDB0-198B-4571-BDD9-B92FA43B1D60}"/>
-              </a:ext>
-            </a:extLst>
-          </p:cNvPr>
-          <p:cNvSpPr txBox="1"/>
-          <p:nvPr/>
-        </p:nvSpPr>
-        <p:spPr>
-          <a:xfrm>
-            <a:off x="7919353" y="4152248"/>
-            <a:ext cx="6312022" cy="369332"/>
-          </a:xfrm>
-          <a:prstGeom prst="rect">
-            <a:avLst/>
-          </a:prstGeom>
-          <a:noFill/>
-        </p:spPr>
-        <p:txBody>
-          <a:bodyPr wrap="square">
-            <a:spAutoFit/>
-          </a:bodyPr>
-          <a:lstStyle/>
-          <a:p>
-            <a:r>
-              <a:rPr lang="pt-BR" sz="1800" b="0" i="0" u="none" strike="noStrike" dirty="0">
-                <a:solidFill>
-                  <a:srgbClr val="000000"/>
-                </a:solidFill>
-                <a:effectLst/>
-                <a:latin typeface="Calibri" panose="020F0502020204030204" pitchFamily="34" charset="0"/>
-              </a:rPr>
-              <a:t>37,7%</a:t>
-            </a:r>
-            <a:r>
-              <a:rPr lang="pt-BR" dirty="0"/>
-              <a:t> </a:t>
-            </a:r>
-          </a:p>
-        </p:txBody>
-      </p:sp>
-      <p:sp>
-        <p:nvSpPr>
-          <p:cNvPr id="19" name="CaixaDeTexto 18">
-            <a:extLst>
-              <a:ext uri="{FF2B5EF4-FFF2-40B4-BE49-F238E27FC236}">
-                <a16:creationId xmlns:a16="http://schemas.microsoft.com/office/drawing/2014/main" id="{4082F9E3-BDFF-44AE-B893-D7A62CDA874A}"/>
-              </a:ext>
-            </a:extLst>
-          </p:cNvPr>
-          <p:cNvSpPr txBox="1"/>
-          <p:nvPr/>
-        </p:nvSpPr>
-        <p:spPr>
-          <a:xfrm>
-            <a:off x="9384412" y="4178432"/>
-            <a:ext cx="7116024" cy="369332"/>
-          </a:xfrm>
-          <a:prstGeom prst="rect">
-            <a:avLst/>
-          </a:prstGeom>
-          <a:noFill/>
-        </p:spPr>
-        <p:txBody>
-          <a:bodyPr wrap="square">
-            <a:spAutoFit/>
-          </a:bodyPr>
-          <a:lstStyle/>
-          <a:p>
-            <a:r>
-              <a:rPr lang="pt-BR" sz="1800" b="0" i="0" u="none" strike="noStrike" dirty="0">
-                <a:solidFill>
-                  <a:srgbClr val="000000"/>
-                </a:solidFill>
-                <a:effectLst/>
-                <a:latin typeface="Calibri" panose="020F0502020204030204" pitchFamily="34" charset="0"/>
-              </a:rPr>
-              <a:t>15,5%</a:t>
-            </a:r>
-            <a:r>
-              <a:rPr lang="pt-BR" dirty="0"/>
-              <a:t> </a:t>
-            </a:r>
-          </a:p>
-        </p:txBody>
-      </p:sp>
-      <p:sp>
-        <p:nvSpPr>
-          <p:cNvPr id="5" name="Espaço Reservado para Conteúdo 4">
-            <a:extLst>
-              <a:ext uri="{FF2B5EF4-FFF2-40B4-BE49-F238E27FC236}">
-                <a16:creationId xmlns:a16="http://schemas.microsoft.com/office/drawing/2014/main" id="{29A619DD-944B-40D5-9B57-958B9EE6E638}"/>
-              </a:ext>
-            </a:extLst>
-          </p:cNvPr>
-          <p:cNvSpPr>
-            <a:spLocks noGrp="1"/>
-          </p:cNvSpPr>
-          <p:nvPr>
-            <p:ph idx="1"/>
-          </p:nvPr>
-        </p:nvSpPr>
-        <p:spPr/>
-        <p:txBody>
-          <a:bodyPr/>
-          <a:lstStyle/>
-          <a:p>
-            <a:r>
-              <a:rPr lang="pt-BR" dirty="0"/>
-              <a:t>Comparar perfil ativo x </a:t>
-            </a:r>
-            <a:r>
-              <a:rPr lang="pt-BR" dirty="0" err="1"/>
-              <a:t>Churn</a:t>
-            </a:r>
-            <a:endParaRPr lang="pt-BR" dirty="0"/>
-          </a:p>
-          <a:p>
-            <a:r>
-              <a:rPr lang="pt-BR" dirty="0"/>
-              <a:t>Quem não compra nada </a:t>
-            </a:r>
-          </a:p>
-          <a:p>
-            <a:endParaRPr lang="pt-BR" dirty="0"/>
-          </a:p>
-        </p:txBody>
-      </p:sp>
+      </p:pic>
     </p:spTree>
     <p:extLst>
       <p:ext uri="{BB962C8B-B14F-4D97-AF65-F5344CB8AC3E}">
-        <p14:creationId xmlns:p14="http://schemas.microsoft.com/office/powerpoint/2010/main" val="324028868"/>
+        <p14:creationId xmlns:p14="http://schemas.microsoft.com/office/powerpoint/2010/main" val="2597250642"/>
       </p:ext>
     </p:extLst>
   </p:cSld>

--- a/Churn_Case.pptx
+++ b/Churn_Case.pptx
@@ -8,13 +8,13 @@
     <p:sldId id="256" r:id="rId2"/>
     <p:sldId id="263" r:id="rId3"/>
     <p:sldId id="257" r:id="rId4"/>
-    <p:sldId id="264" r:id="rId5"/>
-    <p:sldId id="258" r:id="rId6"/>
-    <p:sldId id="262" r:id="rId7"/>
-    <p:sldId id="260" r:id="rId8"/>
-    <p:sldId id="261" r:id="rId9"/>
-    <p:sldId id="267" r:id="rId10"/>
-    <p:sldId id="266" r:id="rId11"/>
+    <p:sldId id="258" r:id="rId5"/>
+    <p:sldId id="262" r:id="rId6"/>
+    <p:sldId id="260" r:id="rId7"/>
+    <p:sldId id="261" r:id="rId8"/>
+    <p:sldId id="267" r:id="rId9"/>
+    <p:sldId id="266" r:id="rId10"/>
+    <p:sldId id="268" r:id="rId11"/>
   </p:sldIdLst>
   <p:sldSz cx="12192000" cy="6858000"/>
   <p:notesSz cx="6858000" cy="9144000"/>
@@ -121,13 +121,13 @@
             <p14:sldId id="256"/>
             <p14:sldId id="263"/>
             <p14:sldId id="257"/>
-            <p14:sldId id="264"/>
             <p14:sldId id="258"/>
             <p14:sldId id="262"/>
             <p14:sldId id="260"/>
             <p14:sldId id="261"/>
             <p14:sldId id="267"/>
             <p14:sldId id="266"/>
+            <p14:sldId id="268"/>
           </p14:sldIdLst>
         </p14:section>
       </p14:sectionLst>
@@ -286,7 +286,7 @@
           <a:p>
             <a:fld id="{AEA70219-8491-4A84-91A6-C47F15E52AC2}" type="datetimeFigureOut">
               <a:rPr lang="pt-BR" smtClean="0"/>
-              <a:t>16/03/2021</a:t>
+              <a:t>17/03/2021</a:t>
             </a:fld>
             <a:endParaRPr lang="pt-BR"/>
           </a:p>
@@ -340,7 +340,7 @@
           <a:p>
             <a:fld id="{2C7F5CE0-1D69-41A0-A371-CDBADD15EC88}" type="slidenum">
               <a:rPr lang="pt-BR" smtClean="0"/>
-              <a:t>‹nº›</a:t>
+              <a:t>‹#›</a:t>
             </a:fld>
             <a:endParaRPr lang="pt-BR"/>
           </a:p>
@@ -484,7 +484,7 @@
           <a:p>
             <a:fld id="{AEA70219-8491-4A84-91A6-C47F15E52AC2}" type="datetimeFigureOut">
               <a:rPr lang="pt-BR" smtClean="0"/>
-              <a:t>16/03/2021</a:t>
+              <a:t>17/03/2021</a:t>
             </a:fld>
             <a:endParaRPr lang="pt-BR"/>
           </a:p>
@@ -538,7 +538,7 @@
           <a:p>
             <a:fld id="{2C7F5CE0-1D69-41A0-A371-CDBADD15EC88}" type="slidenum">
               <a:rPr lang="pt-BR" smtClean="0"/>
-              <a:t>‹nº›</a:t>
+              <a:t>‹#›</a:t>
             </a:fld>
             <a:endParaRPr lang="pt-BR"/>
           </a:p>
@@ -692,7 +692,7 @@
           <a:p>
             <a:fld id="{AEA70219-8491-4A84-91A6-C47F15E52AC2}" type="datetimeFigureOut">
               <a:rPr lang="pt-BR" smtClean="0"/>
-              <a:t>16/03/2021</a:t>
+              <a:t>17/03/2021</a:t>
             </a:fld>
             <a:endParaRPr lang="pt-BR"/>
           </a:p>
@@ -746,7 +746,7 @@
           <a:p>
             <a:fld id="{2C7F5CE0-1D69-41A0-A371-CDBADD15EC88}" type="slidenum">
               <a:rPr lang="pt-BR" smtClean="0"/>
-              <a:t>‹nº›</a:t>
+              <a:t>‹#›</a:t>
             </a:fld>
             <a:endParaRPr lang="pt-BR"/>
           </a:p>
@@ -890,7 +890,7 @@
           <a:p>
             <a:fld id="{AEA70219-8491-4A84-91A6-C47F15E52AC2}" type="datetimeFigureOut">
               <a:rPr lang="pt-BR" smtClean="0"/>
-              <a:t>16/03/2021</a:t>
+              <a:t>17/03/2021</a:t>
             </a:fld>
             <a:endParaRPr lang="pt-BR"/>
           </a:p>
@@ -944,7 +944,7 @@
           <a:p>
             <a:fld id="{2C7F5CE0-1D69-41A0-A371-CDBADD15EC88}" type="slidenum">
               <a:rPr lang="pt-BR" smtClean="0"/>
-              <a:t>‹nº›</a:t>
+              <a:t>‹#›</a:t>
             </a:fld>
             <a:endParaRPr lang="pt-BR"/>
           </a:p>
@@ -1165,7 +1165,7 @@
           <a:p>
             <a:fld id="{AEA70219-8491-4A84-91A6-C47F15E52AC2}" type="datetimeFigureOut">
               <a:rPr lang="pt-BR" smtClean="0"/>
-              <a:t>16/03/2021</a:t>
+              <a:t>17/03/2021</a:t>
             </a:fld>
             <a:endParaRPr lang="pt-BR"/>
           </a:p>
@@ -1219,7 +1219,7 @@
           <a:p>
             <a:fld id="{2C7F5CE0-1D69-41A0-A371-CDBADD15EC88}" type="slidenum">
               <a:rPr lang="pt-BR" smtClean="0"/>
-              <a:t>‹nº›</a:t>
+              <a:t>‹#›</a:t>
             </a:fld>
             <a:endParaRPr lang="pt-BR"/>
           </a:p>
@@ -1430,7 +1430,7 @@
           <a:p>
             <a:fld id="{AEA70219-8491-4A84-91A6-C47F15E52AC2}" type="datetimeFigureOut">
               <a:rPr lang="pt-BR" smtClean="0"/>
-              <a:t>16/03/2021</a:t>
+              <a:t>17/03/2021</a:t>
             </a:fld>
             <a:endParaRPr lang="pt-BR"/>
           </a:p>
@@ -1484,7 +1484,7 @@
           <a:p>
             <a:fld id="{2C7F5CE0-1D69-41A0-A371-CDBADD15EC88}" type="slidenum">
               <a:rPr lang="pt-BR" smtClean="0"/>
-              <a:t>‹nº›</a:t>
+              <a:t>‹#›</a:t>
             </a:fld>
             <a:endParaRPr lang="pt-BR"/>
           </a:p>
@@ -1842,7 +1842,7 @@
           <a:p>
             <a:fld id="{AEA70219-8491-4A84-91A6-C47F15E52AC2}" type="datetimeFigureOut">
               <a:rPr lang="pt-BR" smtClean="0"/>
-              <a:t>16/03/2021</a:t>
+              <a:t>17/03/2021</a:t>
             </a:fld>
             <a:endParaRPr lang="pt-BR"/>
           </a:p>
@@ -1896,7 +1896,7 @@
           <a:p>
             <a:fld id="{2C7F5CE0-1D69-41A0-A371-CDBADD15EC88}" type="slidenum">
               <a:rPr lang="pt-BR" smtClean="0"/>
-              <a:t>‹nº›</a:t>
+              <a:t>‹#›</a:t>
             </a:fld>
             <a:endParaRPr lang="pt-BR"/>
           </a:p>
@@ -1983,7 +1983,7 @@
           <a:p>
             <a:fld id="{AEA70219-8491-4A84-91A6-C47F15E52AC2}" type="datetimeFigureOut">
               <a:rPr lang="pt-BR" smtClean="0"/>
-              <a:t>16/03/2021</a:t>
+              <a:t>17/03/2021</a:t>
             </a:fld>
             <a:endParaRPr lang="pt-BR"/>
           </a:p>
@@ -2037,7 +2037,7 @@
           <a:p>
             <a:fld id="{2C7F5CE0-1D69-41A0-A371-CDBADD15EC88}" type="slidenum">
               <a:rPr lang="pt-BR" smtClean="0"/>
-              <a:t>‹nº›</a:t>
+              <a:t>‹#›</a:t>
             </a:fld>
             <a:endParaRPr lang="pt-BR"/>
           </a:p>
@@ -2096,7 +2096,7 @@
           <a:p>
             <a:fld id="{AEA70219-8491-4A84-91A6-C47F15E52AC2}" type="datetimeFigureOut">
               <a:rPr lang="pt-BR" smtClean="0"/>
-              <a:t>16/03/2021</a:t>
+              <a:t>17/03/2021</a:t>
             </a:fld>
             <a:endParaRPr lang="pt-BR"/>
           </a:p>
@@ -2150,7 +2150,7 @@
           <a:p>
             <a:fld id="{2C7F5CE0-1D69-41A0-A371-CDBADD15EC88}" type="slidenum">
               <a:rPr lang="pt-BR" smtClean="0"/>
-              <a:t>‹nº›</a:t>
+              <a:t>‹#›</a:t>
             </a:fld>
             <a:endParaRPr lang="pt-BR"/>
           </a:p>
@@ -2407,7 +2407,7 @@
           <a:p>
             <a:fld id="{AEA70219-8491-4A84-91A6-C47F15E52AC2}" type="datetimeFigureOut">
               <a:rPr lang="pt-BR" smtClean="0"/>
-              <a:t>16/03/2021</a:t>
+              <a:t>17/03/2021</a:t>
             </a:fld>
             <a:endParaRPr lang="pt-BR"/>
           </a:p>
@@ -2461,7 +2461,7 @@
           <a:p>
             <a:fld id="{2C7F5CE0-1D69-41A0-A371-CDBADD15EC88}" type="slidenum">
               <a:rPr lang="pt-BR" smtClean="0"/>
-              <a:t>‹nº›</a:t>
+              <a:t>‹#›</a:t>
             </a:fld>
             <a:endParaRPr lang="pt-BR"/>
           </a:p>
@@ -2695,7 +2695,7 @@
           <a:p>
             <a:fld id="{AEA70219-8491-4A84-91A6-C47F15E52AC2}" type="datetimeFigureOut">
               <a:rPr lang="pt-BR" smtClean="0"/>
-              <a:t>16/03/2021</a:t>
+              <a:t>17/03/2021</a:t>
             </a:fld>
             <a:endParaRPr lang="pt-BR"/>
           </a:p>
@@ -2749,7 +2749,7 @@
           <a:p>
             <a:fld id="{2C7F5CE0-1D69-41A0-A371-CDBADD15EC88}" type="slidenum">
               <a:rPr lang="pt-BR" smtClean="0"/>
-              <a:t>‹nº›</a:t>
+              <a:t>‹#›</a:t>
             </a:fld>
             <a:endParaRPr lang="pt-BR"/>
           </a:p>
@@ -2936,7 +2936,7 @@
           <a:p>
             <a:fld id="{AEA70219-8491-4A84-91A6-C47F15E52AC2}" type="datetimeFigureOut">
               <a:rPr lang="pt-BR" smtClean="0"/>
-              <a:t>16/03/2021</a:t>
+              <a:t>17/03/2021</a:t>
             </a:fld>
             <a:endParaRPr lang="pt-BR"/>
           </a:p>
@@ -3026,7 +3026,7 @@
           <a:p>
             <a:fld id="{2C7F5CE0-1D69-41A0-A371-CDBADD15EC88}" type="slidenum">
               <a:rPr lang="pt-BR" smtClean="0"/>
-              <a:t>‹nº›</a:t>
+              <a:t>‹#›</a:t>
             </a:fld>
             <a:endParaRPr lang="pt-BR"/>
           </a:p>
@@ -3342,7 +3342,7 @@
     <p:bg>
       <p:bgPr>
         <a:solidFill>
-          <a:srgbClr val="E6E6E6"/>
+          <a:schemeClr val="bg1"/>
         </a:solidFill>
         <a:effectLst/>
       </p:bgPr>
@@ -3363,6 +3363,1179 @@
       </p:grpSpPr>
       <p:sp>
         <p:nvSpPr>
+          <p:cNvPr id="45" name="Freeform 5">
+            <a:extLst>
+              <a:ext uri="{FF2B5EF4-FFF2-40B4-BE49-F238E27FC236}">
+                <a16:creationId xmlns:a16="http://schemas.microsoft.com/office/drawing/2014/main" id="{07322A9E-F1EC-405E-8971-BA906EFFCCB8}"/>
+              </a:ext>
+              <a:ext uri="{C183D7F6-B498-43B3-948B-1728B52AA6E4}">
+                <adec:decorative xmlns:adec="http://schemas.microsoft.com/office/drawing/2017/decorative" val="1"/>
+              </a:ext>
+            </a:extLst>
+          </p:cNvPr>
+          <p:cNvSpPr>
+            <a:spLocks noGrp="1" noRot="1" noChangeAspect="1" noMove="1" noResize="1" noEditPoints="1" noAdjustHandles="1" noChangeArrowheads="1" noChangeShapeType="1" noTextEdit="1"/>
+          </p:cNvSpPr>
+          <p:nvPr>
+            <p:extLst>
+              <p:ext uri="{386F3935-93C4-4BCD-93E2-E3B085C9AB24}">
+                <p16:designElem xmlns:p16="http://schemas.microsoft.com/office/powerpoint/2015/main" val="1"/>
+              </p:ext>
+            </p:extLst>
+          </p:nvPr>
+        </p:nvSpPr>
+        <p:spPr bwMode="auto">
+          <a:xfrm>
+            <a:off x="-329674" y="1290909"/>
+            <a:ext cx="9702800" cy="5573512"/>
+          </a:xfrm>
+          <a:custGeom>
+            <a:avLst/>
+            <a:gdLst>
+              <a:gd name="T0" fmla="*/ 1752 w 2038"/>
+              <a:gd name="T1" fmla="*/ 1169 h 1169"/>
+              <a:gd name="T2" fmla="*/ 1487 w 2038"/>
+              <a:gd name="T3" fmla="*/ 334 h 1169"/>
+              <a:gd name="T4" fmla="*/ 860 w 2038"/>
+              <a:gd name="T5" fmla="*/ 22 h 1169"/>
+              <a:gd name="T6" fmla="*/ 199 w 2038"/>
+              <a:gd name="T7" fmla="*/ 318 h 1169"/>
+              <a:gd name="T8" fmla="*/ 399 w 2038"/>
+              <a:gd name="T9" fmla="*/ 1165 h 1169"/>
+            </a:gdLst>
+            <a:ahLst/>
+            <a:cxnLst>
+              <a:cxn ang="0">
+                <a:pos x="T0" y="T1"/>
+              </a:cxn>
+              <a:cxn ang="0">
+                <a:pos x="T2" y="T3"/>
+              </a:cxn>
+              <a:cxn ang="0">
+                <a:pos x="T4" y="T5"/>
+              </a:cxn>
+              <a:cxn ang="0">
+                <a:pos x="T6" y="T7"/>
+              </a:cxn>
+              <a:cxn ang="0">
+                <a:pos x="T8" y="T9"/>
+              </a:cxn>
+            </a:cxnLst>
+            <a:rect l="0" t="0" r="r" b="b"/>
+            <a:pathLst>
+              <a:path w="2038" h="1169">
+                <a:moveTo>
+                  <a:pt x="1752" y="1169"/>
+                </a:moveTo>
+                <a:cubicBezTo>
+                  <a:pt x="2038" y="928"/>
+                  <a:pt x="1673" y="513"/>
+                  <a:pt x="1487" y="334"/>
+                </a:cubicBezTo>
+                <a:cubicBezTo>
+                  <a:pt x="1316" y="170"/>
+                  <a:pt x="1099" y="43"/>
+                  <a:pt x="860" y="22"/>
+                </a:cubicBezTo>
+                <a:cubicBezTo>
+                  <a:pt x="621" y="0"/>
+                  <a:pt x="341" y="128"/>
+                  <a:pt x="199" y="318"/>
+                </a:cubicBezTo>
+                <a:cubicBezTo>
+                  <a:pt x="0" y="586"/>
+                  <a:pt x="184" y="965"/>
+                  <a:pt x="399" y="1165"/>
+                </a:cubicBezTo>
+              </a:path>
+            </a:pathLst>
+          </a:custGeom>
+          <a:noFill/>
+          <a:ln w="9525" cap="flat">
+            <a:solidFill>
+              <a:schemeClr val="tx1">
+                <a:alpha val="20000"/>
+              </a:schemeClr>
+            </a:solidFill>
+            <a:prstDash val="solid"/>
+            <a:miter lim="800000"/>
+            <a:headEnd/>
+            <a:tailEnd/>
+          </a:ln>
+          <a:extLst>
+            <a:ext uri="{909E8E84-426E-40DD-AFC4-6F175D3DCCD1}">
+              <a14:hiddenFill xmlns:a14="http://schemas.microsoft.com/office/drawing/2010/main">
+                <a:solidFill>
+                  <a:srgbClr val="FFFFFF"/>
+                </a:solidFill>
+              </a14:hiddenFill>
+            </a:ext>
+          </a:extLst>
+        </p:spPr>
+        <p:txBody>
+          <a:bodyPr vert="horz" wrap="square" lIns="91440" tIns="45720" rIns="91440" bIns="45720" numCol="1" anchor="t" anchorCtr="0" compatLnSpc="1">
+            <a:prstTxWarp prst="textNoShape">
+              <a:avLst/>
+            </a:prstTxWarp>
+          </a:bodyPr>
+          <a:lstStyle/>
+          <a:p>
+            <a:endParaRPr lang="en-US"/>
+          </a:p>
+        </p:txBody>
+      </p:sp>
+      <p:sp>
+        <p:nvSpPr>
+          <p:cNvPr id="47" name="Freeform 6">
+            <a:extLst>
+              <a:ext uri="{FF2B5EF4-FFF2-40B4-BE49-F238E27FC236}">
+                <a16:creationId xmlns:a16="http://schemas.microsoft.com/office/drawing/2014/main" id="{A5704422-1118-4FD1-95AD-29A064EB80D9}"/>
+              </a:ext>
+              <a:ext uri="{C183D7F6-B498-43B3-948B-1728B52AA6E4}">
+                <adec:decorative xmlns:adec="http://schemas.microsoft.com/office/drawing/2017/decorative" val="1"/>
+              </a:ext>
+            </a:extLst>
+          </p:cNvPr>
+          <p:cNvSpPr>
+            <a:spLocks noGrp="1" noRot="1" noChangeAspect="1" noMove="1" noResize="1" noEditPoints="1" noAdjustHandles="1" noChangeArrowheads="1" noChangeShapeType="1" noTextEdit="1"/>
+          </p:cNvSpPr>
+          <p:nvPr>
+            <p:extLst>
+              <p:ext uri="{386F3935-93C4-4BCD-93E2-E3B085C9AB24}">
+                <p16:designElem xmlns:p16="http://schemas.microsoft.com/office/powerpoint/2015/main" val="1"/>
+              </p:ext>
+            </p:extLst>
+          </p:nvPr>
+        </p:nvSpPr>
+        <p:spPr bwMode="auto">
+          <a:xfrm>
+            <a:off x="670451" y="2010741"/>
+            <a:ext cx="7373938" cy="4848892"/>
+          </a:xfrm>
+          <a:custGeom>
+            <a:avLst/>
+            <a:gdLst>
+              <a:gd name="T0" fmla="*/ 1025 w 1549"/>
+              <a:gd name="T1" fmla="*/ 1016 h 1017"/>
+              <a:gd name="T2" fmla="*/ 1443 w 1549"/>
+              <a:gd name="T3" fmla="*/ 592 h 1017"/>
+              <a:gd name="T4" fmla="*/ 782 w 1549"/>
+              <a:gd name="T5" fmla="*/ 53 h 1017"/>
+              <a:gd name="T6" fmla="*/ 150 w 1549"/>
+              <a:gd name="T7" fmla="*/ 329 h 1017"/>
+              <a:gd name="T8" fmla="*/ 477 w 1549"/>
+              <a:gd name="T9" fmla="*/ 1017 h 1017"/>
+            </a:gdLst>
+            <a:ahLst/>
+            <a:cxnLst>
+              <a:cxn ang="0">
+                <a:pos x="T0" y="T1"/>
+              </a:cxn>
+              <a:cxn ang="0">
+                <a:pos x="T2" y="T3"/>
+              </a:cxn>
+              <a:cxn ang="0">
+                <a:pos x="T4" y="T5"/>
+              </a:cxn>
+              <a:cxn ang="0">
+                <a:pos x="T6" y="T7"/>
+              </a:cxn>
+              <a:cxn ang="0">
+                <a:pos x="T8" y="T9"/>
+              </a:cxn>
+            </a:cxnLst>
+            <a:rect l="0" t="0" r="r" b="b"/>
+            <a:pathLst>
+              <a:path w="1549" h="1017">
+                <a:moveTo>
+                  <a:pt x="1025" y="1016"/>
+                </a:moveTo>
+                <a:cubicBezTo>
+                  <a:pt x="1223" y="971"/>
+                  <a:pt x="1549" y="857"/>
+                  <a:pt x="1443" y="592"/>
+                </a:cubicBezTo>
+                <a:cubicBezTo>
+                  <a:pt x="1344" y="344"/>
+                  <a:pt x="1041" y="111"/>
+                  <a:pt x="782" y="53"/>
+                </a:cubicBezTo>
+                <a:cubicBezTo>
+                  <a:pt x="545" y="0"/>
+                  <a:pt x="275" y="117"/>
+                  <a:pt x="150" y="329"/>
+                </a:cubicBezTo>
+                <a:cubicBezTo>
+                  <a:pt x="0" y="584"/>
+                  <a:pt x="243" y="911"/>
+                  <a:pt x="477" y="1017"/>
+                </a:cubicBezTo>
+              </a:path>
+            </a:pathLst>
+          </a:custGeom>
+          <a:noFill/>
+          <a:ln w="9525" cap="flat">
+            <a:solidFill>
+              <a:schemeClr val="tx1">
+                <a:alpha val="20000"/>
+              </a:schemeClr>
+            </a:solidFill>
+            <a:prstDash val="solid"/>
+            <a:miter lim="800000"/>
+            <a:headEnd/>
+            <a:tailEnd/>
+          </a:ln>
+          <a:extLst>
+            <a:ext uri="{909E8E84-426E-40DD-AFC4-6F175D3DCCD1}">
+              <a14:hiddenFill xmlns:a14="http://schemas.microsoft.com/office/drawing/2010/main">
+                <a:solidFill>
+                  <a:srgbClr val="FFFFFF"/>
+                </a:solidFill>
+              </a14:hiddenFill>
+            </a:ext>
+          </a:extLst>
+        </p:spPr>
+        <p:txBody>
+          <a:bodyPr vert="horz" wrap="square" lIns="91440" tIns="45720" rIns="91440" bIns="45720" numCol="1" anchor="t" anchorCtr="0" compatLnSpc="1">
+            <a:prstTxWarp prst="textNoShape">
+              <a:avLst/>
+            </a:prstTxWarp>
+          </a:bodyPr>
+          <a:lstStyle/>
+          <a:p>
+            <a:endParaRPr lang="en-US"/>
+          </a:p>
+        </p:txBody>
+      </p:sp>
+      <p:sp>
+        <p:nvSpPr>
+          <p:cNvPr id="44" name="Freeform 7">
+            <a:extLst>
+              <a:ext uri="{FF2B5EF4-FFF2-40B4-BE49-F238E27FC236}">
+                <a16:creationId xmlns:a16="http://schemas.microsoft.com/office/drawing/2014/main" id="{A88B2AAA-B805-498E-A9E6-98B885855498}"/>
+              </a:ext>
+              <a:ext uri="{C183D7F6-B498-43B3-948B-1728B52AA6E4}">
+                <adec:decorative xmlns:adec="http://schemas.microsoft.com/office/drawing/2017/decorative" val="1"/>
+              </a:ext>
+            </a:extLst>
+          </p:cNvPr>
+          <p:cNvSpPr>
+            <a:spLocks noGrp="1" noRot="1" noChangeAspect="1" noMove="1" noResize="1" noEditPoints="1" noAdjustHandles="1" noChangeArrowheads="1" noChangeShapeType="1" noTextEdit="1"/>
+          </p:cNvSpPr>
+          <p:nvPr>
+            <p:extLst>
+              <p:ext uri="{386F3935-93C4-4BCD-93E2-E3B085C9AB24}">
+                <p16:designElem xmlns:p16="http://schemas.microsoft.com/office/powerpoint/2015/main" val="1"/>
+              </p:ext>
+            </p:extLst>
+          </p:nvPr>
+        </p:nvSpPr>
+        <p:spPr bwMode="auto">
+          <a:xfrm>
+            <a:off x="251351" y="1780905"/>
+            <a:ext cx="8035925" cy="5083516"/>
+          </a:xfrm>
+          <a:custGeom>
+            <a:avLst/>
+            <a:gdLst>
+              <a:gd name="T0" fmla="*/ 1302 w 1688"/>
+              <a:gd name="T1" fmla="*/ 1066 h 1066"/>
+              <a:gd name="T2" fmla="*/ 1613 w 1688"/>
+              <a:gd name="T3" fmla="*/ 850 h 1066"/>
+              <a:gd name="T4" fmla="*/ 1517 w 1688"/>
+              <a:gd name="T5" fmla="*/ 471 h 1066"/>
+              <a:gd name="T6" fmla="*/ 798 w 1688"/>
+              <a:gd name="T7" fmla="*/ 28 h 1066"/>
+              <a:gd name="T8" fmla="*/ 181 w 1688"/>
+              <a:gd name="T9" fmla="*/ 333 h 1066"/>
+              <a:gd name="T10" fmla="*/ 420 w 1688"/>
+              <a:gd name="T11" fmla="*/ 1066 h 1066"/>
+            </a:gdLst>
+            <a:ahLst/>
+            <a:cxnLst>
+              <a:cxn ang="0">
+                <a:pos x="T0" y="T1"/>
+              </a:cxn>
+              <a:cxn ang="0">
+                <a:pos x="T2" y="T3"/>
+              </a:cxn>
+              <a:cxn ang="0">
+                <a:pos x="T4" y="T5"/>
+              </a:cxn>
+              <a:cxn ang="0">
+                <a:pos x="T6" y="T7"/>
+              </a:cxn>
+              <a:cxn ang="0">
+                <a:pos x="T8" y="T9"/>
+              </a:cxn>
+              <a:cxn ang="0">
+                <a:pos x="T10" y="T11"/>
+              </a:cxn>
+            </a:cxnLst>
+            <a:rect l="0" t="0" r="r" b="b"/>
+            <a:pathLst>
+              <a:path w="1688" h="1066">
+                <a:moveTo>
+                  <a:pt x="1302" y="1066"/>
+                </a:moveTo>
+                <a:cubicBezTo>
+                  <a:pt x="1416" y="1024"/>
+                  <a:pt x="1551" y="962"/>
+                  <a:pt x="1613" y="850"/>
+                </a:cubicBezTo>
+                <a:cubicBezTo>
+                  <a:pt x="1688" y="715"/>
+                  <a:pt x="1606" y="575"/>
+                  <a:pt x="1517" y="471"/>
+                </a:cubicBezTo>
+                <a:cubicBezTo>
+                  <a:pt x="1336" y="258"/>
+                  <a:pt x="1084" y="62"/>
+                  <a:pt x="798" y="28"/>
+                </a:cubicBezTo>
+                <a:cubicBezTo>
+                  <a:pt x="559" y="0"/>
+                  <a:pt x="317" y="138"/>
+                  <a:pt x="181" y="333"/>
+                </a:cubicBezTo>
+                <a:cubicBezTo>
+                  <a:pt x="0" y="592"/>
+                  <a:pt x="191" y="907"/>
+                  <a:pt x="420" y="1066"/>
+                </a:cubicBezTo>
+              </a:path>
+            </a:pathLst>
+          </a:custGeom>
+          <a:noFill/>
+          <a:ln w="9525" cap="flat">
+            <a:solidFill>
+              <a:schemeClr val="tx1">
+                <a:alpha val="20000"/>
+              </a:schemeClr>
+            </a:solidFill>
+            <a:prstDash val="dash"/>
+            <a:miter lim="800000"/>
+            <a:headEnd/>
+            <a:tailEnd/>
+          </a:ln>
+          <a:extLst>
+            <a:ext uri="{909E8E84-426E-40DD-AFC4-6F175D3DCCD1}">
+              <a14:hiddenFill xmlns:a14="http://schemas.microsoft.com/office/drawing/2010/main">
+                <a:solidFill>
+                  <a:srgbClr val="FFFFFF"/>
+                </a:solidFill>
+              </a14:hiddenFill>
+            </a:ext>
+          </a:extLst>
+        </p:spPr>
+        <p:txBody>
+          <a:bodyPr vert="horz" wrap="square" lIns="91440" tIns="45720" rIns="91440" bIns="45720" numCol="1" anchor="t" anchorCtr="0" compatLnSpc="1">
+            <a:prstTxWarp prst="textNoShape">
+              <a:avLst/>
+            </a:prstTxWarp>
+          </a:bodyPr>
+          <a:lstStyle/>
+          <a:p>
+            <a:endParaRPr lang="en-US"/>
+          </a:p>
+        </p:txBody>
+      </p:sp>
+      <p:sp>
+        <p:nvSpPr>
+          <p:cNvPr id="46" name="Freeform 8">
+            <a:extLst>
+              <a:ext uri="{FF2B5EF4-FFF2-40B4-BE49-F238E27FC236}">
+                <a16:creationId xmlns:a16="http://schemas.microsoft.com/office/drawing/2014/main" id="{9B8051E0-19D7-43E1-BFD9-E6DBFEB3A3F1}"/>
+              </a:ext>
+              <a:ext uri="{C183D7F6-B498-43B3-948B-1728B52AA6E4}">
+                <adec:decorative xmlns:adec="http://schemas.microsoft.com/office/drawing/2017/decorative" val="1"/>
+              </a:ext>
+            </a:extLst>
+          </p:cNvPr>
+          <p:cNvSpPr>
+            <a:spLocks noGrp="1" noRot="1" noChangeAspect="1" noMove="1" noResize="1" noEditPoints="1" noAdjustHandles="1" noChangeArrowheads="1" noChangeShapeType="1" noTextEdit="1"/>
+          </p:cNvSpPr>
+          <p:nvPr>
+            <p:extLst>
+              <p:ext uri="{386F3935-93C4-4BCD-93E2-E3B085C9AB24}">
+                <p16:designElem xmlns:p16="http://schemas.microsoft.com/office/powerpoint/2015/main" val="1"/>
+              </p:ext>
+            </p:extLst>
+          </p:nvPr>
+        </p:nvSpPr>
+        <p:spPr bwMode="auto">
+          <a:xfrm>
+            <a:off x="-1061" y="542347"/>
+            <a:ext cx="10334625" cy="6322075"/>
+          </a:xfrm>
+          <a:custGeom>
+            <a:avLst/>
+            <a:gdLst>
+              <a:gd name="T0" fmla="*/ 1873 w 2171"/>
+              <a:gd name="T1" fmla="*/ 1326 h 1326"/>
+              <a:gd name="T2" fmla="*/ 1609 w 2171"/>
+              <a:gd name="T3" fmla="*/ 473 h 1326"/>
+              <a:gd name="T4" fmla="*/ 880 w 2171"/>
+              <a:gd name="T5" fmla="*/ 63 h 1326"/>
+              <a:gd name="T6" fmla="*/ 0 w 2171"/>
+              <a:gd name="T7" fmla="*/ 423 h 1326"/>
+            </a:gdLst>
+            <a:ahLst/>
+            <a:cxnLst>
+              <a:cxn ang="0">
+                <a:pos x="T0" y="T1"/>
+              </a:cxn>
+              <a:cxn ang="0">
+                <a:pos x="T2" y="T3"/>
+              </a:cxn>
+              <a:cxn ang="0">
+                <a:pos x="T4" y="T5"/>
+              </a:cxn>
+              <a:cxn ang="0">
+                <a:pos x="T6" y="T7"/>
+              </a:cxn>
+            </a:cxnLst>
+            <a:rect l="0" t="0" r="r" b="b"/>
+            <a:pathLst>
+              <a:path w="2171" h="1326">
+                <a:moveTo>
+                  <a:pt x="1873" y="1326"/>
+                </a:moveTo>
+                <a:cubicBezTo>
+                  <a:pt x="2171" y="1045"/>
+                  <a:pt x="1825" y="678"/>
+                  <a:pt x="1609" y="473"/>
+                </a:cubicBezTo>
+                <a:cubicBezTo>
+                  <a:pt x="1406" y="281"/>
+                  <a:pt x="1159" y="116"/>
+                  <a:pt x="880" y="63"/>
+                </a:cubicBezTo>
+                <a:cubicBezTo>
+                  <a:pt x="545" y="0"/>
+                  <a:pt x="214" y="161"/>
+                  <a:pt x="0" y="423"/>
+                </a:cubicBezTo>
+              </a:path>
+            </a:pathLst>
+          </a:custGeom>
+          <a:noFill/>
+          <a:ln w="9525" cap="flat">
+            <a:solidFill>
+              <a:schemeClr val="tx1">
+                <a:alpha val="20000"/>
+              </a:schemeClr>
+            </a:solidFill>
+            <a:prstDash val="solid"/>
+            <a:miter lim="800000"/>
+            <a:headEnd/>
+            <a:tailEnd/>
+          </a:ln>
+          <a:extLst>
+            <a:ext uri="{909E8E84-426E-40DD-AFC4-6F175D3DCCD1}">
+              <a14:hiddenFill xmlns:a14="http://schemas.microsoft.com/office/drawing/2010/main">
+                <a:solidFill>
+                  <a:srgbClr val="FFFFFF"/>
+                </a:solidFill>
+              </a14:hiddenFill>
+            </a:ext>
+          </a:extLst>
+        </p:spPr>
+        <p:txBody>
+          <a:bodyPr vert="horz" wrap="square" lIns="91440" tIns="45720" rIns="91440" bIns="45720" numCol="1" anchor="t" anchorCtr="0" compatLnSpc="1">
+            <a:prstTxWarp prst="textNoShape">
+              <a:avLst/>
+            </a:prstTxWarp>
+          </a:bodyPr>
+          <a:lstStyle/>
+          <a:p>
+            <a:endParaRPr lang="en-US"/>
+          </a:p>
+        </p:txBody>
+      </p:sp>
+      <p:sp>
+        <p:nvSpPr>
+          <p:cNvPr id="48" name="Freeform 9">
+            <a:extLst>
+              <a:ext uri="{FF2B5EF4-FFF2-40B4-BE49-F238E27FC236}">
+                <a16:creationId xmlns:a16="http://schemas.microsoft.com/office/drawing/2014/main" id="{4EDB2B02-86A2-46F5-A4BE-B7D9B10411D6}"/>
+              </a:ext>
+              <a:ext uri="{C183D7F6-B498-43B3-948B-1728B52AA6E4}">
+                <adec:decorative xmlns:adec="http://schemas.microsoft.com/office/drawing/2017/decorative" val="1"/>
+              </a:ext>
+            </a:extLst>
+          </p:cNvPr>
+          <p:cNvSpPr>
+            <a:spLocks noGrp="1" noRot="1" noChangeAspect="1" noMove="1" noResize="1" noEditPoints="1" noAdjustHandles="1" noChangeArrowheads="1" noChangeShapeType="1" noTextEdit="1"/>
+          </p:cNvSpPr>
+          <p:nvPr>
+            <p:extLst>
+              <p:ext uri="{386F3935-93C4-4BCD-93E2-E3B085C9AB24}">
+                <p16:designElem xmlns:p16="http://schemas.microsoft.com/office/powerpoint/2015/main" val="1"/>
+              </p:ext>
+            </p:extLst>
+          </p:nvPr>
+        </p:nvSpPr>
+        <p:spPr bwMode="auto">
+          <a:xfrm>
+            <a:off x="3701" y="6178751"/>
+            <a:ext cx="504825" cy="681527"/>
+          </a:xfrm>
+          <a:custGeom>
+            <a:avLst/>
+            <a:gdLst>
+              <a:gd name="T0" fmla="*/ 0 w 106"/>
+              <a:gd name="T1" fmla="*/ 0 h 143"/>
+              <a:gd name="T2" fmla="*/ 106 w 106"/>
+              <a:gd name="T3" fmla="*/ 143 h 143"/>
+            </a:gdLst>
+            <a:ahLst/>
+            <a:cxnLst>
+              <a:cxn ang="0">
+                <a:pos x="T0" y="T1"/>
+              </a:cxn>
+              <a:cxn ang="0">
+                <a:pos x="T2" y="T3"/>
+              </a:cxn>
+            </a:cxnLst>
+            <a:rect l="0" t="0" r="r" b="b"/>
+            <a:pathLst>
+              <a:path w="106" h="143">
+                <a:moveTo>
+                  <a:pt x="0" y="0"/>
+                </a:moveTo>
+                <a:cubicBezTo>
+                  <a:pt x="35" y="54"/>
+                  <a:pt x="70" y="101"/>
+                  <a:pt x="106" y="143"/>
+                </a:cubicBezTo>
+              </a:path>
+            </a:pathLst>
+          </a:custGeom>
+          <a:noFill/>
+          <a:ln w="4763" cap="flat">
+            <a:solidFill>
+              <a:schemeClr val="tx1">
+                <a:alpha val="20000"/>
+              </a:schemeClr>
+            </a:solidFill>
+            <a:prstDash val="solid"/>
+            <a:miter lim="800000"/>
+            <a:headEnd/>
+            <a:tailEnd/>
+          </a:ln>
+          <a:extLst>
+            <a:ext uri="{909E8E84-426E-40DD-AFC4-6F175D3DCCD1}">
+              <a14:hiddenFill xmlns:a14="http://schemas.microsoft.com/office/drawing/2010/main">
+                <a:solidFill>
+                  <a:srgbClr val="FFFFFF"/>
+                </a:solidFill>
+              </a14:hiddenFill>
+            </a:ext>
+          </a:extLst>
+        </p:spPr>
+        <p:txBody>
+          <a:bodyPr vert="horz" wrap="square" lIns="91440" tIns="45720" rIns="91440" bIns="45720" numCol="1" anchor="t" anchorCtr="0" compatLnSpc="1">
+            <a:prstTxWarp prst="textNoShape">
+              <a:avLst/>
+            </a:prstTxWarp>
+          </a:bodyPr>
+          <a:lstStyle/>
+          <a:p>
+            <a:endParaRPr lang="en-US"/>
+          </a:p>
+        </p:txBody>
+      </p:sp>
+      <p:sp>
+        <p:nvSpPr>
+          <p:cNvPr id="50" name="Freeform 10">
+            <a:extLst>
+              <a:ext uri="{FF2B5EF4-FFF2-40B4-BE49-F238E27FC236}">
+                <a16:creationId xmlns:a16="http://schemas.microsoft.com/office/drawing/2014/main" id="{43954639-FB5D-41F4-9560-6F6DFE778425}"/>
+              </a:ext>
+              <a:ext uri="{C183D7F6-B498-43B3-948B-1728B52AA6E4}">
+                <adec:decorative xmlns:adec="http://schemas.microsoft.com/office/drawing/2017/decorative" val="1"/>
+              </a:ext>
+            </a:extLst>
+          </p:cNvPr>
+          <p:cNvSpPr>
+            <a:spLocks noGrp="1" noRot="1" noChangeAspect="1" noMove="1" noResize="1" noEditPoints="1" noAdjustHandles="1" noChangeArrowheads="1" noChangeShapeType="1" noTextEdit="1"/>
+          </p:cNvSpPr>
+          <p:nvPr>
+            <p:extLst>
+              <p:ext uri="{386F3935-93C4-4BCD-93E2-E3B085C9AB24}">
+                <p16:designElem xmlns:p16="http://schemas.microsoft.com/office/powerpoint/2015/main" val="1"/>
+              </p:ext>
+            </p:extLst>
+          </p:nvPr>
+        </p:nvSpPr>
+        <p:spPr bwMode="auto">
+          <a:xfrm>
+            <a:off x="-1061" y="-59376"/>
+            <a:ext cx="11091863" cy="6923796"/>
+          </a:xfrm>
+          <a:custGeom>
+            <a:avLst/>
+            <a:gdLst>
+              <a:gd name="T0" fmla="*/ 2046 w 2330"/>
+              <a:gd name="T1" fmla="*/ 1452 h 1452"/>
+              <a:gd name="T2" fmla="*/ 1813 w 2330"/>
+              <a:gd name="T3" fmla="*/ 601 h 1452"/>
+              <a:gd name="T4" fmla="*/ 956 w 2330"/>
+              <a:gd name="T5" fmla="*/ 97 h 1452"/>
+              <a:gd name="T6" fmla="*/ 0 w 2330"/>
+              <a:gd name="T7" fmla="*/ 366 h 1452"/>
+            </a:gdLst>
+            <a:ahLst/>
+            <a:cxnLst>
+              <a:cxn ang="0">
+                <a:pos x="T0" y="T1"/>
+              </a:cxn>
+              <a:cxn ang="0">
+                <a:pos x="T2" y="T3"/>
+              </a:cxn>
+              <a:cxn ang="0">
+                <a:pos x="T4" y="T5"/>
+              </a:cxn>
+              <a:cxn ang="0">
+                <a:pos x="T6" y="T7"/>
+              </a:cxn>
+            </a:cxnLst>
+            <a:rect l="0" t="0" r="r" b="b"/>
+            <a:pathLst>
+              <a:path w="2330" h="1452">
+                <a:moveTo>
+                  <a:pt x="2046" y="1452"/>
+                </a:moveTo>
+                <a:cubicBezTo>
+                  <a:pt x="2330" y="1153"/>
+                  <a:pt x="2049" y="821"/>
+                  <a:pt x="1813" y="601"/>
+                </a:cubicBezTo>
+                <a:cubicBezTo>
+                  <a:pt x="1569" y="375"/>
+                  <a:pt x="1282" y="179"/>
+                  <a:pt x="956" y="97"/>
+                </a:cubicBezTo>
+                <a:cubicBezTo>
+                  <a:pt x="572" y="0"/>
+                  <a:pt x="292" y="101"/>
+                  <a:pt x="0" y="366"/>
+                </a:cubicBezTo>
+              </a:path>
+            </a:pathLst>
+          </a:custGeom>
+          <a:noFill/>
+          <a:ln w="9525" cap="flat">
+            <a:solidFill>
+              <a:schemeClr val="tx1">
+                <a:alpha val="20000"/>
+              </a:schemeClr>
+            </a:solidFill>
+            <a:prstDash val="solid"/>
+            <a:miter lim="800000"/>
+            <a:headEnd/>
+            <a:tailEnd/>
+          </a:ln>
+          <a:extLst>
+            <a:ext uri="{909E8E84-426E-40DD-AFC4-6F175D3DCCD1}">
+              <a14:hiddenFill xmlns:a14="http://schemas.microsoft.com/office/drawing/2010/main">
+                <a:solidFill>
+                  <a:srgbClr val="FFFFFF"/>
+                </a:solidFill>
+              </a14:hiddenFill>
+            </a:ext>
+          </a:extLst>
+        </p:spPr>
+        <p:txBody>
+          <a:bodyPr vert="horz" wrap="square" lIns="91440" tIns="45720" rIns="91440" bIns="45720" numCol="1" anchor="t" anchorCtr="0" compatLnSpc="1">
+            <a:prstTxWarp prst="textNoShape">
+              <a:avLst/>
+            </a:prstTxWarp>
+          </a:bodyPr>
+          <a:lstStyle/>
+          <a:p>
+            <a:endParaRPr lang="en-US"/>
+          </a:p>
+        </p:txBody>
+      </p:sp>
+      <p:sp>
+        <p:nvSpPr>
+          <p:cNvPr id="52" name="Freeform 12">
+            <a:extLst>
+              <a:ext uri="{FF2B5EF4-FFF2-40B4-BE49-F238E27FC236}">
+                <a16:creationId xmlns:a16="http://schemas.microsoft.com/office/drawing/2014/main" id="{E898931C-0323-41FA-A036-20F818B1FF81}"/>
+              </a:ext>
+              <a:ext uri="{C183D7F6-B498-43B3-948B-1728B52AA6E4}">
+                <adec:decorative xmlns:adec="http://schemas.microsoft.com/office/drawing/2017/decorative" val="1"/>
+              </a:ext>
+            </a:extLst>
+          </p:cNvPr>
+          <p:cNvSpPr>
+            <a:spLocks noGrp="1" noRot="1" noChangeAspect="1" noMove="1" noResize="1" noEditPoints="1" noAdjustHandles="1" noChangeArrowheads="1" noChangeShapeType="1" noTextEdit="1"/>
+          </p:cNvSpPr>
+          <p:nvPr>
+            <p:extLst>
+              <p:ext uri="{386F3935-93C4-4BCD-93E2-E3B085C9AB24}">
+                <p16:designElem xmlns:p16="http://schemas.microsoft.com/office/powerpoint/2015/main" val="1"/>
+              </p:ext>
+            </p:extLst>
+          </p:nvPr>
+        </p:nvSpPr>
+        <p:spPr bwMode="auto">
+          <a:xfrm>
+            <a:off x="-1061" y="-1916"/>
+            <a:ext cx="1057275" cy="614491"/>
+          </a:xfrm>
+          <a:custGeom>
+            <a:avLst/>
+            <a:gdLst>
+              <a:gd name="T0" fmla="*/ 222 w 222"/>
+              <a:gd name="T1" fmla="*/ 0 h 129"/>
+              <a:gd name="T2" fmla="*/ 0 w 222"/>
+              <a:gd name="T3" fmla="*/ 129 h 129"/>
+            </a:gdLst>
+            <a:ahLst/>
+            <a:cxnLst>
+              <a:cxn ang="0">
+                <a:pos x="T0" y="T1"/>
+              </a:cxn>
+              <a:cxn ang="0">
+                <a:pos x="T2" y="T3"/>
+              </a:cxn>
+            </a:cxnLst>
+            <a:rect l="0" t="0" r="r" b="b"/>
+            <a:pathLst>
+              <a:path w="222" h="129">
+                <a:moveTo>
+                  <a:pt x="222" y="0"/>
+                </a:moveTo>
+                <a:cubicBezTo>
+                  <a:pt x="152" y="35"/>
+                  <a:pt x="76" y="78"/>
+                  <a:pt x="0" y="129"/>
+                </a:cubicBezTo>
+              </a:path>
+            </a:pathLst>
+          </a:custGeom>
+          <a:noFill/>
+          <a:ln w="9525" cap="flat">
+            <a:solidFill>
+              <a:schemeClr val="tx1">
+                <a:alpha val="20000"/>
+              </a:schemeClr>
+            </a:solidFill>
+            <a:prstDash val="solid"/>
+            <a:miter lim="800000"/>
+            <a:headEnd/>
+            <a:tailEnd/>
+          </a:ln>
+          <a:extLst>
+            <a:ext uri="{909E8E84-426E-40DD-AFC4-6F175D3DCCD1}">
+              <a14:hiddenFill xmlns:a14="http://schemas.microsoft.com/office/drawing/2010/main">
+                <a:solidFill>
+                  <a:srgbClr val="FFFFFF"/>
+                </a:solidFill>
+              </a14:hiddenFill>
+            </a:ext>
+          </a:extLst>
+        </p:spPr>
+        <p:txBody>
+          <a:bodyPr vert="horz" wrap="square" lIns="91440" tIns="45720" rIns="91440" bIns="45720" numCol="1" anchor="t" anchorCtr="0" compatLnSpc="1">
+            <a:prstTxWarp prst="textNoShape">
+              <a:avLst/>
+            </a:prstTxWarp>
+          </a:bodyPr>
+          <a:lstStyle/>
+          <a:p>
+            <a:endParaRPr lang="en-US"/>
+          </a:p>
+        </p:txBody>
+      </p:sp>
+      <p:sp>
+        <p:nvSpPr>
+          <p:cNvPr id="54" name="Freeform 14">
+            <a:extLst>
+              <a:ext uri="{FF2B5EF4-FFF2-40B4-BE49-F238E27FC236}">
+                <a16:creationId xmlns:a16="http://schemas.microsoft.com/office/drawing/2014/main" id="{89AFE9DD-0792-4B98-B4EB-97ACA17E6AA8}"/>
+              </a:ext>
+              <a:ext uri="{C183D7F6-B498-43B3-948B-1728B52AA6E4}">
+                <adec:decorative xmlns:adec="http://schemas.microsoft.com/office/drawing/2017/decorative" val="1"/>
+              </a:ext>
+            </a:extLst>
+          </p:cNvPr>
+          <p:cNvSpPr>
+            <a:spLocks noGrp="1" noRot="1" noChangeAspect="1" noMove="1" noResize="1" noEditPoints="1" noAdjustHandles="1" noChangeArrowheads="1" noChangeShapeType="1" noTextEdit="1"/>
+          </p:cNvSpPr>
+          <p:nvPr>
+            <p:extLst>
+              <p:ext uri="{386F3935-93C4-4BCD-93E2-E3B085C9AB24}">
+                <p16:designElem xmlns:p16="http://schemas.microsoft.com/office/powerpoint/2015/main" val="1"/>
+              </p:ext>
+            </p:extLst>
+          </p:nvPr>
+        </p:nvSpPr>
+        <p:spPr bwMode="auto">
+          <a:xfrm>
+            <a:off x="3701" y="-6705"/>
+            <a:ext cx="595313" cy="352734"/>
+          </a:xfrm>
+          <a:custGeom>
+            <a:avLst/>
+            <a:gdLst>
+              <a:gd name="T0" fmla="*/ 125 w 125"/>
+              <a:gd name="T1" fmla="*/ 0 h 74"/>
+              <a:gd name="T2" fmla="*/ 0 w 125"/>
+              <a:gd name="T3" fmla="*/ 74 h 74"/>
+            </a:gdLst>
+            <a:ahLst/>
+            <a:cxnLst>
+              <a:cxn ang="0">
+                <a:pos x="T0" y="T1"/>
+              </a:cxn>
+              <a:cxn ang="0">
+                <a:pos x="T2" y="T3"/>
+              </a:cxn>
+            </a:cxnLst>
+            <a:rect l="0" t="0" r="r" b="b"/>
+            <a:pathLst>
+              <a:path w="125" h="74">
+                <a:moveTo>
+                  <a:pt x="125" y="0"/>
+                </a:moveTo>
+                <a:cubicBezTo>
+                  <a:pt x="85" y="22"/>
+                  <a:pt x="43" y="47"/>
+                  <a:pt x="0" y="74"/>
+                </a:cubicBezTo>
+              </a:path>
+            </a:pathLst>
+          </a:custGeom>
+          <a:noFill/>
+          <a:ln w="9525" cap="flat">
+            <a:solidFill>
+              <a:schemeClr val="tx1">
+                <a:alpha val="20000"/>
+              </a:schemeClr>
+            </a:solidFill>
+            <a:prstDash val="dash"/>
+            <a:miter lim="800000"/>
+            <a:headEnd/>
+            <a:tailEnd/>
+          </a:ln>
+          <a:extLst>
+            <a:ext uri="{909E8E84-426E-40DD-AFC4-6F175D3DCCD1}">
+              <a14:hiddenFill xmlns:a14="http://schemas.microsoft.com/office/drawing/2010/main">
+                <a:solidFill>
+                  <a:srgbClr val="FFFFFF"/>
+                </a:solidFill>
+              </a14:hiddenFill>
+            </a:ext>
+          </a:extLst>
+        </p:spPr>
+        <p:txBody>
+          <a:bodyPr vert="horz" wrap="square" lIns="91440" tIns="45720" rIns="91440" bIns="45720" numCol="1" anchor="t" anchorCtr="0" compatLnSpc="1">
+            <a:prstTxWarp prst="textNoShape">
+              <a:avLst/>
+            </a:prstTxWarp>
+          </a:bodyPr>
+          <a:lstStyle/>
+          <a:p>
+            <a:endParaRPr lang="en-US"/>
+          </a:p>
+        </p:txBody>
+      </p:sp>
+      <p:sp>
+        <p:nvSpPr>
+          <p:cNvPr id="56" name="Freeform 16">
+            <a:extLst>
+              <a:ext uri="{FF2B5EF4-FFF2-40B4-BE49-F238E27FC236}">
+                <a16:creationId xmlns:a16="http://schemas.microsoft.com/office/drawing/2014/main" id="{3981F5C4-9AE1-404E-AF44-A4E6DB374F9D}"/>
+              </a:ext>
+              <a:ext uri="{C183D7F6-B498-43B3-948B-1728B52AA6E4}">
+                <adec:decorative xmlns:adec="http://schemas.microsoft.com/office/drawing/2017/decorative" val="1"/>
+              </a:ext>
+            </a:extLst>
+          </p:cNvPr>
+          <p:cNvSpPr>
+            <a:spLocks noGrp="1" noRot="1" noChangeAspect="1" noMove="1" noResize="1" noEditPoints="1" noAdjustHandles="1" noChangeArrowheads="1" noChangeShapeType="1" noTextEdit="1"/>
+          </p:cNvSpPr>
+          <p:nvPr>
+            <p:extLst>
+              <p:ext uri="{386F3935-93C4-4BCD-93E2-E3B085C9AB24}">
+                <p16:designElem xmlns:p16="http://schemas.microsoft.com/office/powerpoint/2015/main" val="1"/>
+              </p:ext>
+            </p:extLst>
+          </p:nvPr>
+        </p:nvSpPr>
+        <p:spPr bwMode="auto">
+          <a:xfrm>
+            <a:off x="-1061" y="-1916"/>
+            <a:ext cx="357188" cy="213875"/>
+          </a:xfrm>
+          <a:custGeom>
+            <a:avLst/>
+            <a:gdLst>
+              <a:gd name="T0" fmla="*/ 75 w 75"/>
+              <a:gd name="T1" fmla="*/ 0 h 45"/>
+              <a:gd name="T2" fmla="*/ 0 w 75"/>
+              <a:gd name="T3" fmla="*/ 45 h 45"/>
+            </a:gdLst>
+            <a:ahLst/>
+            <a:cxnLst>
+              <a:cxn ang="0">
+                <a:pos x="T0" y="T1"/>
+              </a:cxn>
+              <a:cxn ang="0">
+                <a:pos x="T2" y="T3"/>
+              </a:cxn>
+            </a:cxnLst>
+            <a:rect l="0" t="0" r="r" b="b"/>
+            <a:pathLst>
+              <a:path w="75" h="45">
+                <a:moveTo>
+                  <a:pt x="75" y="0"/>
+                </a:moveTo>
+                <a:cubicBezTo>
+                  <a:pt x="50" y="14"/>
+                  <a:pt x="25" y="29"/>
+                  <a:pt x="0" y="45"/>
+                </a:cubicBezTo>
+              </a:path>
+            </a:pathLst>
+          </a:custGeom>
+          <a:noFill/>
+          <a:ln w="12700" cap="flat">
+            <a:solidFill>
+              <a:schemeClr val="tx1">
+                <a:alpha val="20000"/>
+              </a:schemeClr>
+            </a:solidFill>
+            <a:prstDash val="dashDot"/>
+            <a:miter lim="800000"/>
+            <a:headEnd/>
+            <a:tailEnd/>
+          </a:ln>
+          <a:extLst>
+            <a:ext uri="{909E8E84-426E-40DD-AFC4-6F175D3DCCD1}">
+              <a14:hiddenFill xmlns:a14="http://schemas.microsoft.com/office/drawing/2010/main">
+                <a:solidFill>
+                  <a:srgbClr val="FFFFFF"/>
+                </a:solidFill>
+              </a14:hiddenFill>
+            </a:ext>
+          </a:extLst>
+        </p:spPr>
+        <p:txBody>
+          <a:bodyPr vert="horz" wrap="square" lIns="91440" tIns="45720" rIns="91440" bIns="45720" numCol="1" anchor="t" anchorCtr="0" compatLnSpc="1">
+            <a:prstTxWarp prst="textNoShape">
+              <a:avLst/>
+            </a:prstTxWarp>
+          </a:bodyPr>
+          <a:lstStyle/>
+          <a:p>
+            <a:endParaRPr lang="en-US"/>
+          </a:p>
+        </p:txBody>
+      </p:sp>
+      <p:sp>
+        <p:nvSpPr>
+          <p:cNvPr id="58" name="Freeform 11">
+            <a:extLst>
+              <a:ext uri="{FF2B5EF4-FFF2-40B4-BE49-F238E27FC236}">
+                <a16:creationId xmlns:a16="http://schemas.microsoft.com/office/drawing/2014/main" id="{763C1781-8726-4FAC-8C45-FF40376BE409}"/>
+              </a:ext>
+              <a:ext uri="{C183D7F6-B498-43B3-948B-1728B52AA6E4}">
+                <adec:decorative xmlns:adec="http://schemas.microsoft.com/office/drawing/2017/decorative" val="1"/>
+              </a:ext>
+            </a:extLst>
+          </p:cNvPr>
+          <p:cNvSpPr>
+            <a:spLocks noGrp="1" noRot="1" noChangeAspect="1" noMove="1" noResize="1" noEditPoints="1" noAdjustHandles="1" noChangeArrowheads="1" noChangeShapeType="1" noTextEdit="1"/>
+          </p:cNvSpPr>
+          <p:nvPr>
+            <p:extLst>
+              <p:ext uri="{386F3935-93C4-4BCD-93E2-E3B085C9AB24}">
+                <p16:designElem xmlns:p16="http://schemas.microsoft.com/office/powerpoint/2015/main" val="1"/>
+              </p:ext>
+            </p:extLst>
+          </p:nvPr>
+        </p:nvSpPr>
+        <p:spPr bwMode="auto">
+          <a:xfrm>
+            <a:off x="5426601" y="-1916"/>
+            <a:ext cx="5788025" cy="6847184"/>
+          </a:xfrm>
+          <a:custGeom>
+            <a:avLst/>
+            <a:gdLst>
+              <a:gd name="T0" fmla="*/ 1094 w 1216"/>
+              <a:gd name="T1" fmla="*/ 1436 h 1436"/>
+              <a:gd name="T2" fmla="*/ 709 w 1216"/>
+              <a:gd name="T3" fmla="*/ 551 h 1436"/>
+              <a:gd name="T4" fmla="*/ 0 w 1216"/>
+              <a:gd name="T5" fmla="*/ 0 h 1436"/>
+            </a:gdLst>
+            <a:ahLst/>
+            <a:cxnLst>
+              <a:cxn ang="0">
+                <a:pos x="T0" y="T1"/>
+              </a:cxn>
+              <a:cxn ang="0">
+                <a:pos x="T2" y="T3"/>
+              </a:cxn>
+              <a:cxn ang="0">
+                <a:pos x="T4" y="T5"/>
+              </a:cxn>
+            </a:cxnLst>
+            <a:rect l="0" t="0" r="r" b="b"/>
+            <a:pathLst>
+              <a:path w="1216" h="1436">
+                <a:moveTo>
+                  <a:pt x="1094" y="1436"/>
+                </a:moveTo>
+                <a:cubicBezTo>
+                  <a:pt x="1216" y="1114"/>
+                  <a:pt x="904" y="770"/>
+                  <a:pt x="709" y="551"/>
+                </a:cubicBezTo>
+                <a:cubicBezTo>
+                  <a:pt x="509" y="327"/>
+                  <a:pt x="274" y="127"/>
+                  <a:pt x="0" y="0"/>
+                </a:cubicBezTo>
+              </a:path>
+            </a:pathLst>
+          </a:custGeom>
+          <a:noFill/>
+          <a:ln w="9525" cap="flat">
+            <a:solidFill>
+              <a:schemeClr val="tx1">
+                <a:alpha val="20000"/>
+              </a:schemeClr>
+            </a:solidFill>
+            <a:prstDash val="solid"/>
+            <a:miter lim="800000"/>
+            <a:headEnd/>
+            <a:tailEnd/>
+          </a:ln>
+          <a:extLst>
+            <a:ext uri="{909E8E84-426E-40DD-AFC4-6F175D3DCCD1}">
+              <a14:hiddenFill xmlns:a14="http://schemas.microsoft.com/office/drawing/2010/main">
+                <a:solidFill>
+                  <a:srgbClr val="FFFFFF"/>
+                </a:solidFill>
+              </a14:hiddenFill>
+            </a:ext>
+          </a:extLst>
+        </p:spPr>
+        <p:txBody>
+          <a:bodyPr vert="horz" wrap="square" lIns="91440" tIns="45720" rIns="91440" bIns="45720" numCol="1" anchor="t" anchorCtr="0" compatLnSpc="1">
+            <a:prstTxWarp prst="textNoShape">
+              <a:avLst/>
+            </a:prstTxWarp>
+          </a:bodyPr>
+          <a:lstStyle/>
+          <a:p>
+            <a:endParaRPr lang="en-US"/>
+          </a:p>
+        </p:txBody>
+      </p:sp>
+      <p:sp>
+        <p:nvSpPr>
+          <p:cNvPr id="60" name="Freeform 21">
+            <a:extLst>
+              <a:ext uri="{FF2B5EF4-FFF2-40B4-BE49-F238E27FC236}">
+                <a16:creationId xmlns:a16="http://schemas.microsoft.com/office/drawing/2014/main" id="{301491B5-56C7-43DC-A3D9-861EECCA056A}"/>
+              </a:ext>
+              <a:ext uri="{C183D7F6-B498-43B3-948B-1728B52AA6E4}">
+                <adec:decorative xmlns:adec="http://schemas.microsoft.com/office/drawing/2017/decorative" val="1"/>
+              </a:ext>
+            </a:extLst>
+          </p:cNvPr>
+          <p:cNvSpPr>
+            <a:spLocks noGrp="1" noRot="1" noChangeAspect="1" noMove="1" noResize="1" noEditPoints="1" noAdjustHandles="1" noChangeArrowheads="1" noChangeShapeType="1" noTextEdit="1"/>
+          </p:cNvSpPr>
+          <p:nvPr>
+            <p:extLst>
+              <p:ext uri="{386F3935-93C4-4BCD-93E2-E3B085C9AB24}">
+                <p16:designElem xmlns:p16="http://schemas.microsoft.com/office/powerpoint/2015/main" val="1"/>
+              </p:ext>
+            </p:extLst>
+          </p:nvPr>
+        </p:nvSpPr>
+        <p:spPr bwMode="auto">
+          <a:xfrm>
+            <a:off x="9235014" y="2872"/>
+            <a:ext cx="2951163" cy="2555325"/>
+          </a:xfrm>
+          <a:custGeom>
+            <a:avLst/>
+            <a:gdLst>
+              <a:gd name="T0" fmla="*/ 620 w 620"/>
+              <a:gd name="T1" fmla="*/ 536 h 536"/>
+              <a:gd name="T2" fmla="*/ 0 w 620"/>
+              <a:gd name="T3" fmla="*/ 0 h 536"/>
+            </a:gdLst>
+            <a:ahLst/>
+            <a:cxnLst>
+              <a:cxn ang="0">
+                <a:pos x="T0" y="T1"/>
+              </a:cxn>
+              <a:cxn ang="0">
+                <a:pos x="T2" y="T3"/>
+              </a:cxn>
+            </a:cxnLst>
+            <a:rect l="0" t="0" r="r" b="b"/>
+            <a:pathLst>
+              <a:path w="620" h="536">
+                <a:moveTo>
+                  <a:pt x="620" y="536"/>
+                </a:moveTo>
+                <a:cubicBezTo>
+                  <a:pt x="404" y="314"/>
+                  <a:pt x="196" y="138"/>
+                  <a:pt x="0" y="0"/>
+                </a:cubicBezTo>
+              </a:path>
+            </a:pathLst>
+          </a:custGeom>
+          <a:noFill/>
+          <a:ln w="9525" cap="flat">
+            <a:solidFill>
+              <a:schemeClr val="tx1">
+                <a:alpha val="20000"/>
+              </a:schemeClr>
+            </a:solidFill>
+            <a:prstDash val="solid"/>
+            <a:miter lim="800000"/>
+            <a:headEnd/>
+            <a:tailEnd/>
+          </a:ln>
+          <a:extLst>
+            <a:ext uri="{909E8E84-426E-40DD-AFC4-6F175D3DCCD1}">
+              <a14:hiddenFill xmlns:a14="http://schemas.microsoft.com/office/drawing/2010/main">
+                <a:solidFill>
+                  <a:srgbClr val="FFFFFF"/>
+                </a:solidFill>
+              </a14:hiddenFill>
+            </a:ext>
+          </a:extLst>
+        </p:spPr>
+        <p:txBody>
+          <a:bodyPr vert="horz" wrap="square" lIns="91440" tIns="45720" rIns="91440" bIns="45720" numCol="1" anchor="t" anchorCtr="0" compatLnSpc="1">
+            <a:prstTxWarp prst="textNoShape">
+              <a:avLst/>
+            </a:prstTxWarp>
+          </a:bodyPr>
+          <a:lstStyle/>
+          <a:p>
+            <a:endParaRPr lang="en-US"/>
+          </a:p>
+        </p:txBody>
+      </p:sp>
+      <p:sp>
+        <p:nvSpPr>
           <p:cNvPr id="2" name="Título 1">
             <a:extLst>
               <a:ext uri="{FF2B5EF4-FFF2-40B4-BE49-F238E27FC236}">
@@ -3377,19 +4550,25 @@
             <p:ph type="ctrTitle"/>
           </p:nvPr>
         </p:nvSpPr>
-        <p:spPr/>
+        <p:spPr>
+          <a:xfrm>
+            <a:off x="8842248" y="1481328"/>
+            <a:ext cx="2926080" cy="2468880"/>
+          </a:xfrm>
+        </p:spPr>
         <p:txBody>
           <a:bodyPr>
             <a:normAutofit/>
           </a:bodyPr>
           <a:lstStyle/>
           <a:p>
-            <a:r>
-              <a:rPr lang="pt-BR" sz="8000" dirty="0">
+            <a:pPr algn="l"/>
+            <a:r>
+              <a:rPr lang="pt-BR" sz="4000" b="1" dirty="0">
                 <a:latin typeface="Segoe UI" panose="020B0502040204020203" pitchFamily="34" charset="0"/>
                 <a:cs typeface="Segoe UI" panose="020B0502040204020203" pitchFamily="34" charset="0"/>
               </a:rPr>
-              <a:t>CASE – FLUKE</a:t>
+              <a:t>CASE</a:t>
             </a:r>
           </a:p>
         </p:txBody>
@@ -3410,21 +4589,481 @@
             <p:ph type="subTitle" idx="1"/>
           </p:nvPr>
         </p:nvSpPr>
-        <p:spPr/>
-        <p:txBody>
-          <a:bodyPr/>
-          <a:lstStyle/>
-          <a:p>
-            <a:r>
-              <a:rPr lang="pt-BR" dirty="0"/>
+        <p:spPr>
+          <a:xfrm>
+            <a:off x="8842248" y="4078224"/>
+            <a:ext cx="2926080" cy="1307592"/>
+          </a:xfrm>
+        </p:spPr>
+        <p:txBody>
+          <a:bodyPr>
+            <a:normAutofit/>
+          </a:bodyPr>
+          <a:lstStyle/>
+          <a:p>
+            <a:pPr algn="l"/>
+            <a:r>
+              <a:rPr lang="pt-BR" sz="2000"/>
               <a:t>Filipe Aguiar Rodrigues</a:t>
             </a:r>
           </a:p>
           <a:p>
-            <a:endParaRPr lang="pt-BR" dirty="0"/>
-          </a:p>
-        </p:txBody>
-      </p:sp>
+            <a:pPr algn="l"/>
+            <a:endParaRPr lang="pt-BR" sz="2000"/>
+          </a:p>
+        </p:txBody>
+      </p:sp>
+      <p:sp>
+        <p:nvSpPr>
+          <p:cNvPr id="62" name="Freeform 22">
+            <a:extLst>
+              <a:ext uri="{FF2B5EF4-FFF2-40B4-BE49-F238E27FC236}">
+                <a16:creationId xmlns:a16="http://schemas.microsoft.com/office/drawing/2014/main" id="{237E2353-22DF-46E0-A200-FB30F8F394E2}"/>
+              </a:ext>
+              <a:ext uri="{C183D7F6-B498-43B3-948B-1728B52AA6E4}">
+                <adec:decorative xmlns:adec="http://schemas.microsoft.com/office/drawing/2017/decorative" val="1"/>
+              </a:ext>
+            </a:extLst>
+          </p:cNvPr>
+          <p:cNvSpPr>
+            <a:spLocks noGrp="1" noRot="1" noChangeAspect="1" noMove="1" noResize="1" noEditPoints="1" noAdjustHandles="1" noChangeArrowheads="1" noChangeShapeType="1" noTextEdit="1"/>
+          </p:cNvSpPr>
+          <p:nvPr>
+            <p:extLst>
+              <p:ext uri="{386F3935-93C4-4BCD-93E2-E3B085C9AB24}">
+                <p16:designElem xmlns:p16="http://schemas.microsoft.com/office/powerpoint/2015/main" val="1"/>
+              </p:ext>
+            </p:extLst>
+          </p:nvPr>
+        </p:nvSpPr>
+        <p:spPr bwMode="auto">
+          <a:xfrm>
+            <a:off x="10020826" y="-1916"/>
+            <a:ext cx="2165350" cy="1358265"/>
+          </a:xfrm>
+          <a:custGeom>
+            <a:avLst/>
+            <a:gdLst>
+              <a:gd name="T0" fmla="*/ 0 w 455"/>
+              <a:gd name="T1" fmla="*/ 0 h 285"/>
+              <a:gd name="T2" fmla="*/ 455 w 455"/>
+              <a:gd name="T3" fmla="*/ 285 h 285"/>
+            </a:gdLst>
+            <a:ahLst/>
+            <a:cxnLst>
+              <a:cxn ang="0">
+                <a:pos x="T0" y="T1"/>
+              </a:cxn>
+              <a:cxn ang="0">
+                <a:pos x="T2" y="T3"/>
+              </a:cxn>
+            </a:cxnLst>
+            <a:rect l="0" t="0" r="r" b="b"/>
+            <a:pathLst>
+              <a:path w="455" h="285">
+                <a:moveTo>
+                  <a:pt x="0" y="0"/>
+                </a:moveTo>
+                <a:cubicBezTo>
+                  <a:pt x="153" y="85"/>
+                  <a:pt x="308" y="180"/>
+                  <a:pt x="455" y="285"/>
+                </a:cubicBezTo>
+              </a:path>
+            </a:pathLst>
+          </a:custGeom>
+          <a:noFill/>
+          <a:ln w="9525" cap="flat">
+            <a:solidFill>
+              <a:schemeClr val="tx1">
+                <a:alpha val="20000"/>
+              </a:schemeClr>
+            </a:solidFill>
+            <a:prstDash val="dash"/>
+            <a:miter lim="800000"/>
+            <a:headEnd/>
+            <a:tailEnd/>
+          </a:ln>
+          <a:extLst>
+            <a:ext uri="{909E8E84-426E-40DD-AFC4-6F175D3DCCD1}">
+              <a14:hiddenFill xmlns:a14="http://schemas.microsoft.com/office/drawing/2010/main">
+                <a:solidFill>
+                  <a:srgbClr val="FFFFFF"/>
+                </a:solidFill>
+              </a14:hiddenFill>
+            </a:ext>
+          </a:extLst>
+        </p:spPr>
+        <p:txBody>
+          <a:bodyPr vert="horz" wrap="square" lIns="91440" tIns="45720" rIns="91440" bIns="45720" numCol="1" anchor="t" anchorCtr="0" compatLnSpc="1">
+            <a:prstTxWarp prst="textNoShape">
+              <a:avLst/>
+            </a:prstTxWarp>
+          </a:bodyPr>
+          <a:lstStyle/>
+          <a:p>
+            <a:endParaRPr lang="en-US"/>
+          </a:p>
+        </p:txBody>
+      </p:sp>
+      <p:sp>
+        <p:nvSpPr>
+          <p:cNvPr id="64" name="Freeform 23">
+            <a:extLst>
+              <a:ext uri="{FF2B5EF4-FFF2-40B4-BE49-F238E27FC236}">
+                <a16:creationId xmlns:a16="http://schemas.microsoft.com/office/drawing/2014/main" id="{DD6138DB-057B-45F7-A5F4-E7BFDA20D02C}"/>
+              </a:ext>
+              <a:ext uri="{C183D7F6-B498-43B3-948B-1728B52AA6E4}">
+                <adec:decorative xmlns:adec="http://schemas.microsoft.com/office/drawing/2017/decorative" val="1"/>
+              </a:ext>
+            </a:extLst>
+          </p:cNvPr>
+          <p:cNvSpPr>
+            <a:spLocks noGrp="1" noRot="1" noChangeAspect="1" noMove="1" noResize="1" noEditPoints="1" noAdjustHandles="1" noChangeArrowheads="1" noChangeShapeType="1" noTextEdit="1"/>
+          </p:cNvSpPr>
+          <p:nvPr>
+            <p:extLst>
+              <p:ext uri="{386F3935-93C4-4BCD-93E2-E3B085C9AB24}">
+                <p16:designElem xmlns:p16="http://schemas.microsoft.com/office/powerpoint/2015/main" val="1"/>
+              </p:ext>
+            </p:extLst>
+          </p:nvPr>
+        </p:nvSpPr>
+        <p:spPr bwMode="auto">
+          <a:xfrm>
+            <a:off x="11290826" y="-1916"/>
+            <a:ext cx="895350" cy="534687"/>
+          </a:xfrm>
+          <a:custGeom>
+            <a:avLst/>
+            <a:gdLst>
+              <a:gd name="T0" fmla="*/ 0 w 188"/>
+              <a:gd name="T1" fmla="*/ 0 h 112"/>
+              <a:gd name="T2" fmla="*/ 188 w 188"/>
+              <a:gd name="T3" fmla="*/ 112 h 112"/>
+            </a:gdLst>
+            <a:ahLst/>
+            <a:cxnLst>
+              <a:cxn ang="0">
+                <a:pos x="T0" y="T1"/>
+              </a:cxn>
+              <a:cxn ang="0">
+                <a:pos x="T2" y="T3"/>
+              </a:cxn>
+            </a:cxnLst>
+            <a:rect l="0" t="0" r="r" b="b"/>
+            <a:pathLst>
+              <a:path w="188" h="112">
+                <a:moveTo>
+                  <a:pt x="0" y="0"/>
+                </a:moveTo>
+                <a:cubicBezTo>
+                  <a:pt x="63" y="36"/>
+                  <a:pt x="126" y="73"/>
+                  <a:pt x="188" y="112"/>
+                </a:cubicBezTo>
+              </a:path>
+            </a:pathLst>
+          </a:custGeom>
+          <a:noFill/>
+          <a:ln w="9525" cap="flat">
+            <a:solidFill>
+              <a:schemeClr val="tx1">
+                <a:alpha val="20000"/>
+              </a:schemeClr>
+            </a:solidFill>
+            <a:prstDash val="solid"/>
+            <a:miter lim="800000"/>
+            <a:headEnd/>
+            <a:tailEnd/>
+          </a:ln>
+          <a:extLst>
+            <a:ext uri="{909E8E84-426E-40DD-AFC4-6F175D3DCCD1}">
+              <a14:hiddenFill xmlns:a14="http://schemas.microsoft.com/office/drawing/2010/main">
+                <a:solidFill>
+                  <a:srgbClr val="FFFFFF"/>
+                </a:solidFill>
+              </a14:hiddenFill>
+            </a:ext>
+          </a:extLst>
+        </p:spPr>
+        <p:txBody>
+          <a:bodyPr vert="horz" wrap="square" lIns="91440" tIns="45720" rIns="91440" bIns="45720" numCol="1" anchor="t" anchorCtr="0" compatLnSpc="1">
+            <a:prstTxWarp prst="textNoShape">
+              <a:avLst/>
+            </a:prstTxWarp>
+          </a:bodyPr>
+          <a:lstStyle/>
+          <a:p>
+            <a:endParaRPr lang="en-US"/>
+          </a:p>
+        </p:txBody>
+      </p:sp>
+      <p:sp>
+        <p:nvSpPr>
+          <p:cNvPr id="66" name="Freeform: Shape 65">
+            <a:extLst>
+              <a:ext uri="{FF2B5EF4-FFF2-40B4-BE49-F238E27FC236}">
+                <a16:creationId xmlns:a16="http://schemas.microsoft.com/office/drawing/2014/main" id="{79A54AB1-B64F-4843-BFAB-81CB74E66B65}"/>
+              </a:ext>
+              <a:ext uri="{C183D7F6-B498-43B3-948B-1728B52AA6E4}">
+                <adec:decorative xmlns:adec="http://schemas.microsoft.com/office/drawing/2017/decorative" val="1"/>
+              </a:ext>
+            </a:extLst>
+          </p:cNvPr>
+          <p:cNvSpPr>
+            <a:spLocks noGrp="1" noRot="1" noChangeAspect="1" noMove="1" noResize="1" noEditPoints="1" noAdjustHandles="1" noChangeArrowheads="1" noChangeShapeType="1" noTextEdit="1"/>
+          </p:cNvSpPr>
+          <p:nvPr>
+            <p:extLst>
+              <p:ext uri="{386F3935-93C4-4BCD-93E2-E3B085C9AB24}">
+                <p16:designElem xmlns:p16="http://schemas.microsoft.com/office/powerpoint/2015/main" val="1"/>
+              </p:ext>
+            </p:extLst>
+          </p:nvPr>
+        </p:nvSpPr>
+        <p:spPr>
+          <a:xfrm rot="20931529">
+            <a:off x="752078" y="2218040"/>
+            <a:ext cx="4418757" cy="4259609"/>
+          </a:xfrm>
+          <a:custGeom>
+            <a:avLst/>
+            <a:gdLst>
+              <a:gd name="connsiteX0" fmla="*/ 404107 w 4507111"/>
+              <a:gd name="connsiteY0" fmla="*/ 0 h 4344781"/>
+              <a:gd name="connsiteX1" fmla="*/ 371857 w 4507111"/>
+              <a:gd name="connsiteY1" fmla="*/ 117359 h 4344781"/>
+              <a:gd name="connsiteX2" fmla="*/ 307833 w 4507111"/>
+              <a:gd name="connsiteY2" fmla="*/ 632970 h 4344781"/>
+              <a:gd name="connsiteX3" fmla="*/ 3569418 w 4507111"/>
+              <a:gd name="connsiteY3" fmla="*/ 4141149 h 4344781"/>
+              <a:gd name="connsiteX4" fmla="*/ 4440861 w 4507111"/>
+              <a:gd name="connsiteY4" fmla="*/ 4332480 h 4344781"/>
+              <a:gd name="connsiteX5" fmla="*/ 4507111 w 4507111"/>
+              <a:gd name="connsiteY5" fmla="*/ 4341752 h 4344781"/>
+              <a:gd name="connsiteX6" fmla="*/ 4296045 w 4507111"/>
+              <a:gd name="connsiteY6" fmla="*/ 4344781 h 4344781"/>
+              <a:gd name="connsiteX7" fmla="*/ 3749565 w 4507111"/>
+              <a:gd name="connsiteY7" fmla="*/ 4321853 h 4344781"/>
+              <a:gd name="connsiteX8" fmla="*/ 36764 w 4507111"/>
+              <a:gd name="connsiteY8" fmla="*/ 1629794 h 4344781"/>
+              <a:gd name="connsiteX9" fmla="*/ 300069 w 4507111"/>
+              <a:gd name="connsiteY9" fmla="*/ 144750 h 4344781"/>
+            </a:gdLst>
+            <a:ahLst/>
+            <a:cxnLst>
+              <a:cxn ang="0">
+                <a:pos x="connsiteX0" y="connsiteY0"/>
+              </a:cxn>
+              <a:cxn ang="0">
+                <a:pos x="connsiteX1" y="connsiteY1"/>
+              </a:cxn>
+              <a:cxn ang="0">
+                <a:pos x="connsiteX2" y="connsiteY2"/>
+              </a:cxn>
+              <a:cxn ang="0">
+                <a:pos x="connsiteX3" y="connsiteY3"/>
+              </a:cxn>
+              <a:cxn ang="0">
+                <a:pos x="connsiteX4" y="connsiteY4"/>
+              </a:cxn>
+              <a:cxn ang="0">
+                <a:pos x="connsiteX5" y="connsiteY5"/>
+              </a:cxn>
+              <a:cxn ang="0">
+                <a:pos x="connsiteX6" y="connsiteY6"/>
+              </a:cxn>
+              <a:cxn ang="0">
+                <a:pos x="connsiteX7" y="connsiteY7"/>
+              </a:cxn>
+              <a:cxn ang="0">
+                <a:pos x="connsiteX8" y="connsiteY8"/>
+              </a:cxn>
+              <a:cxn ang="0">
+                <a:pos x="connsiteX9" y="connsiteY9"/>
+              </a:cxn>
+            </a:cxnLst>
+            <a:rect l="l" t="t" r="r" b="b"/>
+            <a:pathLst>
+              <a:path w="4507111" h="4344781">
+                <a:moveTo>
+                  <a:pt x="404107" y="0"/>
+                </a:moveTo>
+                <a:lnTo>
+                  <a:pt x="371857" y="117359"/>
+                </a:lnTo>
+                <a:cubicBezTo>
+                  <a:pt x="333827" y="278567"/>
+                  <a:pt x="311875" y="450459"/>
+                  <a:pt x="307833" y="632970"/>
+                </a:cubicBezTo>
+                <a:cubicBezTo>
+                  <a:pt x="264711" y="2579752"/>
+                  <a:pt x="2253987" y="3769243"/>
+                  <a:pt x="3569418" y="4141149"/>
+                </a:cubicBezTo>
+                <a:cubicBezTo>
+                  <a:pt x="3816061" y="4210881"/>
+                  <a:pt x="4114807" y="4279754"/>
+                  <a:pt x="4440861" y="4332480"/>
+                </a:cubicBezTo>
+                <a:lnTo>
+                  <a:pt x="4507111" y="4341752"/>
+                </a:lnTo>
+                <a:lnTo>
+                  <a:pt x="4296045" y="4344781"/>
+                </a:lnTo>
+                <a:cubicBezTo>
+                  <a:pt x="4097363" y="4343711"/>
+                  <a:pt x="3912623" y="4335104"/>
+                  <a:pt x="3749565" y="4321853"/>
+                </a:cubicBezTo>
+                <a:cubicBezTo>
+                  <a:pt x="2445102" y="4215850"/>
+                  <a:pt x="356405" y="3466499"/>
+                  <a:pt x="36764" y="1629794"/>
+                </a:cubicBezTo>
+                <a:cubicBezTo>
+                  <a:pt x="-63123" y="1055823"/>
+                  <a:pt x="45741" y="555869"/>
+                  <a:pt x="300069" y="144750"/>
+                </a:cubicBezTo>
+                <a:close/>
+              </a:path>
+            </a:pathLst>
+          </a:custGeom>
+          <a:solidFill>
+            <a:schemeClr val="tx1">
+              <a:alpha val="70000"/>
+            </a:schemeClr>
+          </a:solidFill>
+          <a:ln>
+            <a:noFill/>
+          </a:ln>
+        </p:spPr>
+        <p:style>
+          <a:lnRef idx="2">
+            <a:schemeClr val="accent1">
+              <a:shade val="50000"/>
+            </a:schemeClr>
+          </a:lnRef>
+          <a:fillRef idx="1">
+            <a:schemeClr val="accent1"/>
+          </a:fillRef>
+          <a:effectRef idx="0">
+            <a:schemeClr val="accent1"/>
+          </a:effectRef>
+          <a:fontRef idx="minor">
+            <a:schemeClr val="lt1"/>
+          </a:fontRef>
+        </p:style>
+        <p:txBody>
+          <a:bodyPr wrap="square" rtlCol="0" anchor="ctr">
+            <a:noAutofit/>
+          </a:bodyPr>
+          <a:lstStyle/>
+          <a:p>
+            <a:pPr marL="0" marR="0" lvl="0" indent="0" algn="ctr" defTabSz="457200" rtl="0" eaLnBrk="1" fontAlgn="auto" latinLnBrk="0" hangingPunct="1">
+              <a:lnSpc>
+                <a:spcPct val="100000"/>
+              </a:lnSpc>
+              <a:spcBef>
+                <a:spcPts val="0"/>
+              </a:spcBef>
+              <a:spcAft>
+                <a:spcPts val="0"/>
+              </a:spcAft>
+              <a:buClrTx/>
+              <a:buSzTx/>
+              <a:buFontTx/>
+              <a:buNone/>
+              <a:tabLst/>
+              <a:defRPr/>
+            </a:pPr>
+            <a:endParaRPr kumimoji="0" lang="en-US" sz="1800" b="0" i="0" u="none" strike="noStrike" kern="1200" cap="none" spc="0" normalizeH="0" baseline="0" noProof="0">
+              <a:ln>
+                <a:noFill/>
+              </a:ln>
+              <a:solidFill>
+                <a:prstClr val="white"/>
+              </a:solidFill>
+              <a:effectLst/>
+              <a:uLnTx/>
+              <a:uFillTx/>
+              <a:latin typeface="Rockwell" panose="02060603020205020403"/>
+              <a:ea typeface="+mn-ea"/>
+              <a:cs typeface="+mn-cs"/>
+            </a:endParaRPr>
+          </a:p>
+        </p:txBody>
+      </p:sp>
+      <p:pic>
+        <p:nvPicPr>
+          <p:cNvPr id="4" name="Picture 3">
+            <a:extLst>
+              <a:ext uri="{FF2B5EF4-FFF2-40B4-BE49-F238E27FC236}">
+                <a16:creationId xmlns:a16="http://schemas.microsoft.com/office/drawing/2014/main" id="{13516BBC-653C-4AC4-87AF-F1A17A36546B}"/>
+              </a:ext>
+            </a:extLst>
+          </p:cNvPr>
+          <p:cNvPicPr>
+            <a:picLocks noChangeAspect="1"/>
+          </p:cNvPicPr>
+          <p:nvPr/>
+        </p:nvPicPr>
+        <p:blipFill rotWithShape="1">
+          <a:blip r:embed="rId2"/>
+          <a:srcRect r="1" b="599"/>
+          <a:stretch/>
+        </p:blipFill>
+        <p:spPr>
+          <a:xfrm>
+            <a:off x="1906331" y="2542682"/>
+            <a:ext cx="3672503" cy="2528036"/>
+          </a:xfrm>
+          <a:custGeom>
+            <a:avLst/>
+            <a:gdLst/>
+            <a:ahLst/>
+            <a:cxnLst/>
+            <a:rect l="l" t="t" r="r" b="b"/>
+            <a:pathLst>
+              <a:path w="7761924" h="5343065">
+                <a:moveTo>
+                  <a:pt x="3025687" y="76"/>
+                </a:moveTo>
+                <a:cubicBezTo>
+                  <a:pt x="3140786" y="756"/>
+                  <a:pt x="3256631" y="6055"/>
+                  <a:pt x="3372722" y="16088"/>
+                </a:cubicBezTo>
+                <a:cubicBezTo>
+                  <a:pt x="5230178" y="176616"/>
+                  <a:pt x="7761924" y="1424594"/>
+                  <a:pt x="7761924" y="3316816"/>
+                </a:cubicBezTo>
+                <a:cubicBezTo>
+                  <a:pt x="7646022" y="5237647"/>
+                  <a:pt x="4988715" y="5423921"/>
+                  <a:pt x="3701109" y="5320611"/>
+                </a:cubicBezTo>
+                <a:cubicBezTo>
+                  <a:pt x="2413504" y="5217301"/>
+                  <a:pt x="351800" y="4486992"/>
+                  <a:pt x="36290" y="2696959"/>
+                </a:cubicBezTo>
+                <a:cubicBezTo>
+                  <a:pt x="-259500" y="1018804"/>
+                  <a:pt x="1299198" y="-10133"/>
+                  <a:pt x="3025687" y="76"/>
+                </a:cubicBezTo>
+                <a:close/>
+              </a:path>
+            </a:pathLst>
+          </a:custGeom>
+        </p:spPr>
+      </p:pic>
     </p:spTree>
     <p:extLst>
       <p:ext uri="{BB962C8B-B14F-4D97-AF65-F5344CB8AC3E}">
@@ -3463,10 +5102,96 @@
           <a:chExt cx="0" cy="0"/>
         </a:xfrm>
       </p:grpSpPr>
+      <p:sp>
+        <p:nvSpPr>
+          <p:cNvPr id="3" name="Espaço Reservado para Conteúdo 2">
+            <a:extLst>
+              <a:ext uri="{FF2B5EF4-FFF2-40B4-BE49-F238E27FC236}">
+                <a16:creationId xmlns:a16="http://schemas.microsoft.com/office/drawing/2014/main" id="{948EA26B-2F6C-4685-A104-E27CA6DAB03C}"/>
+              </a:ext>
+            </a:extLst>
+          </p:cNvPr>
+          <p:cNvSpPr>
+            <a:spLocks noGrp="1"/>
+          </p:cNvSpPr>
+          <p:nvPr>
+            <p:ph idx="1"/>
+          </p:nvPr>
+        </p:nvSpPr>
+        <p:spPr>
+          <a:xfrm>
+            <a:off x="732127" y="3103562"/>
+            <a:ext cx="4116965" cy="2262909"/>
+          </a:xfrm>
+        </p:spPr>
+        <p:txBody>
+          <a:bodyPr>
+            <a:normAutofit/>
+          </a:bodyPr>
+          <a:lstStyle/>
+          <a:p>
+            <a:r>
+              <a:rPr lang="pt-BR" sz="2000" u="sng" dirty="0"/>
+              <a:t>Maior </a:t>
+            </a:r>
+            <a:r>
+              <a:rPr lang="pt-BR" sz="2000" u="sng" dirty="0" err="1"/>
+              <a:t>churn</a:t>
+            </a:r>
+            <a:r>
+              <a:rPr lang="pt-BR" sz="2000" u="sng" dirty="0"/>
+              <a:t> vem de pessoas que possuem pacote customizado;</a:t>
+            </a:r>
+          </a:p>
+          <a:p>
+            <a:endParaRPr lang="pt-BR" sz="2000" u="sng" dirty="0"/>
+          </a:p>
+          <a:p>
+            <a:r>
+              <a:rPr lang="pt-BR" sz="2000" u="sng" dirty="0"/>
+              <a:t>Maior retenção acontece em Pacote Pronto de 10 gigas</a:t>
+            </a:r>
+            <a:endParaRPr lang="pt-BR" sz="2000" dirty="0"/>
+          </a:p>
+          <a:p>
+            <a:endParaRPr lang="pt-BR" sz="2000" dirty="0"/>
+          </a:p>
+        </p:txBody>
+      </p:sp>
+      <p:pic>
+        <p:nvPicPr>
+          <p:cNvPr id="4" name="Picture 3">
+            <a:extLst>
+              <a:ext uri="{FF2B5EF4-FFF2-40B4-BE49-F238E27FC236}">
+                <a16:creationId xmlns:a16="http://schemas.microsoft.com/office/drawing/2014/main" id="{57200855-46B7-4A23-8781-88F7C8D49555}"/>
+              </a:ext>
+            </a:extLst>
+          </p:cNvPr>
+          <p:cNvPicPr>
+            <a:picLocks noChangeAspect="1"/>
+          </p:cNvPicPr>
+          <p:nvPr/>
+        </p:nvPicPr>
+        <p:blipFill>
+          <a:blip r:embed="rId2"/>
+          <a:stretch>
+            <a:fillRect/>
+          </a:stretch>
+        </p:blipFill>
+        <p:spPr>
+          <a:xfrm>
+            <a:off x="4753318" y="475359"/>
+            <a:ext cx="7630590" cy="6382641"/>
+          </a:xfrm>
+          <a:prstGeom prst="rect">
+            <a:avLst/>
+          </a:prstGeom>
+        </p:spPr>
+      </p:pic>
     </p:spTree>
     <p:extLst>
       <p:ext uri="{BB962C8B-B14F-4D97-AF65-F5344CB8AC3E}">
-        <p14:creationId xmlns:p14="http://schemas.microsoft.com/office/powerpoint/2010/main" val="324028868"/>
+        <p14:creationId xmlns:p14="http://schemas.microsoft.com/office/powerpoint/2010/main" val="1028015250"/>
       </p:ext>
     </p:extLst>
   </p:cSld>
@@ -3523,7 +5248,7 @@
           <a:lstStyle/>
           <a:p>
             <a:r>
-              <a:rPr lang="pt-BR" dirty="0"/>
+              <a:rPr lang="pt-BR" b="1" dirty="0"/>
               <a:t>AGENDA</a:t>
             </a:r>
           </a:p>
@@ -3551,45 +5276,32 @@
           <a:lstStyle/>
           <a:p>
             <a:r>
-              <a:rPr lang="pt-BR" dirty="0"/>
+              <a:rPr lang="pt-BR"/>
               <a:t>Como vão embora ? Contexto</a:t>
             </a:r>
           </a:p>
           <a:p>
             <a:r>
-              <a:rPr lang="pt-BR" dirty="0"/>
-              <a:t>Cenário Atual de </a:t>
-            </a:r>
-            <a:r>
-              <a:rPr lang="pt-BR" dirty="0" err="1"/>
-              <a:t>Churn</a:t>
-            </a:r>
-            <a:r>
-              <a:rPr lang="pt-BR" dirty="0"/>
-              <a:t> da empresa; - Cálculo de </a:t>
-            </a:r>
-            <a:r>
-              <a:rPr lang="pt-BR" dirty="0" err="1"/>
-              <a:t>Churn</a:t>
-            </a:r>
-            <a:endParaRPr lang="pt-BR" dirty="0"/>
-          </a:p>
-          <a:p>
-            <a:r>
-              <a:rPr lang="pt-BR" dirty="0"/>
+              <a:rPr lang="pt-BR"/>
+              <a:t>Cenário Atual de Churn da empresa; - Cálculo de Churn</a:t>
+            </a:r>
+          </a:p>
+          <a:p>
+            <a:r>
+              <a:rPr lang="pt-BR"/>
               <a:t>Hipóteses levantadas – Teste </a:t>
             </a:r>
           </a:p>
           <a:p>
             <a:r>
-              <a:rPr lang="pt-BR" dirty="0"/>
+              <a:rPr lang="pt-BR"/>
               <a:t>Exploração do Perfil de Cancelamento;</a:t>
             </a:r>
           </a:p>
           <a:p>
             <a:pPr lvl="1"/>
             <a:r>
-              <a:rPr lang="pt-BR" b="0" i="0" dirty="0">
+              <a:rPr lang="pt-BR" b="0" i="0">
                 <a:effectLst/>
                 <a:latin typeface="-apple-system"/>
               </a:rPr>
@@ -3599,47 +5311,36 @@
           <a:p>
             <a:pPr lvl="1"/>
             <a:r>
-              <a:rPr lang="pt-BR" b="0" i="0" dirty="0">
+              <a:rPr lang="pt-BR" b="0" i="0">
                 <a:effectLst/>
                 <a:latin typeface="-apple-system"/>
               </a:rPr>
-              <a:t>comparar os grupos dos mais engajados com os que </a:t>
-            </a:r>
-            <a:r>
-              <a:rPr lang="pt-BR" b="0" i="0" dirty="0" err="1">
-                <a:effectLst/>
-                <a:latin typeface="-apple-system"/>
-              </a:rPr>
-              <a:t>churnam</a:t>
-            </a:r>
-            <a:endParaRPr lang="pt-BR" b="0" i="0" dirty="0">
-              <a:effectLst/>
-              <a:latin typeface="-apple-system"/>
-            </a:endParaRPr>
+              <a:t>comparar os grupos dos mais engajados com os que churnam</a:t>
+            </a:r>
           </a:p>
           <a:p>
             <a:pPr lvl="1"/>
             <a:r>
-              <a:rPr lang="pt-BR" b="0" i="0" dirty="0">
+              <a:rPr lang="pt-BR" b="0" i="0">
                 <a:effectLst/>
                 <a:latin typeface="-apple-system"/>
               </a:rPr>
               <a:t>qual alavanca faria mais sentido mexer para reter mais usuários</a:t>
             </a:r>
-            <a:endParaRPr lang="pt-BR" dirty="0">
+            <a:endParaRPr lang="pt-BR">
               <a:latin typeface="-apple-system"/>
             </a:endParaRPr>
           </a:p>
           <a:p>
             <a:pPr lvl="1"/>
-            <a:endParaRPr lang="pt-BR" b="0" i="0" dirty="0">
+            <a:endParaRPr lang="pt-BR" b="0" i="0">
               <a:effectLst/>
               <a:latin typeface="-apple-system"/>
             </a:endParaRPr>
           </a:p>
           <a:p>
             <a:pPr lvl="1"/>
-            <a:endParaRPr lang="pt-BR" dirty="0"/>
+            <a:endParaRPr lang="pt-BR"/>
           </a:p>
           <a:p>
             <a:pPr lvl="1"/>
@@ -4327,7 +6028,7 @@
           <p:cNvPr id="2" name="Título 1">
             <a:extLst>
               <a:ext uri="{FF2B5EF4-FFF2-40B4-BE49-F238E27FC236}">
-                <a16:creationId xmlns:a16="http://schemas.microsoft.com/office/drawing/2014/main" id="{F2BB7A00-C69B-4E51-80DA-4C3AA48697D1}"/>
+                <a16:creationId xmlns:a16="http://schemas.microsoft.com/office/drawing/2014/main" id="{12B97BA6-A829-46D9-9091-3924CDDC342E}"/>
               </a:ext>
             </a:extLst>
           </p:cNvPr>
@@ -4344,32 +6045,279 @@
           <a:lstStyle/>
           <a:p>
             <a:r>
-              <a:rPr lang="pt-BR" dirty="0">
-                <a:latin typeface="Segoe UI" panose="020B0502040204020203" pitchFamily="34" charset="0"/>
-                <a:cs typeface="Segoe UI" panose="020B0502040204020203" pitchFamily="34" charset="0"/>
+              <a:rPr lang="pt-BR" dirty="0"/>
+              <a:t>Hipóteses apresentadas na última reunião:</a:t>
+            </a:r>
+          </a:p>
+        </p:txBody>
+      </p:sp>
+      <p:sp>
+        <p:nvSpPr>
+          <p:cNvPr id="3" name="Espaço Reservado para Conteúdo 2">
+            <a:extLst>
+              <a:ext uri="{FF2B5EF4-FFF2-40B4-BE49-F238E27FC236}">
+                <a16:creationId xmlns:a16="http://schemas.microsoft.com/office/drawing/2014/main" id="{0B1DB91A-6F8A-48F0-ACFC-72718D2A0C47}"/>
+              </a:ext>
+            </a:extLst>
+          </p:cNvPr>
+          <p:cNvSpPr>
+            <a:spLocks noGrp="1"/>
+          </p:cNvSpPr>
+          <p:nvPr>
+            <p:ph idx="1"/>
+          </p:nvPr>
+        </p:nvSpPr>
+        <p:spPr>
+          <a:xfrm>
+            <a:off x="1616366" y="1690688"/>
+            <a:ext cx="8361218" cy="4542125"/>
+          </a:xfrm>
+        </p:spPr>
+        <p:txBody>
+          <a:bodyPr>
+            <a:normAutofit fontScale="92500" lnSpcReduction="10000"/>
+          </a:bodyPr>
+          <a:lstStyle/>
+          <a:p>
+            <a:pPr marL="0" indent="0" algn="l">
+              <a:buNone/>
+            </a:pPr>
+            <a:endParaRPr lang="pt-BR" sz="2000" b="0" i="0" dirty="0">
+              <a:solidFill>
+                <a:srgbClr val="222222"/>
+              </a:solidFill>
+              <a:effectLst/>
+              <a:latin typeface="Arial" panose="020B0604020202020204" pitchFamily="34" charset="0"/>
+            </a:endParaRPr>
+          </a:p>
+          <a:p>
+            <a:pPr marL="0" indent="0" algn="l">
+              <a:buNone/>
+            </a:pPr>
+            <a:endParaRPr lang="pt-BR" sz="2000" dirty="0">
+              <a:solidFill>
+                <a:srgbClr val="222222"/>
+              </a:solidFill>
+              <a:latin typeface="Arial" panose="020B0604020202020204" pitchFamily="34" charset="0"/>
+            </a:endParaRPr>
+          </a:p>
+          <a:p>
+            <a:pPr marL="0" indent="0" algn="l">
+              <a:buNone/>
+            </a:pPr>
+            <a:r>
+              <a:rPr lang="pt-BR" sz="2000" b="1" i="0" dirty="0">
+                <a:solidFill>
+                  <a:srgbClr val="222222"/>
+                </a:solidFill>
+                <a:effectLst/>
+                <a:latin typeface="Arial" panose="020B0604020202020204" pitchFamily="34" charset="0"/>
               </a:rPr>
-              <a:t>Cálculo de </a:t>
-            </a:r>
-            <a:r>
-              <a:rPr lang="pt-BR" dirty="0" err="1">
-                <a:latin typeface="Segoe UI" panose="020B0502040204020203" pitchFamily="34" charset="0"/>
-                <a:cs typeface="Segoe UI" panose="020B0502040204020203" pitchFamily="34" charset="0"/>
+              <a:t>"</a:t>
+            </a:r>
+            <a:r>
+              <a:rPr lang="pt-BR" sz="2000" b="1" i="1" dirty="0">
+                <a:solidFill>
+                  <a:srgbClr val="222222"/>
+                </a:solidFill>
+                <a:effectLst/>
+                <a:latin typeface="Arial" panose="020B0604020202020204" pitchFamily="34" charset="0"/>
               </a:rPr>
-              <a:t>Churn</a:t>
-            </a:r>
-            <a:endParaRPr lang="pt-BR" dirty="0">
-              <a:latin typeface="Segoe UI" panose="020B0502040204020203" pitchFamily="34" charset="0"/>
-              <a:cs typeface="Segoe UI" panose="020B0502040204020203" pitchFamily="34" charset="0"/>
+              <a:t>Hoje ainda temos muitas pessoas que escutam falar da </a:t>
+            </a:r>
+            <a:r>
+              <a:rPr lang="pt-BR" sz="2000" b="1" i="1" dirty="0" err="1">
+                <a:solidFill>
+                  <a:srgbClr val="222222"/>
+                </a:solidFill>
+                <a:effectLst/>
+                <a:latin typeface="Arial" panose="020B0604020202020204" pitchFamily="34" charset="0"/>
+              </a:rPr>
+              <a:t>fluke</a:t>
+            </a:r>
+            <a:r>
+              <a:rPr lang="pt-BR" sz="2000" b="1" i="1" dirty="0">
+                <a:solidFill>
+                  <a:srgbClr val="222222"/>
+                </a:solidFill>
+                <a:effectLst/>
+                <a:latin typeface="Arial" panose="020B0604020202020204" pitchFamily="34" charset="0"/>
+              </a:rPr>
+              <a:t> e contratam só pra ver o que é, sem entender o produto ou se faz sentido“</a:t>
+            </a:r>
+          </a:p>
+          <a:p>
+            <a:pPr algn="l">
+              <a:buFont typeface="Arial" panose="020B0604020202020204" pitchFamily="34" charset="0"/>
+              <a:buChar char="•"/>
+            </a:pPr>
+            <a:endParaRPr lang="pt-BR" sz="2000" b="1" i="1" dirty="0">
+              <a:solidFill>
+                <a:srgbClr val="222222"/>
+              </a:solidFill>
+              <a:effectLst/>
+              <a:latin typeface="Arial" panose="020B0604020202020204" pitchFamily="34" charset="0"/>
             </a:endParaRPr>
+          </a:p>
+          <a:p>
+            <a:pPr algn="l">
+              <a:buFont typeface="Arial" panose="020B0604020202020204" pitchFamily="34" charset="0"/>
+              <a:buChar char="•"/>
+            </a:pPr>
+            <a:endParaRPr lang="pt-BR" sz="2000" b="1" i="1" dirty="0">
+              <a:solidFill>
+                <a:srgbClr val="222222"/>
+              </a:solidFill>
+              <a:effectLst/>
+              <a:latin typeface="Arial" panose="020B0604020202020204" pitchFamily="34" charset="0"/>
+            </a:endParaRPr>
+          </a:p>
+          <a:p>
+            <a:pPr marL="0" indent="0" algn="l">
+              <a:buNone/>
+            </a:pPr>
+            <a:r>
+              <a:rPr lang="pt-BR" sz="2000" b="1" i="1" dirty="0">
+                <a:solidFill>
+                  <a:srgbClr val="222222"/>
+                </a:solidFill>
+                <a:effectLst/>
+                <a:latin typeface="Arial" panose="020B0604020202020204" pitchFamily="34" charset="0"/>
+              </a:rPr>
+              <a:t>"Provavelmente essas pessoas que param de usar a </a:t>
+            </a:r>
+            <a:r>
+              <a:rPr lang="pt-BR" sz="2000" b="1" i="1" dirty="0" err="1">
+                <a:solidFill>
+                  <a:srgbClr val="222222"/>
+                </a:solidFill>
+                <a:effectLst/>
+                <a:latin typeface="Arial" panose="020B0604020202020204" pitchFamily="34" charset="0"/>
+              </a:rPr>
+              <a:t>Fluke</a:t>
+            </a:r>
+            <a:r>
+              <a:rPr lang="pt-BR" sz="2000" b="1" i="1" dirty="0">
+                <a:solidFill>
+                  <a:srgbClr val="222222"/>
+                </a:solidFill>
+                <a:effectLst/>
+                <a:latin typeface="Arial" panose="020B0604020202020204" pitchFamily="34" charset="0"/>
+              </a:rPr>
+              <a:t> não usam o número da </a:t>
+            </a:r>
+            <a:r>
+              <a:rPr lang="pt-BR" sz="2000" b="1" i="1" dirty="0" err="1">
+                <a:solidFill>
+                  <a:srgbClr val="222222"/>
+                </a:solidFill>
+                <a:effectLst/>
+                <a:latin typeface="Arial" panose="020B0604020202020204" pitchFamily="34" charset="0"/>
+              </a:rPr>
+              <a:t>Fluke</a:t>
+            </a:r>
+            <a:r>
+              <a:rPr lang="pt-BR" sz="2000" b="1" i="1" dirty="0">
+                <a:solidFill>
+                  <a:srgbClr val="222222"/>
+                </a:solidFill>
+                <a:effectLst/>
+                <a:latin typeface="Arial" panose="020B0604020202020204" pitchFamily="34" charset="0"/>
+              </a:rPr>
+              <a:t> como linha principal“</a:t>
+            </a:r>
+          </a:p>
+          <a:p>
+            <a:pPr marL="0" indent="0" algn="l">
+              <a:buNone/>
+            </a:pPr>
+            <a:endParaRPr lang="pt-BR" sz="2000" b="1" i="1" dirty="0">
+              <a:solidFill>
+                <a:srgbClr val="222222"/>
+              </a:solidFill>
+              <a:effectLst/>
+              <a:latin typeface="Arial" panose="020B0604020202020204" pitchFamily="34" charset="0"/>
+            </a:endParaRPr>
+          </a:p>
+          <a:p>
+            <a:pPr algn="l">
+              <a:buFont typeface="Arial" panose="020B0604020202020204" pitchFamily="34" charset="0"/>
+              <a:buChar char="•"/>
+            </a:pPr>
+            <a:endParaRPr lang="pt-BR" sz="2000" b="1" i="1" dirty="0">
+              <a:solidFill>
+                <a:srgbClr val="222222"/>
+              </a:solidFill>
+              <a:effectLst/>
+              <a:latin typeface="Arial" panose="020B0604020202020204" pitchFamily="34" charset="0"/>
+            </a:endParaRPr>
+          </a:p>
+          <a:p>
+            <a:pPr marL="0" indent="0" algn="l">
+              <a:buNone/>
+            </a:pPr>
+            <a:r>
+              <a:rPr lang="pt-BR" sz="2000" b="1" i="1" dirty="0">
+                <a:solidFill>
+                  <a:srgbClr val="222222"/>
+                </a:solidFill>
+                <a:effectLst/>
+                <a:latin typeface="Arial" panose="020B0604020202020204" pitchFamily="34" charset="0"/>
+              </a:rPr>
+              <a:t>"Nossas campanhas de aquisição não tem grandes diferenças entre regiões, imagino que não tenha algum estado no qual as pessoas deixem </a:t>
+            </a:r>
+            <a:r>
+              <a:rPr lang="pt-BR" sz="2000" b="1" i="1" dirty="0" err="1">
+                <a:solidFill>
+                  <a:srgbClr val="222222"/>
+                </a:solidFill>
+                <a:effectLst/>
+                <a:latin typeface="Arial" panose="020B0604020202020204" pitchFamily="34" charset="0"/>
+              </a:rPr>
+              <a:t>deixem</a:t>
+            </a:r>
+            <a:r>
+              <a:rPr lang="pt-BR" sz="2000" b="1" i="1" dirty="0">
+                <a:solidFill>
+                  <a:srgbClr val="222222"/>
+                </a:solidFill>
+                <a:effectLst/>
+                <a:latin typeface="Arial" panose="020B0604020202020204" pitchFamily="34" charset="0"/>
+              </a:rPr>
+              <a:t> mais de usar a </a:t>
+            </a:r>
+            <a:r>
+              <a:rPr lang="pt-BR" sz="2000" b="1" i="1" dirty="0" err="1">
+                <a:solidFill>
+                  <a:srgbClr val="222222"/>
+                </a:solidFill>
+                <a:effectLst/>
+                <a:latin typeface="Arial" panose="020B0604020202020204" pitchFamily="34" charset="0"/>
+              </a:rPr>
+              <a:t>Fluke</a:t>
+            </a:r>
+            <a:r>
+              <a:rPr lang="pt-BR" sz="2000" b="1" i="1" dirty="0">
+                <a:solidFill>
+                  <a:srgbClr val="222222"/>
+                </a:solidFill>
+                <a:effectLst/>
+                <a:latin typeface="Arial" panose="020B0604020202020204" pitchFamily="34" charset="0"/>
+              </a:rPr>
+              <a:t> do que em outro"</a:t>
+            </a:r>
+          </a:p>
+          <a:p>
+            <a:endParaRPr lang="pt-BR" dirty="0"/>
           </a:p>
         </p:txBody>
       </p:sp>
       <p:pic>
         <p:nvPicPr>
-          <p:cNvPr id="9" name="Picture 8">
-            <a:extLst>
-              <a:ext uri="{FF2B5EF4-FFF2-40B4-BE49-F238E27FC236}">
-                <a16:creationId xmlns:a16="http://schemas.microsoft.com/office/drawing/2014/main" id="{49B0A6C2-A3EA-4448-8E48-92AAC7DB9479}"/>
+          <p:cNvPr id="5" name="Graphic 4" descr="Open quotation mark">
+            <a:extLst>
+              <a:ext uri="{FF2B5EF4-FFF2-40B4-BE49-F238E27FC236}">
+                <a16:creationId xmlns:a16="http://schemas.microsoft.com/office/drawing/2014/main" id="{8E3E7EC0-34EA-47E4-AAB9-4C5AE2B75520}"/>
               </a:ext>
             </a:extLst>
           </p:cNvPr>
@@ -4379,15 +6327,24 @@
           <p:nvPr/>
         </p:nvPicPr>
         <p:blipFill>
-          <a:blip r:embed="rId2"/>
+          <a:blip r:embed="rId2">
+            <a:extLst>
+              <a:ext uri="{28A0092B-C50C-407E-A947-70E740481C1C}">
+                <a14:useLocalDpi xmlns:a14="http://schemas.microsoft.com/office/drawing/2010/main" val="0"/>
+              </a:ext>
+              <a:ext uri="{96DAC541-7B7A-43D3-8B79-37D633B846F1}">
+                <asvg:svgBlip xmlns:asvg="http://schemas.microsoft.com/office/drawing/2016/SVG/main" r:embed="rId3"/>
+              </a:ext>
+            </a:extLst>
+          </a:blip>
           <a:stretch>
             <a:fillRect/>
           </a:stretch>
         </p:blipFill>
         <p:spPr>
           <a:xfrm>
-            <a:off x="661425" y="3883165"/>
-            <a:ext cx="4418576" cy="2126062"/>
+            <a:off x="912166" y="1792288"/>
+            <a:ext cx="914400" cy="914400"/>
           </a:xfrm>
           <a:prstGeom prst="rect">
             <a:avLst/>
@@ -4396,10 +6353,10 @@
       </p:pic>
       <p:pic>
         <p:nvPicPr>
-          <p:cNvPr id="11" name="Picture 10">
-            <a:extLst>
-              <a:ext uri="{FF2B5EF4-FFF2-40B4-BE49-F238E27FC236}">
-                <a16:creationId xmlns:a16="http://schemas.microsoft.com/office/drawing/2014/main" id="{182B864D-2514-4969-BE2D-BF5C653DA60B}"/>
+          <p:cNvPr id="7" name="Graphic 6" descr="Closed quotation mark">
+            <a:extLst>
+              <a:ext uri="{FF2B5EF4-FFF2-40B4-BE49-F238E27FC236}">
+                <a16:creationId xmlns:a16="http://schemas.microsoft.com/office/drawing/2014/main" id="{9BDA2276-A622-48A5-BD76-CC1E489652DB}"/>
               </a:ext>
             </a:extLst>
           </p:cNvPr>
@@ -4409,15 +6366,24 @@
           <p:nvPr/>
         </p:nvPicPr>
         <p:blipFill>
-          <a:blip r:embed="rId3"/>
+          <a:blip r:embed="rId4">
+            <a:extLst>
+              <a:ext uri="{28A0092B-C50C-407E-A947-70E740481C1C}">
+                <a14:useLocalDpi xmlns:a14="http://schemas.microsoft.com/office/drawing/2010/main" val="0"/>
+              </a:ext>
+              <a:ext uri="{96DAC541-7B7A-43D3-8B79-37D633B846F1}">
+                <asvg:svgBlip xmlns:asvg="http://schemas.microsoft.com/office/drawing/2016/SVG/main" r:embed="rId5"/>
+              </a:ext>
+            </a:extLst>
+          </a:blip>
           <a:stretch>
             <a:fillRect/>
           </a:stretch>
         </p:blipFill>
         <p:spPr>
-          <a:xfrm rot="5400000">
-            <a:off x="7546552" y="1027935"/>
-            <a:ext cx="2502749" cy="5111747"/>
+          <a:xfrm>
+            <a:off x="9587344" y="5261558"/>
+            <a:ext cx="914400" cy="914400"/>
           </a:xfrm>
           <a:prstGeom prst="rect">
             <a:avLst/>
@@ -4427,7 +6393,7 @@
     </p:spTree>
     <p:extLst>
       <p:ext uri="{BB962C8B-B14F-4D97-AF65-F5344CB8AC3E}">
-        <p14:creationId xmlns:p14="http://schemas.microsoft.com/office/powerpoint/2010/main" val="2834269415"/>
+        <p14:creationId xmlns:p14="http://schemas.microsoft.com/office/powerpoint/2010/main" val="932867141"/>
       </p:ext>
     </p:extLst>
   </p:cSld>
@@ -4464,289 +6430,189 @@
       </p:grpSpPr>
       <p:sp>
         <p:nvSpPr>
-          <p:cNvPr id="2" name="Título 1">
-            <a:extLst>
-              <a:ext uri="{FF2B5EF4-FFF2-40B4-BE49-F238E27FC236}">
-                <a16:creationId xmlns:a16="http://schemas.microsoft.com/office/drawing/2014/main" id="{12B97BA6-A829-46D9-9091-3924CDDC342E}"/>
-              </a:ext>
-            </a:extLst>
-          </p:cNvPr>
-          <p:cNvSpPr>
-            <a:spLocks noGrp="1"/>
-          </p:cNvSpPr>
-          <p:nvPr>
-            <p:ph type="title"/>
-          </p:nvPr>
-        </p:nvSpPr>
-        <p:spPr/>
-        <p:txBody>
-          <a:bodyPr/>
-          <a:lstStyle/>
-          <a:p>
-            <a:r>
-              <a:rPr lang="pt-BR" dirty="0"/>
-              <a:t>Hipóteses apresentadas na última reunião:</a:t>
-            </a:r>
-          </a:p>
-        </p:txBody>
-      </p:sp>
-      <p:sp>
-        <p:nvSpPr>
-          <p:cNvPr id="3" name="Espaço Reservado para Conteúdo 2">
-            <a:extLst>
-              <a:ext uri="{FF2B5EF4-FFF2-40B4-BE49-F238E27FC236}">
-                <a16:creationId xmlns:a16="http://schemas.microsoft.com/office/drawing/2014/main" id="{0B1DB91A-6F8A-48F0-ACFC-72718D2A0C47}"/>
-              </a:ext>
-            </a:extLst>
-          </p:cNvPr>
-          <p:cNvSpPr>
-            <a:spLocks noGrp="1"/>
-          </p:cNvSpPr>
-          <p:nvPr>
-            <p:ph idx="1"/>
-          </p:nvPr>
+          <p:cNvPr id="9" name="CaixaDeTexto 8">
+            <a:extLst>
+              <a:ext uri="{FF2B5EF4-FFF2-40B4-BE49-F238E27FC236}">
+                <a16:creationId xmlns:a16="http://schemas.microsoft.com/office/drawing/2014/main" id="{1CAFC7CD-4F3D-4AA3-884F-6AB578B4C2E3}"/>
+              </a:ext>
+            </a:extLst>
+          </p:cNvPr>
+          <p:cNvSpPr txBox="1"/>
+          <p:nvPr/>
         </p:nvSpPr>
         <p:spPr>
           <a:xfrm>
-            <a:off x="1616366" y="1690688"/>
-            <a:ext cx="8361218" cy="4542125"/>
+            <a:off x="7627610" y="3505319"/>
+            <a:ext cx="6094520" cy="369332"/>
+          </a:xfrm>
+          <a:prstGeom prst="rect">
+            <a:avLst/>
+          </a:prstGeom>
+          <a:noFill/>
+        </p:spPr>
+        <p:txBody>
+          <a:bodyPr wrap="square">
+            <a:spAutoFit/>
+          </a:bodyPr>
+          <a:lstStyle/>
+          <a:p>
+            <a:r>
+              <a:rPr lang="pt-BR" dirty="0">
+                <a:solidFill>
+                  <a:srgbClr val="FF0000"/>
+                </a:solidFill>
+              </a:rPr>
+              <a:t>Vale </a:t>
+            </a:r>
+            <a:r>
+              <a:rPr lang="pt-BR" dirty="0" err="1">
+                <a:solidFill>
+                  <a:srgbClr val="FF0000"/>
+                </a:solidFill>
+              </a:rPr>
+              <a:t>Boxplot</a:t>
+            </a:r>
+            <a:r>
+              <a:rPr lang="pt-BR" dirty="0">
+                <a:solidFill>
+                  <a:srgbClr val="FF0000"/>
+                </a:solidFill>
+              </a:rPr>
+              <a:t> para mostrar percentil ?</a:t>
+            </a:r>
+          </a:p>
+        </p:txBody>
+      </p:sp>
+      <p:sp>
+        <p:nvSpPr>
+          <p:cNvPr id="10" name="CaixaDeTexto 9">
+            <a:extLst>
+              <a:ext uri="{FF2B5EF4-FFF2-40B4-BE49-F238E27FC236}">
+                <a16:creationId xmlns:a16="http://schemas.microsoft.com/office/drawing/2014/main" id="{095C39CD-5A32-4FDE-83E5-D930D57F1B6B}"/>
+              </a:ext>
+            </a:extLst>
+          </p:cNvPr>
+          <p:cNvSpPr txBox="1"/>
+          <p:nvPr/>
+        </p:nvSpPr>
+        <p:spPr>
+          <a:xfrm>
+            <a:off x="6282515" y="2778915"/>
+            <a:ext cx="5334464" cy="1200329"/>
+          </a:xfrm>
+          <a:prstGeom prst="rect">
+            <a:avLst/>
+          </a:prstGeom>
+          <a:noFill/>
+        </p:spPr>
+        <p:txBody>
+          <a:bodyPr wrap="square">
+            <a:spAutoFit/>
+          </a:bodyPr>
+          <a:lstStyle/>
+          <a:p>
+            <a:r>
+              <a:rPr lang="pt-BR" dirty="0">
+                <a:solidFill>
+                  <a:srgbClr val="FF0000"/>
+                </a:solidFill>
+              </a:rPr>
+              <a:t>Faz sentido 20,62 % estão no primeiro mês </a:t>
+            </a:r>
+          </a:p>
+          <a:p>
+            <a:endParaRPr lang="pt-BR" dirty="0">
+              <a:solidFill>
+                <a:srgbClr val="FF0000"/>
+              </a:solidFill>
+            </a:endParaRPr>
+          </a:p>
+          <a:p>
+            <a:r>
+              <a:rPr lang="pt-BR" dirty="0">
+                <a:solidFill>
+                  <a:srgbClr val="FF0000"/>
+                </a:solidFill>
+              </a:rPr>
+              <a:t>70% dos que cancelaram tinham menos de 4 meses </a:t>
+            </a:r>
+          </a:p>
+          <a:p>
+            <a:r>
+              <a:rPr lang="pt-BR" dirty="0">
+                <a:solidFill>
+                  <a:srgbClr val="FF0000"/>
+                </a:solidFill>
+              </a:rPr>
+              <a:t>de uso</a:t>
+            </a:r>
+          </a:p>
+        </p:txBody>
+      </p:sp>
+      <p:sp>
+        <p:nvSpPr>
+          <p:cNvPr id="7" name="Título 1">
+            <a:extLst>
+              <a:ext uri="{FF2B5EF4-FFF2-40B4-BE49-F238E27FC236}">
+                <a16:creationId xmlns:a16="http://schemas.microsoft.com/office/drawing/2014/main" id="{3D7B62E4-D44C-4913-B33E-1D12E5C8CF19}"/>
+              </a:ext>
+            </a:extLst>
+          </p:cNvPr>
+          <p:cNvSpPr>
+            <a:spLocks noGrp="1"/>
+          </p:cNvSpPr>
+          <p:nvPr>
+            <p:ph type="title"/>
+          </p:nvPr>
+        </p:nvSpPr>
+        <p:spPr>
+          <a:xfrm>
+            <a:off x="838200" y="365125"/>
+            <a:ext cx="10515600" cy="1325563"/>
           </a:xfrm>
         </p:spPr>
         <p:txBody>
           <a:bodyPr>
-            <a:normAutofit fontScale="92500" lnSpcReduction="10000"/>
+            <a:noAutofit/>
           </a:bodyPr>
           <a:lstStyle/>
           <a:p>
-            <a:pPr marL="0" indent="0" algn="l">
-              <a:buNone/>
-            </a:pPr>
-            <a:endParaRPr lang="pt-BR" sz="2000" b="0" i="0" dirty="0">
-              <a:solidFill>
-                <a:srgbClr val="222222"/>
-              </a:solidFill>
-              <a:effectLst/>
-              <a:latin typeface="Arial" panose="020B0604020202020204" pitchFamily="34" charset="0"/>
-            </a:endParaRPr>
-          </a:p>
-          <a:p>
-            <a:pPr marL="0" indent="0" algn="l">
-              <a:buNone/>
-            </a:pPr>
-            <a:endParaRPr lang="pt-BR" sz="2000" dirty="0">
-              <a:solidFill>
-                <a:srgbClr val="222222"/>
-              </a:solidFill>
-              <a:latin typeface="Arial" panose="020B0604020202020204" pitchFamily="34" charset="0"/>
-            </a:endParaRPr>
-          </a:p>
-          <a:p>
-            <a:pPr marL="0" indent="0" algn="l">
-              <a:buNone/>
-            </a:pPr>
-            <a:r>
-              <a:rPr lang="pt-BR" sz="2000" b="1" i="0" dirty="0">
+            <a:r>
+              <a:rPr lang="pt-BR" sz="2400" b="1" dirty="0">
                 <a:solidFill>
                   <a:srgbClr val="222222"/>
                 </a:solidFill>
-                <a:effectLst/>
                 <a:latin typeface="Arial" panose="020B0604020202020204" pitchFamily="34" charset="0"/>
               </a:rPr>
               <a:t>"Hoje ainda temos muitas pessoas que escutam falar da </a:t>
             </a:r>
             <a:r>
-              <a:rPr lang="pt-BR" sz="2000" b="1" i="0" dirty="0" err="1">
+              <a:rPr lang="pt-BR" sz="2400" b="1" dirty="0" err="1">
                 <a:solidFill>
                   <a:srgbClr val="222222"/>
                 </a:solidFill>
-                <a:effectLst/>
                 <a:latin typeface="Arial" panose="020B0604020202020204" pitchFamily="34" charset="0"/>
               </a:rPr>
               <a:t>fluke</a:t>
             </a:r>
             <a:r>
-              <a:rPr lang="pt-BR" sz="2000" b="1" i="0" dirty="0">
+              <a:rPr lang="pt-BR" sz="2400" b="1" dirty="0">
                 <a:solidFill>
                   <a:srgbClr val="222222"/>
                 </a:solidFill>
-                <a:effectLst/>
                 <a:latin typeface="Arial" panose="020B0604020202020204" pitchFamily="34" charset="0"/>
               </a:rPr>
               <a:t> e contratam só pra ver o que é, sem entender o produto ou se faz sentido“</a:t>
             </a:r>
           </a:p>
-          <a:p>
-            <a:pPr algn="l">
-              <a:buFont typeface="Arial" panose="020B0604020202020204" pitchFamily="34" charset="0"/>
-              <a:buChar char="•"/>
-            </a:pPr>
-            <a:endParaRPr lang="pt-BR" sz="2000" b="1" i="0" dirty="0">
-              <a:solidFill>
-                <a:srgbClr val="222222"/>
-              </a:solidFill>
-              <a:effectLst/>
-              <a:latin typeface="Arial" panose="020B0604020202020204" pitchFamily="34" charset="0"/>
-            </a:endParaRPr>
-          </a:p>
-          <a:p>
-            <a:pPr algn="l">
-              <a:buFont typeface="Arial" panose="020B0604020202020204" pitchFamily="34" charset="0"/>
-              <a:buChar char="•"/>
-            </a:pPr>
-            <a:endParaRPr lang="pt-BR" sz="2000" b="1" i="0" dirty="0">
-              <a:solidFill>
-                <a:srgbClr val="222222"/>
-              </a:solidFill>
-              <a:effectLst/>
-              <a:latin typeface="Arial" panose="020B0604020202020204" pitchFamily="34" charset="0"/>
-            </a:endParaRPr>
-          </a:p>
-          <a:p>
-            <a:pPr marL="0" indent="0" algn="l">
-              <a:buNone/>
-            </a:pPr>
-            <a:r>
-              <a:rPr lang="pt-BR" sz="2000" b="1" i="0" dirty="0">
-                <a:solidFill>
-                  <a:srgbClr val="222222"/>
-                </a:solidFill>
-                <a:effectLst/>
-                <a:latin typeface="Arial" panose="020B0604020202020204" pitchFamily="34" charset="0"/>
-              </a:rPr>
-              <a:t>"Provavelmente essas pessoas que param de usar a </a:t>
-            </a:r>
-            <a:r>
-              <a:rPr lang="pt-BR" sz="2000" b="1" i="0" dirty="0" err="1">
-                <a:solidFill>
-                  <a:srgbClr val="222222"/>
-                </a:solidFill>
-                <a:effectLst/>
-                <a:latin typeface="Arial" panose="020B0604020202020204" pitchFamily="34" charset="0"/>
-              </a:rPr>
-              <a:t>Fluke</a:t>
-            </a:r>
-            <a:r>
-              <a:rPr lang="pt-BR" sz="2000" b="1" i="0" dirty="0">
-                <a:solidFill>
-                  <a:srgbClr val="222222"/>
-                </a:solidFill>
-                <a:effectLst/>
-                <a:latin typeface="Arial" panose="020B0604020202020204" pitchFamily="34" charset="0"/>
-              </a:rPr>
-              <a:t> não usam o número da </a:t>
-            </a:r>
-            <a:r>
-              <a:rPr lang="pt-BR" sz="2000" b="1" i="0" dirty="0" err="1">
-                <a:solidFill>
-                  <a:srgbClr val="222222"/>
-                </a:solidFill>
-                <a:effectLst/>
-                <a:latin typeface="Arial" panose="020B0604020202020204" pitchFamily="34" charset="0"/>
-              </a:rPr>
-              <a:t>Fluke</a:t>
-            </a:r>
-            <a:r>
-              <a:rPr lang="pt-BR" sz="2000" b="1" i="0" dirty="0">
-                <a:solidFill>
-                  <a:srgbClr val="222222"/>
-                </a:solidFill>
-                <a:effectLst/>
-                <a:latin typeface="Arial" panose="020B0604020202020204" pitchFamily="34" charset="0"/>
-              </a:rPr>
-              <a:t> como linha principal“</a:t>
-            </a:r>
-          </a:p>
-          <a:p>
-            <a:pPr marL="0" indent="0" algn="l">
-              <a:buNone/>
-            </a:pPr>
-            <a:endParaRPr lang="pt-BR" sz="2000" b="1" i="0" dirty="0">
-              <a:solidFill>
-                <a:srgbClr val="222222"/>
-              </a:solidFill>
-              <a:effectLst/>
-              <a:latin typeface="Arial" panose="020B0604020202020204" pitchFamily="34" charset="0"/>
-            </a:endParaRPr>
-          </a:p>
-          <a:p>
-            <a:pPr algn="l">
-              <a:buFont typeface="Arial" panose="020B0604020202020204" pitchFamily="34" charset="0"/>
-              <a:buChar char="•"/>
-            </a:pPr>
-            <a:endParaRPr lang="pt-BR" sz="2000" b="1" i="0" dirty="0">
-              <a:solidFill>
-                <a:srgbClr val="222222"/>
-              </a:solidFill>
-              <a:effectLst/>
-              <a:latin typeface="Arial" panose="020B0604020202020204" pitchFamily="34" charset="0"/>
-            </a:endParaRPr>
-          </a:p>
-          <a:p>
-            <a:pPr marL="0" indent="0" algn="l">
-              <a:buNone/>
-            </a:pPr>
-            <a:r>
-              <a:rPr lang="pt-BR" sz="2000" b="1" i="0" dirty="0">
-                <a:solidFill>
-                  <a:srgbClr val="222222"/>
-                </a:solidFill>
-                <a:effectLst/>
-                <a:latin typeface="Arial" panose="020B0604020202020204" pitchFamily="34" charset="0"/>
-              </a:rPr>
-              <a:t>"Nossas campanhas de aquisição não tem grandes diferenças entre regiões, imagino que não tenha algum estado no qual as pessoas deixem </a:t>
-            </a:r>
-            <a:r>
-              <a:rPr lang="pt-BR" sz="2000" b="1" i="0" dirty="0" err="1">
-                <a:solidFill>
-                  <a:srgbClr val="222222"/>
-                </a:solidFill>
-                <a:effectLst/>
-                <a:latin typeface="Arial" panose="020B0604020202020204" pitchFamily="34" charset="0"/>
-              </a:rPr>
-              <a:t>deixem</a:t>
-            </a:r>
-            <a:r>
-              <a:rPr lang="pt-BR" sz="2000" b="1" i="0" dirty="0">
-                <a:solidFill>
-                  <a:srgbClr val="222222"/>
-                </a:solidFill>
-                <a:effectLst/>
-                <a:latin typeface="Arial" panose="020B0604020202020204" pitchFamily="34" charset="0"/>
-              </a:rPr>
-              <a:t> mais de usar a </a:t>
-            </a:r>
-            <a:r>
-              <a:rPr lang="pt-BR" sz="2000" b="1" i="0" dirty="0" err="1">
-                <a:solidFill>
-                  <a:srgbClr val="222222"/>
-                </a:solidFill>
-                <a:effectLst/>
-                <a:latin typeface="Arial" panose="020B0604020202020204" pitchFamily="34" charset="0"/>
-              </a:rPr>
-              <a:t>Fluke</a:t>
-            </a:r>
-            <a:r>
-              <a:rPr lang="pt-BR" sz="2000" b="1" i="0" dirty="0">
-                <a:solidFill>
-                  <a:srgbClr val="222222"/>
-                </a:solidFill>
-                <a:effectLst/>
-                <a:latin typeface="Arial" panose="020B0604020202020204" pitchFamily="34" charset="0"/>
-              </a:rPr>
-              <a:t> do que em outro"</a:t>
-            </a:r>
-          </a:p>
-          <a:p>
-            <a:endParaRPr lang="pt-BR" dirty="0"/>
-          </a:p>
         </p:txBody>
       </p:sp>
       <p:pic>
         <p:nvPicPr>
-          <p:cNvPr id="5" name="Graphic 4" descr="Open quotation mark">
-            <a:extLst>
-              <a:ext uri="{FF2B5EF4-FFF2-40B4-BE49-F238E27FC236}">
-                <a16:creationId xmlns:a16="http://schemas.microsoft.com/office/drawing/2014/main" id="{8E3E7EC0-34EA-47E4-AAB9-4C5AE2B75520}"/>
+          <p:cNvPr id="12" name="Picture 11">
+            <a:extLst>
+              <a:ext uri="{FF2B5EF4-FFF2-40B4-BE49-F238E27FC236}">
+                <a16:creationId xmlns:a16="http://schemas.microsoft.com/office/drawing/2014/main" id="{74687B04-3FF2-46F4-904A-065A6059EB11}"/>
               </a:ext>
             </a:extLst>
           </p:cNvPr>
@@ -4756,73 +6622,87 @@
           <p:nvPr/>
         </p:nvPicPr>
         <p:blipFill>
-          <a:blip r:embed="rId2">
-            <a:extLst>
-              <a:ext uri="{28A0092B-C50C-407E-A947-70E740481C1C}">
-                <a14:useLocalDpi xmlns:a14="http://schemas.microsoft.com/office/drawing/2010/main" val="0"/>
-              </a:ext>
-              <a:ext uri="{96DAC541-7B7A-43D3-8B79-37D633B846F1}">
-                <asvg:svgBlip xmlns:asvg="http://schemas.microsoft.com/office/drawing/2016/SVG/main" r:embed="rId3"/>
-              </a:ext>
-            </a:extLst>
-          </a:blip>
+          <a:blip r:embed="rId2"/>
           <a:stretch>
             <a:fillRect/>
           </a:stretch>
         </p:blipFill>
         <p:spPr>
           <a:xfrm>
-            <a:off x="912166" y="1792288"/>
-            <a:ext cx="914400" cy="914400"/>
+            <a:off x="820942" y="2778915"/>
+            <a:ext cx="10550115" cy="3798042"/>
           </a:xfrm>
           <a:prstGeom prst="rect">
             <a:avLst/>
           </a:prstGeom>
         </p:spPr>
       </p:pic>
-      <p:pic>
-        <p:nvPicPr>
-          <p:cNvPr id="7" name="Graphic 6" descr="Closed quotation mark">
-            <a:extLst>
-              <a:ext uri="{FF2B5EF4-FFF2-40B4-BE49-F238E27FC236}">
-                <a16:creationId xmlns:a16="http://schemas.microsoft.com/office/drawing/2014/main" id="{9BDA2276-A622-48A5-BD76-CC1E489652DB}"/>
-              </a:ext>
-            </a:extLst>
-          </p:cNvPr>
-          <p:cNvPicPr>
-            <a:picLocks noChangeAspect="1"/>
-          </p:cNvPicPr>
+      <p:sp>
+        <p:nvSpPr>
+          <p:cNvPr id="8" name="CaixaDeTexto 7">
+            <a:extLst>
+              <a:ext uri="{FF2B5EF4-FFF2-40B4-BE49-F238E27FC236}">
+                <a16:creationId xmlns:a16="http://schemas.microsoft.com/office/drawing/2014/main" id="{5839D187-A377-4911-90E7-9FCB71ABFF4D}"/>
+              </a:ext>
+            </a:extLst>
+          </p:cNvPr>
+          <p:cNvSpPr txBox="1"/>
           <p:nvPr/>
-        </p:nvPicPr>
-        <p:blipFill>
-          <a:blip r:embed="rId4">
-            <a:extLst>
-              <a:ext uri="{28A0092B-C50C-407E-A947-70E740481C1C}">
-                <a14:useLocalDpi xmlns:a14="http://schemas.microsoft.com/office/drawing/2010/main" val="0"/>
-              </a:ext>
-              <a:ext uri="{96DAC541-7B7A-43D3-8B79-37D633B846F1}">
-                <asvg:svgBlip xmlns:asvg="http://schemas.microsoft.com/office/drawing/2016/SVG/main" r:embed="rId5"/>
-              </a:ext>
-            </a:extLst>
-          </a:blip>
-          <a:stretch>
-            <a:fillRect/>
-          </a:stretch>
-        </p:blipFill>
+        </p:nvSpPr>
         <p:spPr>
           <a:xfrm>
-            <a:off x="9587344" y="5261558"/>
-            <a:ext cx="914400" cy="914400"/>
+            <a:off x="9510887" y="1690688"/>
+            <a:ext cx="2178545" cy="1477328"/>
           </a:xfrm>
           <a:prstGeom prst="rect">
             <a:avLst/>
           </a:prstGeom>
+          <a:noFill/>
         </p:spPr>
-      </p:pic>
+        <p:txBody>
+          <a:bodyPr wrap="none" rtlCol="0">
+            <a:spAutoFit/>
+          </a:bodyPr>
+          <a:lstStyle/>
+          <a:p>
+            <a:r>
+              <a:rPr lang="pt-BR" dirty="0">
+                <a:solidFill>
+                  <a:srgbClr val="FF0000"/>
+                </a:solidFill>
+              </a:rPr>
+              <a:t>4 meses de duração !</a:t>
+            </a:r>
+          </a:p>
+          <a:p>
+            <a:endParaRPr lang="pt-BR" dirty="0">
+              <a:solidFill>
+                <a:srgbClr val="FF0000"/>
+              </a:solidFill>
+            </a:endParaRPr>
+          </a:p>
+          <a:p>
+            <a:r>
+              <a:rPr lang="pt-BR" dirty="0">
+                <a:solidFill>
+                  <a:srgbClr val="FF0000"/>
+                </a:solidFill>
+              </a:rPr>
+              <a:t>1 Mês de Duração !</a:t>
+            </a:r>
+          </a:p>
+          <a:p>
+            <a:endParaRPr lang="pt-BR" dirty="0"/>
+          </a:p>
+          <a:p>
+            <a:endParaRPr lang="pt-BR" dirty="0"/>
+          </a:p>
+        </p:txBody>
+      </p:sp>
     </p:spTree>
     <p:extLst>
       <p:ext uri="{BB962C8B-B14F-4D97-AF65-F5344CB8AC3E}">
-        <p14:creationId xmlns:p14="http://schemas.microsoft.com/office/powerpoint/2010/main" val="932867141"/>
+        <p14:creationId xmlns:p14="http://schemas.microsoft.com/office/powerpoint/2010/main" val="3308547817"/>
       </p:ext>
     </p:extLst>
   </p:cSld>
@@ -4859,152 +6739,123 @@
       </p:grpSpPr>
       <p:sp>
         <p:nvSpPr>
-          <p:cNvPr id="9" name="CaixaDeTexto 8">
-            <a:extLst>
-              <a:ext uri="{FF2B5EF4-FFF2-40B4-BE49-F238E27FC236}">
-                <a16:creationId xmlns:a16="http://schemas.microsoft.com/office/drawing/2014/main" id="{1CAFC7CD-4F3D-4AA3-884F-6AB578B4C2E3}"/>
-              </a:ext>
-            </a:extLst>
-          </p:cNvPr>
-          <p:cNvSpPr txBox="1"/>
-          <p:nvPr/>
+          <p:cNvPr id="3" name="Espaço Reservado para Conteúdo 2">
+            <a:extLst>
+              <a:ext uri="{FF2B5EF4-FFF2-40B4-BE49-F238E27FC236}">
+                <a16:creationId xmlns:a16="http://schemas.microsoft.com/office/drawing/2014/main" id="{AB665445-08C9-4B47-B702-D208D3B91AA8}"/>
+              </a:ext>
+            </a:extLst>
+          </p:cNvPr>
+          <p:cNvSpPr>
+            <a:spLocks noGrp="1"/>
+          </p:cNvSpPr>
+          <p:nvPr>
+            <p:ph idx="1"/>
+          </p:nvPr>
         </p:nvSpPr>
         <p:spPr>
           <a:xfrm>
-            <a:off x="7627610" y="3505319"/>
-            <a:ext cx="6094520" cy="369332"/>
+            <a:off x="879907" y="3546764"/>
+            <a:ext cx="6842617" cy="1985818"/>
           </a:xfrm>
-          <a:prstGeom prst="rect">
-            <a:avLst/>
-          </a:prstGeom>
-          <a:noFill/>
         </p:spPr>
         <p:txBody>
-          <a:bodyPr wrap="square">
-            <a:spAutoFit/>
+          <a:bodyPr>
+            <a:normAutofit/>
           </a:bodyPr>
           <a:lstStyle/>
           <a:p>
-            <a:r>
-              <a:rPr lang="pt-BR" dirty="0">
-                <a:solidFill>
-                  <a:srgbClr val="FF0000"/>
-                </a:solidFill>
-              </a:rPr>
-              <a:t>Vale </a:t>
-            </a:r>
-            <a:r>
-              <a:rPr lang="pt-BR" dirty="0" err="1">
-                <a:solidFill>
-                  <a:srgbClr val="FF0000"/>
-                </a:solidFill>
-              </a:rPr>
-              <a:t>Boxplot</a:t>
-            </a:r>
-            <a:r>
-              <a:rPr lang="pt-BR" dirty="0">
-                <a:solidFill>
-                  <a:srgbClr val="FF0000"/>
-                </a:solidFill>
-              </a:rPr>
-              <a:t> para mostrar percentil ?</a:t>
-            </a:r>
-          </a:p>
-        </p:txBody>
-      </p:sp>
-      <p:sp>
-        <p:nvSpPr>
-          <p:cNvPr id="10" name="CaixaDeTexto 9">
-            <a:extLst>
-              <a:ext uri="{FF2B5EF4-FFF2-40B4-BE49-F238E27FC236}">
-                <a16:creationId xmlns:a16="http://schemas.microsoft.com/office/drawing/2014/main" id="{095C39CD-5A32-4FDE-83E5-D930D57F1B6B}"/>
-              </a:ext>
-            </a:extLst>
-          </p:cNvPr>
-          <p:cNvSpPr txBox="1"/>
+            <a:pPr marL="0" indent="0">
+              <a:buNone/>
+            </a:pPr>
+            <a:endParaRPr lang="pt-BR" sz="2000" u="sng" dirty="0"/>
+          </a:p>
+          <a:p>
+            <a:pPr marL="0" indent="0">
+              <a:buNone/>
+            </a:pPr>
+            <a:endParaRPr lang="pt-BR" sz="2000" dirty="0"/>
+          </a:p>
+          <a:p>
+            <a:r>
+              <a:rPr lang="pt-BR" sz="2000" b="1" dirty="0"/>
+              <a:t>Quase 80 % dos clientes </a:t>
+            </a:r>
+            <a:r>
+              <a:rPr lang="pt-BR" sz="2000" dirty="0"/>
+              <a:t>que cancelaram não usavam </a:t>
+            </a:r>
+            <a:r>
+              <a:rPr lang="pt-BR" sz="2000" dirty="0" err="1"/>
+              <a:t>Fluke</a:t>
+            </a:r>
+            <a:r>
+              <a:rPr lang="pt-BR" sz="2000" dirty="0"/>
+              <a:t> como </a:t>
+            </a:r>
+            <a:r>
+              <a:rPr lang="pt-BR" sz="2000" b="1" dirty="0"/>
+              <a:t>linha principal</a:t>
+            </a:r>
+            <a:r>
+              <a:rPr lang="pt-BR" sz="2000" dirty="0"/>
+              <a:t>;</a:t>
+            </a:r>
+          </a:p>
+          <a:p>
+            <a:endParaRPr lang="pt-BR" sz="2000" dirty="0"/>
+          </a:p>
+          <a:p>
+            <a:endParaRPr lang="pt-BR" sz="2000" dirty="0"/>
+          </a:p>
+        </p:txBody>
+      </p:sp>
+      <p:sp>
+        <p:nvSpPr>
+          <p:cNvPr id="7" name="Título 1">
+            <a:extLst>
+              <a:ext uri="{FF2B5EF4-FFF2-40B4-BE49-F238E27FC236}">
+                <a16:creationId xmlns:a16="http://schemas.microsoft.com/office/drawing/2014/main" id="{AF7BC0E8-5ACB-4A2F-B3C1-32AFC84EDF99}"/>
+              </a:ext>
+            </a:extLst>
+          </p:cNvPr>
+          <p:cNvSpPr txBox="1">
+            <a:spLocks/>
+          </p:cNvSpPr>
           <p:nvPr/>
-        </p:nvSpPr>
-        <p:spPr>
-          <a:xfrm>
-            <a:off x="6282515" y="2778915"/>
-            <a:ext cx="5334464" cy="1200329"/>
-          </a:xfrm>
-          <a:prstGeom prst="rect">
-            <a:avLst/>
-          </a:prstGeom>
-          <a:noFill/>
-        </p:spPr>
-        <p:txBody>
-          <a:bodyPr wrap="square">
-            <a:spAutoFit/>
-          </a:bodyPr>
-          <a:lstStyle/>
-          <a:p>
-            <a:r>
-              <a:rPr lang="pt-BR" dirty="0">
-                <a:solidFill>
-                  <a:srgbClr val="FF0000"/>
-                </a:solidFill>
-              </a:rPr>
-              <a:t>Faz sentido 20,62 % estão no primeiro mês </a:t>
-            </a:r>
-          </a:p>
-          <a:p>
-            <a:endParaRPr lang="pt-BR" dirty="0">
-              <a:solidFill>
-                <a:srgbClr val="FF0000"/>
-              </a:solidFill>
-            </a:endParaRPr>
-          </a:p>
-          <a:p>
-            <a:r>
-              <a:rPr lang="pt-BR" dirty="0">
-                <a:solidFill>
-                  <a:srgbClr val="FF0000"/>
-                </a:solidFill>
-              </a:rPr>
-              <a:t>70% dos que cancelaram tinham menos de 4 meses </a:t>
-            </a:r>
-          </a:p>
-          <a:p>
-            <a:r>
-              <a:rPr lang="pt-BR" dirty="0">
-                <a:solidFill>
-                  <a:srgbClr val="FF0000"/>
-                </a:solidFill>
-              </a:rPr>
-              <a:t>de uso</a:t>
-            </a:r>
-          </a:p>
-        </p:txBody>
-      </p:sp>
-      <p:sp>
-        <p:nvSpPr>
-          <p:cNvPr id="7" name="Título 1">
-            <a:extLst>
-              <a:ext uri="{FF2B5EF4-FFF2-40B4-BE49-F238E27FC236}">
-                <a16:creationId xmlns:a16="http://schemas.microsoft.com/office/drawing/2014/main" id="{3D7B62E4-D44C-4913-B33E-1D12E5C8CF19}"/>
-              </a:ext>
-            </a:extLst>
-          </p:cNvPr>
-          <p:cNvSpPr>
-            <a:spLocks noGrp="1"/>
-          </p:cNvSpPr>
-          <p:nvPr>
-            <p:ph type="title"/>
-          </p:nvPr>
         </p:nvSpPr>
         <p:spPr>
           <a:xfrm>
             <a:off x="838200" y="365125"/>
             <a:ext cx="10515600" cy="1325563"/>
           </a:xfrm>
+          <a:prstGeom prst="rect">
+            <a:avLst/>
+          </a:prstGeom>
         </p:spPr>
         <p:txBody>
-          <a:bodyPr>
+          <a:bodyPr vert="horz" lIns="91440" tIns="45720" rIns="91440" bIns="45720" rtlCol="0" anchor="ctr">
             <a:noAutofit/>
           </a:bodyPr>
-          <a:lstStyle/>
+          <a:lstStyle>
+            <a:lvl1pPr algn="l" defTabSz="914400" rtl="0" eaLnBrk="1" latinLnBrk="0" hangingPunct="1">
+              <a:lnSpc>
+                <a:spcPct val="90000"/>
+              </a:lnSpc>
+              <a:spcBef>
+                <a:spcPct val="0"/>
+              </a:spcBef>
+              <a:buNone/>
+              <a:defRPr sz="4400" kern="1200">
+                <a:solidFill>
+                  <a:schemeClr val="tx1"/>
+                </a:solidFill>
+                <a:latin typeface="+mj-lt"/>
+                <a:ea typeface="+mj-ea"/>
+                <a:cs typeface="+mj-cs"/>
+              </a:defRPr>
+            </a:lvl1pPr>
+          </a:lstStyle>
           <a:p>
             <a:r>
               <a:rPr lang="pt-BR" sz="2400" b="1" dirty="0">
@@ -5013,7 +6864,7 @@
                 </a:solidFill>
                 <a:latin typeface="Arial" panose="020B0604020202020204" pitchFamily="34" charset="0"/>
               </a:rPr>
-              <a:t>"Hoje ainda temos muitas pessoas que escutam falar da </a:t>
+              <a:t>" Provavelmente essas pessoas que param de usar a </a:t>
             </a:r>
             <a:r>
               <a:rPr lang="pt-BR" sz="2400" b="1" dirty="0" err="1">
@@ -5022,7 +6873,7 @@
                 </a:solidFill>
                 <a:latin typeface="Arial" panose="020B0604020202020204" pitchFamily="34" charset="0"/>
               </a:rPr>
-              <a:t>fluke</a:t>
+              <a:t>Fluke</a:t>
             </a:r>
             <a:r>
               <a:rPr lang="pt-BR" sz="2400" b="1" dirty="0">
@@ -5031,17 +6882,93 @@
                 </a:solidFill>
                 <a:latin typeface="Arial" panose="020B0604020202020204" pitchFamily="34" charset="0"/>
               </a:rPr>
-              <a:t> e contratam só pra ver o que é, sem entender o produto ou se faz sentido“</a:t>
+              <a:t> não usam o número da </a:t>
+            </a:r>
+            <a:r>
+              <a:rPr lang="pt-BR" sz="2400" b="1" dirty="0" err="1">
+                <a:solidFill>
+                  <a:srgbClr val="222222"/>
+                </a:solidFill>
+                <a:latin typeface="Arial" panose="020B0604020202020204" pitchFamily="34" charset="0"/>
+              </a:rPr>
+              <a:t>Fluke</a:t>
+            </a:r>
+            <a:r>
+              <a:rPr lang="pt-BR" sz="2400" b="1" dirty="0">
+                <a:solidFill>
+                  <a:srgbClr val="222222"/>
+                </a:solidFill>
+                <a:latin typeface="Arial" panose="020B0604020202020204" pitchFamily="34" charset="0"/>
+              </a:rPr>
+              <a:t> como linha principal“</a:t>
+            </a:r>
+          </a:p>
+        </p:txBody>
+      </p:sp>
+      <p:sp>
+        <p:nvSpPr>
+          <p:cNvPr id="10" name="Rectangle 9">
+            <a:extLst>
+              <a:ext uri="{FF2B5EF4-FFF2-40B4-BE49-F238E27FC236}">
+                <a16:creationId xmlns:a16="http://schemas.microsoft.com/office/drawing/2014/main" id="{C39B37A9-C910-4911-8095-BE2177A177EB}"/>
+              </a:ext>
+            </a:extLst>
+          </p:cNvPr>
+          <p:cNvSpPr/>
+          <p:nvPr/>
+        </p:nvSpPr>
+        <p:spPr>
+          <a:xfrm>
+            <a:off x="1253215" y="2623434"/>
+            <a:ext cx="6096000" cy="923330"/>
+          </a:xfrm>
+          <a:prstGeom prst="rect">
+            <a:avLst/>
+          </a:prstGeom>
+        </p:spPr>
+        <p:txBody>
+          <a:bodyPr>
+            <a:spAutoFit/>
+          </a:bodyPr>
+          <a:lstStyle/>
+          <a:p>
+            <a:r>
+              <a:rPr lang="pt-BR" i="1" dirty="0"/>
+              <a:t>“ Através do “</a:t>
+            </a:r>
+            <a:r>
+              <a:rPr lang="pt-BR" i="1" dirty="0" err="1"/>
+              <a:t>end</a:t>
+            </a:r>
+            <a:r>
+              <a:rPr lang="pt-BR" i="1" dirty="0"/>
+              <a:t> </a:t>
+            </a:r>
+            <a:r>
+              <a:rPr lang="pt-BR" i="1" dirty="0" err="1"/>
+              <a:t>portability</a:t>
+            </a:r>
+            <a:r>
+              <a:rPr lang="pt-BR" i="1" dirty="0"/>
+              <a:t> date” presume-se que foi transferido o número principal para </a:t>
+            </a:r>
+            <a:r>
+              <a:rPr lang="pt-BR" i="1" dirty="0" err="1"/>
+              <a:t>Fluke</a:t>
+            </a:r>
+            <a:r>
+              <a:rPr lang="pt-BR" i="1" dirty="0"/>
+              <a:t>, caso não fosse não teria problema em adquirir um número diferente “</a:t>
             </a:r>
           </a:p>
         </p:txBody>
       </p:sp>
       <p:pic>
         <p:nvPicPr>
-          <p:cNvPr id="12" name="Picture 11">
-            <a:extLst>
-              <a:ext uri="{FF2B5EF4-FFF2-40B4-BE49-F238E27FC236}">
-                <a16:creationId xmlns:a16="http://schemas.microsoft.com/office/drawing/2014/main" id="{74687B04-3FF2-46F4-904A-065A6059EB11}"/>
+          <p:cNvPr id="11" name="Picture 10">
+            <a:extLst>
+              <a:ext uri="{FF2B5EF4-FFF2-40B4-BE49-F238E27FC236}">
+                <a16:creationId xmlns:a16="http://schemas.microsoft.com/office/drawing/2014/main" id="{FED2BCBF-9441-483D-9DD8-000B321FBC3E}"/>
               </a:ext>
             </a:extLst>
           </p:cNvPr>
@@ -5058,80 +6985,18 @@
         </p:blipFill>
         <p:spPr>
           <a:xfrm>
-            <a:off x="820942" y="2778915"/>
-            <a:ext cx="10550115" cy="3798042"/>
+            <a:off x="7349215" y="1919483"/>
+            <a:ext cx="4458272" cy="4573392"/>
           </a:xfrm>
           <a:prstGeom prst="rect">
             <a:avLst/>
           </a:prstGeom>
         </p:spPr>
       </p:pic>
-      <p:sp>
-        <p:nvSpPr>
-          <p:cNvPr id="8" name="CaixaDeTexto 7">
-            <a:extLst>
-              <a:ext uri="{FF2B5EF4-FFF2-40B4-BE49-F238E27FC236}">
-                <a16:creationId xmlns:a16="http://schemas.microsoft.com/office/drawing/2014/main" id="{5839D187-A377-4911-90E7-9FCB71ABFF4D}"/>
-              </a:ext>
-            </a:extLst>
-          </p:cNvPr>
-          <p:cNvSpPr txBox="1"/>
-          <p:nvPr/>
-        </p:nvSpPr>
-        <p:spPr>
-          <a:xfrm>
-            <a:off x="9510887" y="1690688"/>
-            <a:ext cx="2178545" cy="1477328"/>
-          </a:xfrm>
-          <a:prstGeom prst="rect">
-            <a:avLst/>
-          </a:prstGeom>
-          <a:noFill/>
-        </p:spPr>
-        <p:txBody>
-          <a:bodyPr wrap="none" rtlCol="0">
-            <a:spAutoFit/>
-          </a:bodyPr>
-          <a:lstStyle/>
-          <a:p>
-            <a:r>
-              <a:rPr lang="pt-BR" dirty="0">
-                <a:solidFill>
-                  <a:srgbClr val="FF0000"/>
-                </a:solidFill>
-              </a:rPr>
-              <a:t>4 meses de duração !</a:t>
-            </a:r>
-          </a:p>
-          <a:p>
-            <a:endParaRPr lang="pt-BR" dirty="0">
-              <a:solidFill>
-                <a:srgbClr val="FF0000"/>
-              </a:solidFill>
-            </a:endParaRPr>
-          </a:p>
-          <a:p>
-            <a:r>
-              <a:rPr lang="pt-BR" dirty="0">
-                <a:solidFill>
-                  <a:srgbClr val="FF0000"/>
-                </a:solidFill>
-              </a:rPr>
-              <a:t>1 Mês de Duração !</a:t>
-            </a:r>
-          </a:p>
-          <a:p>
-            <a:endParaRPr lang="pt-BR" dirty="0"/>
-          </a:p>
-          <a:p>
-            <a:endParaRPr lang="pt-BR" dirty="0"/>
-          </a:p>
-        </p:txBody>
-      </p:sp>
     </p:spTree>
     <p:extLst>
       <p:ext uri="{BB962C8B-B14F-4D97-AF65-F5344CB8AC3E}">
-        <p14:creationId xmlns:p14="http://schemas.microsoft.com/office/powerpoint/2010/main" val="3308547817"/>
+        <p14:creationId xmlns:p14="http://schemas.microsoft.com/office/powerpoint/2010/main" val="4286436509"/>
       </p:ext>
     </p:extLst>
   </p:cSld>
@@ -5168,83 +7033,10 @@
       </p:grpSpPr>
       <p:sp>
         <p:nvSpPr>
-          <p:cNvPr id="3" name="Espaço Reservado para Conteúdo 2">
-            <a:extLst>
-              <a:ext uri="{FF2B5EF4-FFF2-40B4-BE49-F238E27FC236}">
-                <a16:creationId xmlns:a16="http://schemas.microsoft.com/office/drawing/2014/main" id="{AB665445-08C9-4B47-B702-D208D3B91AA8}"/>
-              </a:ext>
-            </a:extLst>
-          </p:cNvPr>
-          <p:cNvSpPr>
-            <a:spLocks noGrp="1"/>
-          </p:cNvSpPr>
-          <p:nvPr>
-            <p:ph idx="1"/>
-          </p:nvPr>
-        </p:nvSpPr>
-        <p:spPr>
-          <a:xfrm>
-            <a:off x="879907" y="3546764"/>
-            <a:ext cx="6842617" cy="1985818"/>
-          </a:xfrm>
-        </p:spPr>
-        <p:txBody>
-          <a:bodyPr>
-            <a:normAutofit/>
-          </a:bodyPr>
-          <a:lstStyle/>
-          <a:p>
-            <a:pPr marL="0" indent="0">
-              <a:buNone/>
-            </a:pPr>
-            <a:endParaRPr lang="pt-BR" sz="2000" u="sng" dirty="0"/>
-          </a:p>
-          <a:p>
-            <a:pPr marL="0" indent="0">
-              <a:buNone/>
-            </a:pPr>
-            <a:endParaRPr lang="pt-BR" sz="2000" dirty="0"/>
-          </a:p>
-          <a:p>
-            <a:r>
-              <a:rPr lang="pt-BR" sz="2000" b="1" dirty="0"/>
-              <a:t>Quase 80 % dos clientes </a:t>
-            </a:r>
-            <a:r>
-              <a:rPr lang="pt-BR" sz="2000" dirty="0"/>
-              <a:t>que cancelaram não usavam </a:t>
-            </a:r>
-            <a:r>
-              <a:rPr lang="pt-BR" sz="2000" dirty="0" err="1"/>
-              <a:t>Fluke</a:t>
-            </a:r>
-            <a:r>
-              <a:rPr lang="pt-BR" sz="2000" dirty="0"/>
-              <a:t> como </a:t>
-            </a:r>
-            <a:r>
-              <a:rPr lang="pt-BR" sz="2000" b="1" dirty="0"/>
-              <a:t>linha principal</a:t>
-            </a:r>
-            <a:r>
-              <a:rPr lang="pt-BR" sz="2000" dirty="0"/>
-              <a:t>;</a:t>
-            </a:r>
-          </a:p>
-          <a:p>
-            <a:endParaRPr lang="pt-BR" sz="2000" dirty="0"/>
-          </a:p>
-          <a:p>
-            <a:endParaRPr lang="pt-BR" sz="2000" dirty="0"/>
-          </a:p>
-        </p:txBody>
-      </p:sp>
-      <p:sp>
-        <p:nvSpPr>
-          <p:cNvPr id="7" name="Título 1">
-            <a:extLst>
-              <a:ext uri="{FF2B5EF4-FFF2-40B4-BE49-F238E27FC236}">
-                <a16:creationId xmlns:a16="http://schemas.microsoft.com/office/drawing/2014/main" id="{AF7BC0E8-5ACB-4A2F-B3C1-32AFC84EDF99}"/>
+          <p:cNvPr id="13" name="Título 1">
+            <a:extLst>
+              <a:ext uri="{FF2B5EF4-FFF2-40B4-BE49-F238E27FC236}">
+                <a16:creationId xmlns:a16="http://schemas.microsoft.com/office/drawing/2014/main" id="{2E2904F2-87D2-46F2-AEC3-CDC48E25D9A5}"/>
               </a:ext>
             </a:extLst>
           </p:cNvPr>
@@ -5293,7 +7085,25 @@
                 </a:solidFill>
                 <a:latin typeface="Arial" panose="020B0604020202020204" pitchFamily="34" charset="0"/>
               </a:rPr>
-              <a:t>" Provavelmente essas pessoas que param de usar a </a:t>
+              <a:t>"Nossas campanhas de aquisição não tem grandes diferenças entre regiões, imagino que não tenha algum estado no qual as pessoas deixem </a:t>
+            </a:r>
+            <a:r>
+              <a:rPr lang="pt-BR" sz="2400" b="1" dirty="0" err="1">
+                <a:solidFill>
+                  <a:srgbClr val="222222"/>
+                </a:solidFill>
+                <a:latin typeface="Arial" panose="020B0604020202020204" pitchFamily="34" charset="0"/>
+              </a:rPr>
+              <a:t>deixem</a:t>
+            </a:r>
+            <a:r>
+              <a:rPr lang="pt-BR" sz="2400" b="1" dirty="0">
+                <a:solidFill>
+                  <a:srgbClr val="222222"/>
+                </a:solidFill>
+                <a:latin typeface="Arial" panose="020B0604020202020204" pitchFamily="34" charset="0"/>
+              </a:rPr>
+              <a:t> mais de usar a </a:t>
             </a:r>
             <a:r>
               <a:rPr lang="pt-BR" sz="2400" b="1" dirty="0" err="1">
@@ -5311,93 +7121,17 @@
                 </a:solidFill>
                 <a:latin typeface="Arial" panose="020B0604020202020204" pitchFamily="34" charset="0"/>
               </a:rPr>
-              <a:t> não usam o número da </a:t>
-            </a:r>
-            <a:r>
-              <a:rPr lang="pt-BR" sz="2400" b="1" dirty="0" err="1">
-                <a:solidFill>
-                  <a:srgbClr val="222222"/>
-                </a:solidFill>
-                <a:latin typeface="Arial" panose="020B0604020202020204" pitchFamily="34" charset="0"/>
-              </a:rPr>
-              <a:t>Fluke</a:t>
-            </a:r>
-            <a:r>
-              <a:rPr lang="pt-BR" sz="2400" b="1" dirty="0">
-                <a:solidFill>
-                  <a:srgbClr val="222222"/>
-                </a:solidFill>
-                <a:latin typeface="Arial" panose="020B0604020202020204" pitchFamily="34" charset="0"/>
-              </a:rPr>
-              <a:t> como linha principal“</a:t>
-            </a:r>
-          </a:p>
-        </p:txBody>
-      </p:sp>
-      <p:sp>
-        <p:nvSpPr>
-          <p:cNvPr id="10" name="Rectangle 9">
-            <a:extLst>
-              <a:ext uri="{FF2B5EF4-FFF2-40B4-BE49-F238E27FC236}">
-                <a16:creationId xmlns:a16="http://schemas.microsoft.com/office/drawing/2014/main" id="{C39B37A9-C910-4911-8095-BE2177A177EB}"/>
-              </a:ext>
-            </a:extLst>
-          </p:cNvPr>
-          <p:cNvSpPr/>
-          <p:nvPr/>
-        </p:nvSpPr>
-        <p:spPr>
-          <a:xfrm>
-            <a:off x="1253215" y="2623434"/>
-            <a:ext cx="6096000" cy="923330"/>
-          </a:xfrm>
-          <a:prstGeom prst="rect">
-            <a:avLst/>
-          </a:prstGeom>
-        </p:spPr>
-        <p:txBody>
-          <a:bodyPr>
-            <a:spAutoFit/>
-          </a:bodyPr>
-          <a:lstStyle/>
-          <a:p>
-            <a:r>
-              <a:rPr lang="pt-BR" i="1" dirty="0"/>
-              <a:t>“ Através do “</a:t>
-            </a:r>
-            <a:r>
-              <a:rPr lang="pt-BR" i="1" dirty="0" err="1"/>
-              <a:t>end</a:t>
-            </a:r>
-            <a:r>
-              <a:rPr lang="pt-BR" i="1" dirty="0"/>
-              <a:t> </a:t>
-            </a:r>
-            <a:r>
-              <a:rPr lang="pt-BR" i="1" dirty="0" err="1"/>
-              <a:t>portability</a:t>
-            </a:r>
-            <a:r>
-              <a:rPr lang="pt-BR" i="1" dirty="0"/>
-              <a:t> date” presume-se que foi transferido o número principal para </a:t>
-            </a:r>
-            <a:r>
-              <a:rPr lang="pt-BR" i="1" dirty="0" err="1"/>
-              <a:t>Fluke</a:t>
-            </a:r>
-            <a:r>
-              <a:rPr lang="pt-BR" i="1" dirty="0"/>
-              <a:t>, caso não fosse não teria problema em adquirir um número diferente “</a:t>
+              <a:t> do que em outro"</a:t>
             </a:r>
           </a:p>
         </p:txBody>
       </p:sp>
       <p:pic>
         <p:nvPicPr>
-          <p:cNvPr id="11" name="Picture 10">
-            <a:extLst>
-              <a:ext uri="{FF2B5EF4-FFF2-40B4-BE49-F238E27FC236}">
-                <a16:creationId xmlns:a16="http://schemas.microsoft.com/office/drawing/2014/main" id="{FED2BCBF-9441-483D-9DD8-000B321FBC3E}"/>
+          <p:cNvPr id="9" name="Picture 8">
+            <a:extLst>
+              <a:ext uri="{FF2B5EF4-FFF2-40B4-BE49-F238E27FC236}">
+                <a16:creationId xmlns:a16="http://schemas.microsoft.com/office/drawing/2014/main" id="{FC080E27-5CC1-4E13-BBD6-B39892DC9F14}"/>
               </a:ext>
             </a:extLst>
           </p:cNvPr>
@@ -5414,18 +7148,70 @@
         </p:blipFill>
         <p:spPr>
           <a:xfrm>
-            <a:off x="7349215" y="1919483"/>
-            <a:ext cx="4458272" cy="4573392"/>
+            <a:off x="4959926" y="2520915"/>
+            <a:ext cx="7048299" cy="3556312"/>
           </a:xfrm>
           <a:prstGeom prst="rect">
             <a:avLst/>
           </a:prstGeom>
         </p:spPr>
       </p:pic>
+      <p:sp>
+        <p:nvSpPr>
+          <p:cNvPr id="15" name="Espaço Reservado para Conteúdo 2">
+            <a:extLst>
+              <a:ext uri="{FF2B5EF4-FFF2-40B4-BE49-F238E27FC236}">
+                <a16:creationId xmlns:a16="http://schemas.microsoft.com/office/drawing/2014/main" id="{E1B063B1-244F-4F45-8135-82751974ADB7}"/>
+              </a:ext>
+            </a:extLst>
+          </p:cNvPr>
+          <p:cNvSpPr>
+            <a:spLocks noGrp="1"/>
+          </p:cNvSpPr>
+          <p:nvPr>
+            <p:ph idx="1"/>
+          </p:nvPr>
+        </p:nvSpPr>
+        <p:spPr>
+          <a:xfrm>
+            <a:off x="713654" y="3721642"/>
+            <a:ext cx="4116965" cy="2262909"/>
+          </a:xfrm>
+        </p:spPr>
+        <p:txBody>
+          <a:bodyPr>
+            <a:normAutofit/>
+          </a:bodyPr>
+          <a:lstStyle/>
+          <a:p>
+            <a:endParaRPr lang="pt-BR" sz="2000" u="sng" dirty="0"/>
+          </a:p>
+          <a:p>
+            <a:r>
+              <a:rPr lang="pt-BR" sz="2000" dirty="0"/>
+              <a:t>GO apresenta </a:t>
+            </a:r>
+            <a:r>
+              <a:rPr lang="pt-BR" sz="2000" dirty="0" err="1"/>
+              <a:t>Churn</a:t>
+            </a:r>
+            <a:r>
+              <a:rPr lang="pt-BR" sz="2000" dirty="0"/>
+              <a:t> atual mais alto seguido por SP e DF</a:t>
+            </a:r>
+          </a:p>
+          <a:p>
+            <a:endParaRPr lang="pt-BR" sz="2000" dirty="0"/>
+          </a:p>
+          <a:p>
+            <a:endParaRPr lang="pt-BR" sz="2000" dirty="0"/>
+          </a:p>
+        </p:txBody>
+      </p:sp>
     </p:spTree>
     <p:extLst>
       <p:ext uri="{BB962C8B-B14F-4D97-AF65-F5344CB8AC3E}">
-        <p14:creationId xmlns:p14="http://schemas.microsoft.com/office/powerpoint/2010/main" val="4286436509"/>
+        <p14:creationId xmlns:p14="http://schemas.microsoft.com/office/powerpoint/2010/main" val="1639192161"/>
       </p:ext>
     </p:extLst>
   </p:cSld>
@@ -5462,105 +7248,46 @@
       </p:grpSpPr>
       <p:sp>
         <p:nvSpPr>
-          <p:cNvPr id="13" name="Título 1">
-            <a:extLst>
-              <a:ext uri="{FF2B5EF4-FFF2-40B4-BE49-F238E27FC236}">
-                <a16:creationId xmlns:a16="http://schemas.microsoft.com/office/drawing/2014/main" id="{2E2904F2-87D2-46F2-AEC3-CDC48E25D9A5}"/>
-              </a:ext>
-            </a:extLst>
-          </p:cNvPr>
-          <p:cNvSpPr txBox="1">
-            <a:spLocks/>
-          </p:cNvSpPr>
-          <p:nvPr/>
+          <p:cNvPr id="5" name="Título 1">
+            <a:extLst>
+              <a:ext uri="{FF2B5EF4-FFF2-40B4-BE49-F238E27FC236}">
+                <a16:creationId xmlns:a16="http://schemas.microsoft.com/office/drawing/2014/main" id="{2A3EB239-F926-4171-8382-D0445F15F42B}"/>
+              </a:ext>
+            </a:extLst>
+          </p:cNvPr>
+          <p:cNvSpPr>
+            <a:spLocks noGrp="1"/>
+          </p:cNvSpPr>
+          <p:nvPr>
+            <p:ph type="title"/>
+          </p:nvPr>
         </p:nvSpPr>
         <p:spPr>
           <a:xfrm>
             <a:off x="838200" y="365125"/>
             <a:ext cx="10515600" cy="1325563"/>
           </a:xfrm>
-          <a:prstGeom prst="rect">
-            <a:avLst/>
-          </a:prstGeom>
         </p:spPr>
         <p:txBody>
-          <a:bodyPr vert="horz" lIns="91440" tIns="45720" rIns="91440" bIns="45720" rtlCol="0" anchor="ctr">
-            <a:noAutofit/>
-          </a:bodyPr>
-          <a:lstStyle>
-            <a:lvl1pPr algn="l" defTabSz="914400" rtl="0" eaLnBrk="1" latinLnBrk="0" hangingPunct="1">
-              <a:lnSpc>
-                <a:spcPct val="90000"/>
-              </a:lnSpc>
-              <a:spcBef>
-                <a:spcPct val="0"/>
-              </a:spcBef>
-              <a:buNone/>
-              <a:defRPr sz="4400" kern="1200">
-                <a:solidFill>
-                  <a:schemeClr val="tx1"/>
-                </a:solidFill>
-                <a:latin typeface="+mj-lt"/>
-                <a:ea typeface="+mj-ea"/>
-                <a:cs typeface="+mj-cs"/>
-              </a:defRPr>
-            </a:lvl1pPr>
-          </a:lstStyle>
-          <a:p>
-            <a:r>
-              <a:rPr lang="pt-BR" sz="2400" b="1" dirty="0">
-                <a:solidFill>
-                  <a:srgbClr val="222222"/>
-                </a:solidFill>
-                <a:latin typeface="Arial" panose="020B0604020202020204" pitchFamily="34" charset="0"/>
+          <a:bodyPr/>
+          <a:lstStyle/>
+          <a:p>
+            <a:r>
+              <a:rPr lang="pt-BR" dirty="0">
+                <a:latin typeface="Segoe UI" panose="020B0502040204020203" pitchFamily="34" charset="0"/>
+                <a:cs typeface="Segoe UI" panose="020B0502040204020203" pitchFamily="34" charset="0"/>
               </a:rPr>
-              <a:t>"Nossas campanhas de aquisição não tem grandes diferenças entre regiões, imagino que não tenha algum estado no qual as pessoas deixem </a:t>
-            </a:r>
-            <a:r>
-              <a:rPr lang="pt-BR" sz="2400" b="1" dirty="0" err="1">
-                <a:solidFill>
-                  <a:srgbClr val="222222"/>
-                </a:solidFill>
-                <a:latin typeface="Arial" panose="020B0604020202020204" pitchFamily="34" charset="0"/>
-              </a:rPr>
-              <a:t>deixem</a:t>
-            </a:r>
-            <a:r>
-              <a:rPr lang="pt-BR" sz="2400" b="1" dirty="0">
-                <a:solidFill>
-                  <a:srgbClr val="222222"/>
-                </a:solidFill>
-                <a:latin typeface="Arial" panose="020B0604020202020204" pitchFamily="34" charset="0"/>
-              </a:rPr>
-              <a:t> mais de usar a </a:t>
-            </a:r>
-            <a:r>
-              <a:rPr lang="pt-BR" sz="2400" b="1" dirty="0" err="1">
-                <a:solidFill>
-                  <a:srgbClr val="222222"/>
-                </a:solidFill>
-                <a:latin typeface="Arial" panose="020B0604020202020204" pitchFamily="34" charset="0"/>
-              </a:rPr>
-              <a:t>Fluke</a:t>
-            </a:r>
-            <a:r>
-              <a:rPr lang="pt-BR" sz="2400" b="1" dirty="0">
-                <a:solidFill>
-                  <a:srgbClr val="222222"/>
-                </a:solidFill>
-                <a:latin typeface="Arial" panose="020B0604020202020204" pitchFamily="34" charset="0"/>
-              </a:rPr>
-              <a:t> do que em outro"</a:t>
+              <a:t>Clientes Ativos x Cancelaram</a:t>
             </a:r>
           </a:p>
         </p:txBody>
       </p:sp>
       <p:pic>
         <p:nvPicPr>
-          <p:cNvPr id="9" name="Picture 8">
-            <a:extLst>
-              <a:ext uri="{FF2B5EF4-FFF2-40B4-BE49-F238E27FC236}">
-                <a16:creationId xmlns:a16="http://schemas.microsoft.com/office/drawing/2014/main" id="{FC080E27-5CC1-4E13-BBD6-B39892DC9F14}"/>
+          <p:cNvPr id="2" name="Picture 1">
+            <a:extLst>
+              <a:ext uri="{FF2B5EF4-FFF2-40B4-BE49-F238E27FC236}">
+                <a16:creationId xmlns:a16="http://schemas.microsoft.com/office/drawing/2014/main" id="{E3EFFBE8-358E-460D-A9AE-7161D3C0AD23}"/>
               </a:ext>
             </a:extLst>
           </p:cNvPr>
@@ -5569,16 +7296,15 @@
           </p:cNvPicPr>
           <p:nvPr/>
         </p:nvPicPr>
-        <p:blipFill>
+        <p:blipFill rotWithShape="1">
           <a:blip r:embed="rId2"/>
-          <a:stretch>
-            <a:fillRect/>
-          </a:stretch>
+          <a:srcRect t="4214"/>
+          <a:stretch/>
         </p:blipFill>
         <p:spPr>
           <a:xfrm>
-            <a:off x="4959926" y="2520915"/>
-            <a:ext cx="7048299" cy="3556312"/>
+            <a:off x="5004824" y="1612034"/>
+            <a:ext cx="5397631" cy="5245966"/>
           </a:xfrm>
           <a:prstGeom prst="rect">
             <a:avLst/>
@@ -5587,10 +7313,10 @@
       </p:pic>
       <p:sp>
         <p:nvSpPr>
-          <p:cNvPr id="15" name="Espaço Reservado para Conteúdo 2">
-            <a:extLst>
-              <a:ext uri="{FF2B5EF4-FFF2-40B4-BE49-F238E27FC236}">
-                <a16:creationId xmlns:a16="http://schemas.microsoft.com/office/drawing/2014/main" id="{E1B063B1-244F-4F45-8135-82751974ADB7}"/>
+          <p:cNvPr id="6" name="Espaço Reservado para Conteúdo 2">
+            <a:extLst>
+              <a:ext uri="{FF2B5EF4-FFF2-40B4-BE49-F238E27FC236}">
+                <a16:creationId xmlns:a16="http://schemas.microsoft.com/office/drawing/2014/main" id="{C6211D87-3DF2-4D8B-9017-7213E6CF95C4}"/>
               </a:ext>
             </a:extLst>
           </p:cNvPr>
@@ -5603,7 +7329,7 @@
         </p:nvSpPr>
         <p:spPr>
           <a:xfrm>
-            <a:off x="676708" y="2520915"/>
+            <a:off x="732127" y="3103562"/>
             <a:ext cx="4116965" cy="2262909"/>
           </a:xfrm>
         </p:spPr>
@@ -5618,7 +7344,7 @@
           <a:p>
             <a:r>
               <a:rPr lang="pt-BR" sz="2000" dirty="0"/>
-              <a:t>GO apresenta </a:t>
+              <a:t>Menor </a:t>
             </a:r>
             <a:r>
               <a:rPr lang="pt-BR" sz="2000" dirty="0" err="1"/>
@@ -5626,7 +7352,24 @@
             </a:r>
             <a:r>
               <a:rPr lang="pt-BR" sz="2000" dirty="0"/>
-              <a:t> atual mais alto seguido por SP e DF</a:t>
+              <a:t> entre mulheres;</a:t>
+            </a:r>
+          </a:p>
+          <a:p>
+            <a:endParaRPr lang="pt-BR" sz="2000" dirty="0"/>
+          </a:p>
+          <a:p>
+            <a:r>
+              <a:rPr lang="pt-BR" sz="2000" dirty="0"/>
+              <a:t>Maior </a:t>
+            </a:r>
+            <a:r>
+              <a:rPr lang="pt-BR" sz="2000" dirty="0" err="1"/>
+              <a:t>Churn</a:t>
+            </a:r>
+            <a:r>
+              <a:rPr lang="pt-BR" sz="2000" dirty="0"/>
+              <a:t> “prefiro não dizer”</a:t>
             </a:r>
           </a:p>
           <a:p>
@@ -5640,7 +7383,7 @@
     </p:spTree>
     <p:extLst>
       <p:ext uri="{BB962C8B-B14F-4D97-AF65-F5344CB8AC3E}">
-        <p14:creationId xmlns:p14="http://schemas.microsoft.com/office/powerpoint/2010/main" val="1639192161"/>
+        <p14:creationId xmlns:p14="http://schemas.microsoft.com/office/powerpoint/2010/main" val="2597250642"/>
       </p:ext>
     </p:extLst>
   </p:cSld>
@@ -5675,48 +7418,12 @@
           <a:chExt cx="0" cy="0"/>
         </a:xfrm>
       </p:grpSpPr>
-      <p:sp>
-        <p:nvSpPr>
-          <p:cNvPr id="5" name="Título 1">
-            <a:extLst>
-              <a:ext uri="{FF2B5EF4-FFF2-40B4-BE49-F238E27FC236}">
-                <a16:creationId xmlns:a16="http://schemas.microsoft.com/office/drawing/2014/main" id="{2A3EB239-F926-4171-8382-D0445F15F42B}"/>
-              </a:ext>
-            </a:extLst>
-          </p:cNvPr>
-          <p:cNvSpPr>
-            <a:spLocks noGrp="1"/>
-          </p:cNvSpPr>
-          <p:nvPr>
-            <p:ph type="title"/>
-          </p:nvPr>
-        </p:nvSpPr>
-        <p:spPr>
-          <a:xfrm>
-            <a:off x="838200" y="365125"/>
-            <a:ext cx="10515600" cy="1325563"/>
-          </a:xfrm>
-        </p:spPr>
-        <p:txBody>
-          <a:bodyPr/>
-          <a:lstStyle/>
-          <a:p>
-            <a:r>
-              <a:rPr lang="pt-BR" dirty="0">
-                <a:latin typeface="Segoe UI" panose="020B0502040204020203" pitchFamily="34" charset="0"/>
-                <a:cs typeface="Segoe UI" panose="020B0502040204020203" pitchFamily="34" charset="0"/>
-              </a:rPr>
-              <a:t>Clientes Ativos x Cancelaram</a:t>
-            </a:r>
-          </a:p>
-        </p:txBody>
-      </p:sp>
       <p:pic>
         <p:nvPicPr>
-          <p:cNvPr id="13" name="Imagem 12">
-            <a:extLst>
-              <a:ext uri="{FF2B5EF4-FFF2-40B4-BE49-F238E27FC236}">
-                <a16:creationId xmlns:a16="http://schemas.microsoft.com/office/drawing/2014/main" id="{9B06C45A-6879-475A-B83B-467E5A454C8A}"/>
+          <p:cNvPr id="2" name="Picture 1">
+            <a:extLst>
+              <a:ext uri="{FF2B5EF4-FFF2-40B4-BE49-F238E27FC236}">
+                <a16:creationId xmlns:a16="http://schemas.microsoft.com/office/drawing/2014/main" id="{0B9A57A4-9D1E-4B4D-B0A1-5FF9F3722FE9}"/>
               </a:ext>
             </a:extLst>
           </p:cNvPr>
@@ -5733,18 +7440,65 @@
         </p:blipFill>
         <p:spPr>
           <a:xfrm>
-            <a:off x="4553307" y="1586273"/>
-            <a:ext cx="7297168" cy="5163271"/>
+            <a:off x="5992518" y="623496"/>
+            <a:ext cx="5591955" cy="5611008"/>
           </a:xfrm>
           <a:prstGeom prst="rect">
             <a:avLst/>
           </a:prstGeom>
         </p:spPr>
       </p:pic>
+      <p:sp>
+        <p:nvSpPr>
+          <p:cNvPr id="3" name="Espaço Reservado para Conteúdo 2">
+            <a:extLst>
+              <a:ext uri="{FF2B5EF4-FFF2-40B4-BE49-F238E27FC236}">
+                <a16:creationId xmlns:a16="http://schemas.microsoft.com/office/drawing/2014/main" id="{948EA26B-2F6C-4685-A104-E27CA6DAB03C}"/>
+              </a:ext>
+            </a:extLst>
+          </p:cNvPr>
+          <p:cNvSpPr>
+            <a:spLocks noGrp="1"/>
+          </p:cNvSpPr>
+          <p:nvPr>
+            <p:ph idx="1"/>
+          </p:nvPr>
+        </p:nvSpPr>
+        <p:spPr>
+          <a:xfrm>
+            <a:off x="732127" y="3103562"/>
+            <a:ext cx="4116965" cy="2262909"/>
+          </a:xfrm>
+        </p:spPr>
+        <p:txBody>
+          <a:bodyPr>
+            <a:normAutofit/>
+          </a:bodyPr>
+          <a:lstStyle/>
+          <a:p>
+            <a:r>
+              <a:rPr lang="pt-BR" sz="2000" u="sng" dirty="0"/>
+              <a:t>Quem usa pacote renovado semanalmente costuma ter maior </a:t>
+            </a:r>
+            <a:r>
+              <a:rPr lang="pt-BR" sz="2000" u="sng" dirty="0" err="1"/>
+              <a:t>churn</a:t>
+            </a:r>
+            <a:r>
+              <a:rPr lang="pt-BR" sz="2000" u="sng" dirty="0"/>
+              <a:t>.</a:t>
+            </a:r>
+            <a:endParaRPr lang="pt-BR" sz="2000" dirty="0"/>
+          </a:p>
+          <a:p>
+            <a:endParaRPr lang="pt-BR" sz="2000" dirty="0"/>
+          </a:p>
+        </p:txBody>
+      </p:sp>
     </p:spTree>
     <p:extLst>
       <p:ext uri="{BB962C8B-B14F-4D97-AF65-F5344CB8AC3E}">
-        <p14:creationId xmlns:p14="http://schemas.microsoft.com/office/powerpoint/2010/main" val="2597250642"/>
+        <p14:creationId xmlns:p14="http://schemas.microsoft.com/office/powerpoint/2010/main" val="324028868"/>
       </p:ext>
     </p:extLst>
   </p:cSld>

--- a/Churn_Case.pptx
+++ b/Churn_Case.pptx
@@ -340,7 +340,7 @@
           <a:p>
             <a:fld id="{2C7F5CE0-1D69-41A0-A371-CDBADD15EC88}" type="slidenum">
               <a:rPr lang="pt-BR" smtClean="0"/>
-              <a:t>‹#›</a:t>
+              <a:t>‹nº›</a:t>
             </a:fld>
             <a:endParaRPr lang="pt-BR"/>
           </a:p>
@@ -538,7 +538,7 @@
           <a:p>
             <a:fld id="{2C7F5CE0-1D69-41A0-A371-CDBADD15EC88}" type="slidenum">
               <a:rPr lang="pt-BR" smtClean="0"/>
-              <a:t>‹#›</a:t>
+              <a:t>‹nº›</a:t>
             </a:fld>
             <a:endParaRPr lang="pt-BR"/>
           </a:p>
@@ -746,7 +746,7 @@
           <a:p>
             <a:fld id="{2C7F5CE0-1D69-41A0-A371-CDBADD15EC88}" type="slidenum">
               <a:rPr lang="pt-BR" smtClean="0"/>
-              <a:t>‹#›</a:t>
+              <a:t>‹nº›</a:t>
             </a:fld>
             <a:endParaRPr lang="pt-BR"/>
           </a:p>
@@ -944,7 +944,7 @@
           <a:p>
             <a:fld id="{2C7F5CE0-1D69-41A0-A371-CDBADD15EC88}" type="slidenum">
               <a:rPr lang="pt-BR" smtClean="0"/>
-              <a:t>‹#›</a:t>
+              <a:t>‹nº›</a:t>
             </a:fld>
             <a:endParaRPr lang="pt-BR"/>
           </a:p>
@@ -1219,7 +1219,7 @@
           <a:p>
             <a:fld id="{2C7F5CE0-1D69-41A0-A371-CDBADD15EC88}" type="slidenum">
               <a:rPr lang="pt-BR" smtClean="0"/>
-              <a:t>‹#›</a:t>
+              <a:t>‹nº›</a:t>
             </a:fld>
             <a:endParaRPr lang="pt-BR"/>
           </a:p>
@@ -1484,7 +1484,7 @@
           <a:p>
             <a:fld id="{2C7F5CE0-1D69-41A0-A371-CDBADD15EC88}" type="slidenum">
               <a:rPr lang="pt-BR" smtClean="0"/>
-              <a:t>‹#›</a:t>
+              <a:t>‹nº›</a:t>
             </a:fld>
             <a:endParaRPr lang="pt-BR"/>
           </a:p>
@@ -1896,7 +1896,7 @@
           <a:p>
             <a:fld id="{2C7F5CE0-1D69-41A0-A371-CDBADD15EC88}" type="slidenum">
               <a:rPr lang="pt-BR" smtClean="0"/>
-              <a:t>‹#›</a:t>
+              <a:t>‹nº›</a:t>
             </a:fld>
             <a:endParaRPr lang="pt-BR"/>
           </a:p>
@@ -2037,7 +2037,7 @@
           <a:p>
             <a:fld id="{2C7F5CE0-1D69-41A0-A371-CDBADD15EC88}" type="slidenum">
               <a:rPr lang="pt-BR" smtClean="0"/>
-              <a:t>‹#›</a:t>
+              <a:t>‹nº›</a:t>
             </a:fld>
             <a:endParaRPr lang="pt-BR"/>
           </a:p>
@@ -2150,7 +2150,7 @@
           <a:p>
             <a:fld id="{2C7F5CE0-1D69-41A0-A371-CDBADD15EC88}" type="slidenum">
               <a:rPr lang="pt-BR" smtClean="0"/>
-              <a:t>‹#›</a:t>
+              <a:t>‹nº›</a:t>
             </a:fld>
             <a:endParaRPr lang="pt-BR"/>
           </a:p>
@@ -2461,7 +2461,7 @@
           <a:p>
             <a:fld id="{2C7F5CE0-1D69-41A0-A371-CDBADD15EC88}" type="slidenum">
               <a:rPr lang="pt-BR" smtClean="0"/>
-              <a:t>‹#›</a:t>
+              <a:t>‹nº›</a:t>
             </a:fld>
             <a:endParaRPr lang="pt-BR"/>
           </a:p>
@@ -2749,7 +2749,7 @@
           <a:p>
             <a:fld id="{2C7F5CE0-1D69-41A0-A371-CDBADD15EC88}" type="slidenum">
               <a:rPr lang="pt-BR" smtClean="0"/>
-              <a:t>‹#›</a:t>
+              <a:t>‹nº›</a:t>
             </a:fld>
             <a:endParaRPr lang="pt-BR"/>
           </a:p>
@@ -3026,7 +3026,7 @@
           <a:p>
             <a:fld id="{2C7F5CE0-1D69-41A0-A371-CDBADD15EC88}" type="slidenum">
               <a:rPr lang="pt-BR" smtClean="0"/>
-              <a:t>‹#›</a:t>
+              <a:t>‹nº›</a:t>
             </a:fld>
             <a:endParaRPr lang="pt-BR"/>
           </a:p>
@@ -5019,7 +5019,7 @@
         </p:blipFill>
         <p:spPr>
           <a:xfrm>
-            <a:off x="1906331" y="2542682"/>
+            <a:off x="4973362" y="656986"/>
             <a:ext cx="3672503" cy="2528036"/>
           </a:xfrm>
           <a:custGeom>
@@ -5276,32 +5276,45 @@
           <a:lstStyle/>
           <a:p>
             <a:r>
-              <a:rPr lang="pt-BR"/>
+              <a:rPr lang="pt-BR" dirty="0"/>
               <a:t>Como vão embora ? Contexto</a:t>
             </a:r>
           </a:p>
           <a:p>
             <a:r>
-              <a:rPr lang="pt-BR"/>
-              <a:t>Cenário Atual de Churn da empresa; - Cálculo de Churn</a:t>
-            </a:r>
-          </a:p>
-          <a:p>
-            <a:r>
-              <a:rPr lang="pt-BR"/>
+              <a:rPr lang="pt-BR" dirty="0"/>
+              <a:t>Cenário Atual de </a:t>
+            </a:r>
+            <a:r>
+              <a:rPr lang="pt-BR" dirty="0" err="1"/>
+              <a:t>Churn</a:t>
+            </a:r>
+            <a:r>
+              <a:rPr lang="pt-BR" dirty="0"/>
+              <a:t> da empresa; - Cálculo de </a:t>
+            </a:r>
+            <a:r>
+              <a:rPr lang="pt-BR" dirty="0" err="1"/>
+              <a:t>Churn</a:t>
+            </a:r>
+            <a:endParaRPr lang="pt-BR" dirty="0"/>
+          </a:p>
+          <a:p>
+            <a:r>
+              <a:rPr lang="pt-BR" dirty="0"/>
               <a:t>Hipóteses levantadas – Teste </a:t>
             </a:r>
           </a:p>
           <a:p>
             <a:r>
-              <a:rPr lang="pt-BR"/>
+              <a:rPr lang="pt-BR" dirty="0"/>
               <a:t>Exploração do Perfil de Cancelamento;</a:t>
             </a:r>
           </a:p>
           <a:p>
             <a:pPr lvl="1"/>
             <a:r>
-              <a:rPr lang="pt-BR" b="0" i="0">
+              <a:rPr lang="pt-BR" b="0" i="0" dirty="0">
                 <a:effectLst/>
                 <a:latin typeface="-apple-system"/>
               </a:rPr>
@@ -5311,36 +5324,47 @@
           <a:p>
             <a:pPr lvl="1"/>
             <a:r>
-              <a:rPr lang="pt-BR" b="0" i="0">
+              <a:rPr lang="pt-BR" b="0" i="0" dirty="0">
                 <a:effectLst/>
                 <a:latin typeface="-apple-system"/>
               </a:rPr>
-              <a:t>comparar os grupos dos mais engajados com os que churnam</a:t>
-            </a:r>
+              <a:t>comparar os grupos dos mais engajados com os que </a:t>
+            </a:r>
+            <a:r>
+              <a:rPr lang="pt-BR" b="0" i="0" dirty="0" err="1">
+                <a:effectLst/>
+                <a:latin typeface="-apple-system"/>
+              </a:rPr>
+              <a:t>churnam</a:t>
+            </a:r>
+            <a:endParaRPr lang="pt-BR" b="0" i="0" dirty="0">
+              <a:effectLst/>
+              <a:latin typeface="-apple-system"/>
+            </a:endParaRPr>
           </a:p>
           <a:p>
             <a:pPr lvl="1"/>
             <a:r>
-              <a:rPr lang="pt-BR" b="0" i="0">
+              <a:rPr lang="pt-BR" b="0" i="0" dirty="0">
                 <a:effectLst/>
                 <a:latin typeface="-apple-system"/>
               </a:rPr>
               <a:t>qual alavanca faria mais sentido mexer para reter mais usuários</a:t>
             </a:r>
-            <a:endParaRPr lang="pt-BR">
+            <a:endParaRPr lang="pt-BR" dirty="0">
               <a:latin typeface="-apple-system"/>
             </a:endParaRPr>
           </a:p>
           <a:p>
             <a:pPr lvl="1"/>
-            <a:endParaRPr lang="pt-BR" b="0" i="0">
+            <a:endParaRPr lang="pt-BR" b="0" i="0" dirty="0">
               <a:effectLst/>
               <a:latin typeface="-apple-system"/>
             </a:endParaRPr>
           </a:p>
           <a:p>
             <a:pPr lvl="1"/>
-            <a:endParaRPr lang="pt-BR"/>
+            <a:endParaRPr lang="pt-BR" dirty="0"/>
           </a:p>
           <a:p>
             <a:pPr lvl="1"/>
@@ -5386,6 +5410,190 @@
           <a:chExt cx="0" cy="0"/>
         </a:xfrm>
       </p:grpSpPr>
+      <p:sp>
+        <p:nvSpPr>
+          <p:cNvPr id="24" name="Elipse 23">
+            <a:extLst>
+              <a:ext uri="{FF2B5EF4-FFF2-40B4-BE49-F238E27FC236}">
+                <a16:creationId xmlns:a16="http://schemas.microsoft.com/office/drawing/2014/main" id="{44631557-327D-421D-9243-EBAF441EBDB2}"/>
+              </a:ext>
+            </a:extLst>
+          </p:cNvPr>
+          <p:cNvSpPr/>
+          <p:nvPr/>
+        </p:nvSpPr>
+        <p:spPr>
+          <a:xfrm>
+            <a:off x="7578463" y="2928854"/>
+            <a:ext cx="1633491" cy="1582445"/>
+          </a:xfrm>
+          <a:prstGeom prst="ellipse">
+            <a:avLst/>
+          </a:prstGeom>
+        </p:spPr>
+        <p:style>
+          <a:lnRef idx="2">
+            <a:schemeClr val="accent6">
+              <a:shade val="50000"/>
+            </a:schemeClr>
+          </a:lnRef>
+          <a:fillRef idx="1">
+            <a:schemeClr val="accent6"/>
+          </a:fillRef>
+          <a:effectRef idx="0">
+            <a:schemeClr val="accent6"/>
+          </a:effectRef>
+          <a:fontRef idx="minor">
+            <a:schemeClr val="lt1"/>
+          </a:fontRef>
+        </p:style>
+        <p:txBody>
+          <a:bodyPr rtlCol="0" anchor="ctr"/>
+          <a:lstStyle/>
+          <a:p>
+            <a:pPr algn="ctr"/>
+            <a:endParaRPr lang="pt-BR"/>
+          </a:p>
+        </p:txBody>
+      </p:sp>
+      <p:sp>
+        <p:nvSpPr>
+          <p:cNvPr id="20" name="Elipse 19">
+            <a:extLst>
+              <a:ext uri="{FF2B5EF4-FFF2-40B4-BE49-F238E27FC236}">
+                <a16:creationId xmlns:a16="http://schemas.microsoft.com/office/drawing/2014/main" id="{B178A54F-C434-40EB-BEFA-700BFC5869A4}"/>
+              </a:ext>
+            </a:extLst>
+          </p:cNvPr>
+          <p:cNvSpPr/>
+          <p:nvPr/>
+        </p:nvSpPr>
+        <p:spPr>
+          <a:xfrm>
+            <a:off x="1117546" y="3720076"/>
+            <a:ext cx="1633491" cy="1582445"/>
+          </a:xfrm>
+          <a:prstGeom prst="ellipse">
+            <a:avLst/>
+          </a:prstGeom>
+        </p:spPr>
+        <p:style>
+          <a:lnRef idx="2">
+            <a:schemeClr val="accent6">
+              <a:shade val="50000"/>
+            </a:schemeClr>
+          </a:lnRef>
+          <a:fillRef idx="1">
+            <a:schemeClr val="accent6"/>
+          </a:fillRef>
+          <a:effectRef idx="0">
+            <a:schemeClr val="accent6"/>
+          </a:effectRef>
+          <a:fontRef idx="minor">
+            <a:schemeClr val="lt1"/>
+          </a:fontRef>
+        </p:style>
+        <p:txBody>
+          <a:bodyPr rtlCol="0" anchor="ctr"/>
+          <a:lstStyle/>
+          <a:p>
+            <a:pPr algn="ctr"/>
+            <a:endParaRPr lang="pt-BR"/>
+          </a:p>
+        </p:txBody>
+      </p:sp>
+      <p:sp>
+        <p:nvSpPr>
+          <p:cNvPr id="19" name="Elipse 18">
+            <a:extLst>
+              <a:ext uri="{FF2B5EF4-FFF2-40B4-BE49-F238E27FC236}">
+                <a16:creationId xmlns:a16="http://schemas.microsoft.com/office/drawing/2014/main" id="{BB6021C5-B579-4476-969E-2CF4B1F9DB25}"/>
+              </a:ext>
+            </a:extLst>
+          </p:cNvPr>
+          <p:cNvSpPr/>
+          <p:nvPr/>
+        </p:nvSpPr>
+        <p:spPr>
+          <a:xfrm>
+            <a:off x="5632774" y="1846554"/>
+            <a:ext cx="1633491" cy="1582445"/>
+          </a:xfrm>
+          <a:prstGeom prst="ellipse">
+            <a:avLst/>
+          </a:prstGeom>
+        </p:spPr>
+        <p:style>
+          <a:lnRef idx="2">
+            <a:schemeClr val="accent6">
+              <a:shade val="50000"/>
+            </a:schemeClr>
+          </a:lnRef>
+          <a:fillRef idx="1">
+            <a:schemeClr val="accent6"/>
+          </a:fillRef>
+          <a:effectRef idx="0">
+            <a:schemeClr val="accent6"/>
+          </a:effectRef>
+          <a:fontRef idx="minor">
+            <a:schemeClr val="lt1"/>
+          </a:fontRef>
+        </p:style>
+        <p:txBody>
+          <a:bodyPr rtlCol="0" anchor="ctr"/>
+          <a:lstStyle/>
+          <a:p>
+            <a:pPr algn="ctr"/>
+            <a:endParaRPr lang="pt-BR"/>
+          </a:p>
+        </p:txBody>
+      </p:sp>
+      <p:sp>
+        <p:nvSpPr>
+          <p:cNvPr id="4" name="Elipse 3">
+            <a:extLst>
+              <a:ext uri="{FF2B5EF4-FFF2-40B4-BE49-F238E27FC236}">
+                <a16:creationId xmlns:a16="http://schemas.microsoft.com/office/drawing/2014/main" id="{FB5982D4-3724-4667-BF78-62D00C6B800D}"/>
+              </a:ext>
+            </a:extLst>
+          </p:cNvPr>
+          <p:cNvSpPr/>
+          <p:nvPr/>
+        </p:nvSpPr>
+        <p:spPr>
+          <a:xfrm>
+            <a:off x="1233996" y="1846555"/>
+            <a:ext cx="1633491" cy="1582445"/>
+          </a:xfrm>
+          <a:prstGeom prst="ellipse">
+            <a:avLst/>
+          </a:prstGeom>
+        </p:spPr>
+        <p:style>
+          <a:lnRef idx="2">
+            <a:schemeClr val="accent6">
+              <a:shade val="50000"/>
+            </a:schemeClr>
+          </a:lnRef>
+          <a:fillRef idx="1">
+            <a:schemeClr val="accent6"/>
+          </a:fillRef>
+          <a:effectRef idx="0">
+            <a:schemeClr val="accent6"/>
+          </a:effectRef>
+          <a:fontRef idx="minor">
+            <a:schemeClr val="lt1"/>
+          </a:fontRef>
+        </p:style>
+        <p:txBody>
+          <a:bodyPr rtlCol="0" anchor="ctr"/>
+          <a:lstStyle/>
+          <a:p>
+            <a:pPr algn="ctr"/>
+            <a:endParaRPr lang="pt-BR"/>
+          </a:p>
+        </p:txBody>
+      </p:sp>
       <p:pic>
         <p:nvPicPr>
           <p:cNvPr id="9" name="Espaço Reservado para Conteúdo 8" descr="Pausar">
@@ -5419,7 +5627,7 @@
         </p:blipFill>
         <p:spPr>
           <a:xfrm>
-            <a:off x="6531731" y="3662788"/>
+            <a:off x="6096000" y="2221814"/>
             <a:ext cx="707040" cy="707040"/>
           </a:xfrm>
         </p:spPr>
@@ -5455,7 +5663,7 @@
         </p:blipFill>
         <p:spPr>
           <a:xfrm>
-            <a:off x="9695897" y="4842612"/>
+            <a:off x="7839884" y="3164752"/>
             <a:ext cx="1110648" cy="1110648"/>
           </a:xfrm>
           <a:prstGeom prst="rect">
@@ -5494,8 +5702,8 @@
         </p:blipFill>
         <p:spPr>
           <a:xfrm>
-            <a:off x="2356266" y="4792766"/>
-            <a:ext cx="1210340" cy="1210340"/>
+            <a:off x="1343312" y="3906128"/>
+            <a:ext cx="1204579" cy="1210340"/>
           </a:xfrm>
           <a:prstGeom prst="rect">
             <a:avLst/>
@@ -5533,7 +5741,7 @@
         </p:blipFill>
         <p:spPr>
           <a:xfrm>
-            <a:off x="4460662" y="2288219"/>
+            <a:off x="1463981" y="1988575"/>
             <a:ext cx="1173520" cy="1173520"/>
           </a:xfrm>
           <a:prstGeom prst="rect">
@@ -5543,98 +5751,6 @@
       </p:pic>
       <p:cxnSp>
         <p:nvCxnSpPr>
-          <p:cNvPr id="17" name="Conector de Seta Reta 16">
-            <a:extLst>
-              <a:ext uri="{FF2B5EF4-FFF2-40B4-BE49-F238E27FC236}">
-                <a16:creationId xmlns:a16="http://schemas.microsoft.com/office/drawing/2014/main" id="{E412E6C5-DAA3-453D-96F0-FCA8D5D33688}"/>
-              </a:ext>
-            </a:extLst>
-          </p:cNvPr>
-          <p:cNvCxnSpPr>
-            <a:cxnSpLocks/>
-            <a:stCxn id="13" idx="3"/>
-            <a:endCxn id="11" idx="1"/>
-          </p:cNvCxnSpPr>
-          <p:nvPr/>
-        </p:nvCxnSpPr>
-        <p:spPr>
-          <a:xfrm>
-            <a:off x="3566606" y="5397936"/>
-            <a:ext cx="6129291" cy="0"/>
-          </a:xfrm>
-          <a:prstGeom prst="straightConnector1">
-            <a:avLst/>
-          </a:prstGeom>
-          <a:ln w="28575">
-            <a:solidFill>
-              <a:srgbClr val="4DF020"/>
-            </a:solidFill>
-            <a:tailEnd type="triangle"/>
-          </a:ln>
-        </p:spPr>
-        <p:style>
-          <a:lnRef idx="3">
-            <a:schemeClr val="accent6"/>
-          </a:lnRef>
-          <a:fillRef idx="0">
-            <a:schemeClr val="accent6"/>
-          </a:fillRef>
-          <a:effectRef idx="2">
-            <a:schemeClr val="accent6"/>
-          </a:effectRef>
-          <a:fontRef idx="minor">
-            <a:schemeClr val="tx1"/>
-          </a:fontRef>
-        </p:style>
-      </p:cxnSp>
-      <p:cxnSp>
-        <p:nvCxnSpPr>
-          <p:cNvPr id="21" name="Conector: Angulado 20">
-            <a:extLst>
-              <a:ext uri="{FF2B5EF4-FFF2-40B4-BE49-F238E27FC236}">
-                <a16:creationId xmlns:a16="http://schemas.microsoft.com/office/drawing/2014/main" id="{677F5359-FEED-43F6-8BDA-541A6734B706}"/>
-              </a:ext>
-            </a:extLst>
-          </p:cNvPr>
-          <p:cNvCxnSpPr>
-            <a:cxnSpLocks/>
-            <a:stCxn id="13" idx="0"/>
-            <a:endCxn id="9" idx="1"/>
-          </p:cNvCxnSpPr>
-          <p:nvPr/>
-        </p:nvCxnSpPr>
-        <p:spPr>
-          <a:xfrm rot="5400000" flipH="1" flipV="1">
-            <a:off x="4358354" y="2619390"/>
-            <a:ext cx="776458" cy="3570295"/>
-          </a:xfrm>
-          <a:prstGeom prst="bentConnector2">
-            <a:avLst/>
-          </a:prstGeom>
-          <a:ln w="28575">
-            <a:solidFill>
-              <a:srgbClr val="4DF020"/>
-            </a:solidFill>
-            <a:tailEnd type="triangle"/>
-          </a:ln>
-        </p:spPr>
-        <p:style>
-          <a:lnRef idx="1">
-            <a:schemeClr val="accent1"/>
-          </a:lnRef>
-          <a:fillRef idx="0">
-            <a:schemeClr val="accent1"/>
-          </a:fillRef>
-          <a:effectRef idx="0">
-            <a:schemeClr val="accent1"/>
-          </a:effectRef>
-          <a:fontRef idx="minor">
-            <a:schemeClr val="tx1"/>
-          </a:fontRef>
-        </p:style>
-      </p:cxnSp>
-      <p:cxnSp>
-        <p:nvCxnSpPr>
           <p:cNvPr id="33" name="Conector de Seta Reta 32">
             <a:extLst>
               <a:ext uri="{FF2B5EF4-FFF2-40B4-BE49-F238E27FC236}">
@@ -5651,151 +5767,13 @@
         </p:nvCxnSpPr>
         <p:spPr>
           <a:xfrm>
-            <a:off x="3566606" y="5397936"/>
+            <a:off x="2547891" y="4511298"/>
             <a:ext cx="0" cy="0"/>
           </a:xfrm>
           <a:prstGeom prst="straightConnector1">
             <a:avLst/>
           </a:prstGeom>
           <a:ln>
-            <a:tailEnd type="triangle"/>
-          </a:ln>
-        </p:spPr>
-        <p:style>
-          <a:lnRef idx="1">
-            <a:schemeClr val="accent1"/>
-          </a:lnRef>
-          <a:fillRef idx="0">
-            <a:schemeClr val="accent1"/>
-          </a:fillRef>
-          <a:effectRef idx="0">
-            <a:schemeClr val="accent1"/>
-          </a:effectRef>
-          <a:fontRef idx="minor">
-            <a:schemeClr val="tx1"/>
-          </a:fontRef>
-        </p:style>
-      </p:cxnSp>
-      <p:cxnSp>
-        <p:nvCxnSpPr>
-          <p:cNvPr id="35" name="Conector: Angulado 34">
-            <a:extLst>
-              <a:ext uri="{FF2B5EF4-FFF2-40B4-BE49-F238E27FC236}">
-                <a16:creationId xmlns:a16="http://schemas.microsoft.com/office/drawing/2014/main" id="{BEEA6855-BD63-41C7-A891-207D74E3FBA6}"/>
-              </a:ext>
-            </a:extLst>
-          </p:cNvPr>
-          <p:cNvCxnSpPr>
-            <a:cxnSpLocks/>
-            <a:stCxn id="13" idx="0"/>
-            <a:endCxn id="15" idx="1"/>
-          </p:cNvCxnSpPr>
-          <p:nvPr/>
-        </p:nvCxnSpPr>
-        <p:spPr>
-          <a:xfrm rot="5400000" flipH="1" flipV="1">
-            <a:off x="2752156" y="3084260"/>
-            <a:ext cx="1917787" cy="1499226"/>
-          </a:xfrm>
-          <a:prstGeom prst="bentConnector2">
-            <a:avLst/>
-          </a:prstGeom>
-          <a:ln w="28575">
-            <a:solidFill>
-              <a:srgbClr val="4DF020"/>
-            </a:solidFill>
-            <a:tailEnd type="triangle"/>
-          </a:ln>
-        </p:spPr>
-        <p:style>
-          <a:lnRef idx="1">
-            <a:schemeClr val="accent1"/>
-          </a:lnRef>
-          <a:fillRef idx="0">
-            <a:schemeClr val="accent1"/>
-          </a:fillRef>
-          <a:effectRef idx="0">
-            <a:schemeClr val="accent1"/>
-          </a:effectRef>
-          <a:fontRef idx="minor">
-            <a:schemeClr val="tx1"/>
-          </a:fontRef>
-        </p:style>
-      </p:cxnSp>
-      <p:cxnSp>
-        <p:nvCxnSpPr>
-          <p:cNvPr id="50" name="Conector: Angulado 49">
-            <a:extLst>
-              <a:ext uri="{FF2B5EF4-FFF2-40B4-BE49-F238E27FC236}">
-                <a16:creationId xmlns:a16="http://schemas.microsoft.com/office/drawing/2014/main" id="{E16817C2-6E76-48E3-BD83-148E9071D4DE}"/>
-              </a:ext>
-            </a:extLst>
-          </p:cNvPr>
-          <p:cNvCxnSpPr>
-            <a:cxnSpLocks/>
-            <a:stCxn id="15" idx="3"/>
-            <a:endCxn id="9" idx="0"/>
-          </p:cNvCxnSpPr>
-          <p:nvPr/>
-        </p:nvCxnSpPr>
-        <p:spPr>
-          <a:xfrm>
-            <a:off x="5634182" y="2874979"/>
-            <a:ext cx="1251069" cy="787809"/>
-          </a:xfrm>
-          <a:prstGeom prst="bentConnector2">
-            <a:avLst/>
-          </a:prstGeom>
-          <a:ln w="28575">
-            <a:solidFill>
-              <a:srgbClr val="4DF020"/>
-            </a:solidFill>
-            <a:tailEnd type="triangle"/>
-          </a:ln>
-        </p:spPr>
-        <p:style>
-          <a:lnRef idx="1">
-            <a:schemeClr val="accent1"/>
-          </a:lnRef>
-          <a:fillRef idx="0">
-            <a:schemeClr val="accent1"/>
-          </a:fillRef>
-          <a:effectRef idx="0">
-            <a:schemeClr val="accent1"/>
-          </a:effectRef>
-          <a:fontRef idx="minor">
-            <a:schemeClr val="tx1"/>
-          </a:fontRef>
-        </p:style>
-      </p:cxnSp>
-      <p:cxnSp>
-        <p:nvCxnSpPr>
-          <p:cNvPr id="58" name="Conector: Angulado 57">
-            <a:extLst>
-              <a:ext uri="{FF2B5EF4-FFF2-40B4-BE49-F238E27FC236}">
-                <a16:creationId xmlns:a16="http://schemas.microsoft.com/office/drawing/2014/main" id="{F54A3C2C-F5D2-47AD-B42C-E1D8B94B8DD2}"/>
-              </a:ext>
-            </a:extLst>
-          </p:cNvPr>
-          <p:cNvCxnSpPr>
-            <a:cxnSpLocks/>
-            <a:stCxn id="9" idx="3"/>
-            <a:endCxn id="11" idx="0"/>
-          </p:cNvCxnSpPr>
-          <p:nvPr/>
-        </p:nvCxnSpPr>
-        <p:spPr>
-          <a:xfrm>
-            <a:off x="7238771" y="4016308"/>
-            <a:ext cx="3012450" cy="826304"/>
-          </a:xfrm>
-          <a:prstGeom prst="bentConnector2">
-            <a:avLst/>
-          </a:prstGeom>
-          <a:ln w="28575">
-            <a:solidFill>
-              <a:srgbClr val="4DF020"/>
-            </a:solidFill>
             <a:tailEnd type="triangle"/>
           </a:ln>
         </p:spPr>
@@ -7079,7 +7057,7 @@
           </a:lstStyle>
           <a:p>
             <a:r>
-              <a:rPr lang="pt-BR" sz="2400" b="1" dirty="0">
+              <a:rPr lang="pt-BR" sz="2400" b="1" i="1" dirty="0">
                 <a:solidFill>
                   <a:srgbClr val="222222"/>
                 </a:solidFill>
@@ -7088,7 +7066,7 @@
               <a:t>"Nossas campanhas de aquisição não tem grandes diferenças entre regiões, imagino que não tenha algum estado no qual as pessoas deixem </a:t>
             </a:r>
             <a:r>
-              <a:rPr lang="pt-BR" sz="2400" b="1" dirty="0" err="1">
+              <a:rPr lang="pt-BR" sz="2400" b="1" i="1" dirty="0" err="1">
                 <a:solidFill>
                   <a:srgbClr val="222222"/>
                 </a:solidFill>
@@ -7097,7 +7075,7 @@
               <a:t>deixem</a:t>
             </a:r>
             <a:r>
-              <a:rPr lang="pt-BR" sz="2400" b="1" dirty="0">
+              <a:rPr lang="pt-BR" sz="2400" b="1" i="1" dirty="0">
                 <a:solidFill>
                   <a:srgbClr val="222222"/>
                 </a:solidFill>
@@ -7106,7 +7084,7 @@
               <a:t> mais de usar a </a:t>
             </a:r>
             <a:r>
-              <a:rPr lang="pt-BR" sz="2400" b="1" dirty="0" err="1">
+              <a:rPr lang="pt-BR" sz="2400" b="1" i="1" dirty="0" err="1">
                 <a:solidFill>
                   <a:srgbClr val="222222"/>
                 </a:solidFill>
@@ -7115,7 +7093,7 @@
               <a:t>Fluke</a:t>
             </a:r>
             <a:r>
-              <a:rPr lang="pt-BR" sz="2400" b="1" dirty="0">
+              <a:rPr lang="pt-BR" sz="2400" b="1" i="1" dirty="0">
                 <a:solidFill>
                   <a:srgbClr val="222222"/>
                 </a:solidFill>
@@ -7126,12 +7104,64 @@
           </a:p>
         </p:txBody>
       </p:sp>
+      <p:sp>
+        <p:nvSpPr>
+          <p:cNvPr id="15" name="Espaço Reservado para Conteúdo 2">
+            <a:extLst>
+              <a:ext uri="{FF2B5EF4-FFF2-40B4-BE49-F238E27FC236}">
+                <a16:creationId xmlns:a16="http://schemas.microsoft.com/office/drawing/2014/main" id="{E1B063B1-244F-4F45-8135-82751974ADB7}"/>
+              </a:ext>
+            </a:extLst>
+          </p:cNvPr>
+          <p:cNvSpPr>
+            <a:spLocks noGrp="1"/>
+          </p:cNvSpPr>
+          <p:nvPr>
+            <p:ph idx="1"/>
+          </p:nvPr>
+        </p:nvSpPr>
+        <p:spPr>
+          <a:xfrm>
+            <a:off x="488713" y="2727344"/>
+            <a:ext cx="3148133" cy="2262909"/>
+          </a:xfrm>
+        </p:spPr>
+        <p:txBody>
+          <a:bodyPr>
+            <a:normAutofit/>
+          </a:bodyPr>
+          <a:lstStyle/>
+          <a:p>
+            <a:endParaRPr lang="pt-BR" sz="2000" u="sng" dirty="0"/>
+          </a:p>
+          <a:p>
+            <a:r>
+              <a:rPr lang="pt-BR" sz="2000" dirty="0"/>
+              <a:t>GO apresenta </a:t>
+            </a:r>
+            <a:r>
+              <a:rPr lang="pt-BR" sz="2000" dirty="0" err="1"/>
+              <a:t>Churn</a:t>
+            </a:r>
+            <a:r>
+              <a:rPr lang="pt-BR" sz="2000" dirty="0"/>
+              <a:t> atual mais alto seguido por SP e DF</a:t>
+            </a:r>
+          </a:p>
+          <a:p>
+            <a:endParaRPr lang="pt-BR" sz="2000" dirty="0"/>
+          </a:p>
+          <a:p>
+            <a:endParaRPr lang="pt-BR" sz="2000" dirty="0"/>
+          </a:p>
+        </p:txBody>
+      </p:sp>
       <p:pic>
         <p:nvPicPr>
-          <p:cNvPr id="9" name="Picture 8">
-            <a:extLst>
-              <a:ext uri="{FF2B5EF4-FFF2-40B4-BE49-F238E27FC236}">
-                <a16:creationId xmlns:a16="http://schemas.microsoft.com/office/drawing/2014/main" id="{FC080E27-5CC1-4E13-BBD6-B39892DC9F14}"/>
+          <p:cNvPr id="3" name="Imagem 2">
+            <a:extLst>
+              <a:ext uri="{FF2B5EF4-FFF2-40B4-BE49-F238E27FC236}">
+                <a16:creationId xmlns:a16="http://schemas.microsoft.com/office/drawing/2014/main" id="{63FFDACF-D15F-4D87-89DB-89536521DE60}"/>
               </a:ext>
             </a:extLst>
           </p:cNvPr>
@@ -7148,66 +7178,14 @@
         </p:blipFill>
         <p:spPr>
           <a:xfrm>
-            <a:off x="4959926" y="2520915"/>
-            <a:ext cx="7048299" cy="3556312"/>
+            <a:off x="4110802" y="1849225"/>
+            <a:ext cx="7592485" cy="4810796"/>
           </a:xfrm>
           <a:prstGeom prst="rect">
             <a:avLst/>
           </a:prstGeom>
         </p:spPr>
       </p:pic>
-      <p:sp>
-        <p:nvSpPr>
-          <p:cNvPr id="15" name="Espaço Reservado para Conteúdo 2">
-            <a:extLst>
-              <a:ext uri="{FF2B5EF4-FFF2-40B4-BE49-F238E27FC236}">
-                <a16:creationId xmlns:a16="http://schemas.microsoft.com/office/drawing/2014/main" id="{E1B063B1-244F-4F45-8135-82751974ADB7}"/>
-              </a:ext>
-            </a:extLst>
-          </p:cNvPr>
-          <p:cNvSpPr>
-            <a:spLocks noGrp="1"/>
-          </p:cNvSpPr>
-          <p:nvPr>
-            <p:ph idx="1"/>
-          </p:nvPr>
-        </p:nvSpPr>
-        <p:spPr>
-          <a:xfrm>
-            <a:off x="713654" y="3721642"/>
-            <a:ext cx="4116965" cy="2262909"/>
-          </a:xfrm>
-        </p:spPr>
-        <p:txBody>
-          <a:bodyPr>
-            <a:normAutofit/>
-          </a:bodyPr>
-          <a:lstStyle/>
-          <a:p>
-            <a:endParaRPr lang="pt-BR" sz="2000" u="sng" dirty="0"/>
-          </a:p>
-          <a:p>
-            <a:r>
-              <a:rPr lang="pt-BR" sz="2000" dirty="0"/>
-              <a:t>GO apresenta </a:t>
-            </a:r>
-            <a:r>
-              <a:rPr lang="pt-BR" sz="2000" dirty="0" err="1"/>
-              <a:t>Churn</a:t>
-            </a:r>
-            <a:r>
-              <a:rPr lang="pt-BR" sz="2000" dirty="0"/>
-              <a:t> atual mais alto seguido por SP e DF</a:t>
-            </a:r>
-          </a:p>
-          <a:p>
-            <a:endParaRPr lang="pt-BR" sz="2000" dirty="0"/>
-          </a:p>
-          <a:p>
-            <a:endParaRPr lang="pt-BR" sz="2000" dirty="0"/>
-          </a:p>
-        </p:txBody>
-      </p:sp>
     </p:spTree>
     <p:extLst>
       <p:ext uri="{BB962C8B-B14F-4D97-AF65-F5344CB8AC3E}">
